--- a/2019/2019.03.12-AWS-pangyo/aws-cfn-stackset.pptx
+++ b/2019/2019.03.12-AWS-pangyo/aws-cfn-stackset.pptx
@@ -1188,7 +1188,7 @@
                 <a:tabLst/>
                 <a:defRPr/>
               </a:pPr>
-              <a:t>3/11/2019 8:42 PM</a:t>
+              <a:t>3/12/2019 1:05 PM</a:t>
             </a:fld>
             <a:endParaRPr kumimoji="0" lang="en-US" sz="1200" b="0" i="0" u="none" strike="noStrike" kern="1200" cap="none" spc="0" normalizeH="0" baseline="0" noProof="0">
               <a:ln>
@@ -2648,7 +2648,7 @@
                 <a:tabLst/>
                 <a:defRPr/>
               </a:pPr>
-              <a:t>3/11/2019 7:23 PM</a:t>
+              <a:t>3/12/2019 1:05 PM</a:t>
             </a:fld>
             <a:endParaRPr kumimoji="0" lang="en-US" sz="1200" b="0" i="0" u="none" strike="noStrike" kern="1200" cap="none" spc="0" normalizeH="0" baseline="0" noProof="0">
               <a:ln>
@@ -8283,7 +8283,7 @@
         <p:spPr>
           <a:xfrm>
             <a:off x="381000" y="1058670"/>
-            <a:ext cx="8382000" cy="3042371"/>
+            <a:ext cx="8382000" cy="3871829"/>
           </a:xfrm>
         </p:spPr>
         <p:txBody>
@@ -8304,14 +8304,15 @@
             </a:r>
             <a:r>
               <a:rPr lang="ko-KR" altLang="en-US" dirty="0"/>
-              <a:t>을 지정할 수 없음</a:t>
-            </a:r>
-            <a:br>
-              <a:rPr lang="en-US" altLang="ko-KR" dirty="0"/>
-            </a:br>
-            <a:r>
-              <a:rPr lang="ko-KR" altLang="en-US" dirty="0"/>
-              <a:t>매번 </a:t>
+              <a:t> 사용불가</a:t>
+            </a:r>
+            <a:r>
+              <a:rPr lang="en-US" altLang="ko-KR" dirty="0"/>
+              <a:t>.</a:t>
+            </a:r>
+            <a:r>
+              <a:rPr lang="ko-KR" altLang="en-US" dirty="0"/>
+              <a:t> 매번 </a:t>
             </a:r>
             <a:r>
               <a:rPr lang="en-US" altLang="ko-KR" dirty="0"/>
@@ -8319,11 +8320,15 @@
             </a:r>
             <a:r>
               <a:rPr lang="ko-KR" altLang="en-US" dirty="0"/>
-              <a:t>에 업로드해야 한다</a:t>
-            </a:r>
-            <a:r>
-              <a:rPr lang="en-US" altLang="ko-KR" dirty="0"/>
-              <a:t>. </a:t>
+              <a:t>에 업로드 </a:t>
+            </a:r>
+            <a:r>
+              <a:rPr lang="ko-KR" altLang="en-US" dirty="0" err="1"/>
+              <a:t>ㅠㅠ</a:t>
+            </a:r>
+            <a:r>
+              <a:rPr lang="en-US" altLang="ko-KR" dirty="0"/>
+              <a:t> </a:t>
             </a:r>
             <a:br>
               <a:rPr lang="en-US" altLang="ko-KR" dirty="0"/>
@@ -8407,81 +8412,261 @@
                   </a:srgbClr>
                 </a:solidFill>
               </a:rPr>
+              <a:t>. workaround</a:t>
+            </a:r>
+            <a:r>
+              <a:rPr lang="ko-KR" altLang="en-US" sz="1000" dirty="0">
+                <a:solidFill>
+                  <a:srgbClr val="6EE094">
+                    <a:lumMod val="75000"/>
+                  </a:srgbClr>
+                </a:solidFill>
+              </a:rPr>
+              <a:t>는 있음</a:t>
+            </a:r>
+            <a:br>
+              <a:rPr lang="en-US" altLang="ko-KR" sz="1000" dirty="0">
+                <a:solidFill>
+                  <a:srgbClr val="6EE094">
+                    <a:lumMod val="75000"/>
+                  </a:srgbClr>
+                </a:solidFill>
+              </a:rPr>
+            </a:br>
+            <a:endParaRPr lang="en-US" altLang="ko-KR" dirty="0"/>
+          </a:p>
+          <a:p>
+            <a:r>
+              <a:rPr lang="en-US" altLang="ko-KR" dirty="0"/>
+              <a:t>Stack</a:t>
+            </a:r>
+            <a:r>
+              <a:rPr lang="ko-KR" altLang="en-US" dirty="0"/>
+              <a:t> </a:t>
+            </a:r>
+            <a:r>
+              <a:rPr lang="en-US" altLang="ko-KR" dirty="0"/>
+              <a:t>Instance</a:t>
+            </a:r>
+            <a:r>
+              <a:rPr lang="ko-KR" altLang="en-US" dirty="0"/>
+              <a:t>의 </a:t>
+            </a:r>
+            <a:r>
+              <a:rPr lang="en-US" altLang="ko-KR" dirty="0"/>
+              <a:t>Name/Pattern</a:t>
+            </a:r>
+            <a:r>
+              <a:rPr lang="ko-KR" altLang="en-US" dirty="0"/>
+              <a:t>을 지정할 수 없다</a:t>
+            </a:r>
+            <a:r>
+              <a:rPr lang="en-US" altLang="ko-KR" dirty="0"/>
               <a:t>.</a:t>
             </a:r>
-            <a:endParaRPr lang="en-US" altLang="ko-KR" sz="1000" dirty="0"/>
-          </a:p>
-          <a:p>
-            <a:pPr marL="388134" lvl="1" indent="0">
+            <a:br>
+              <a:rPr lang="en-US" altLang="ko-KR" dirty="0"/>
+            </a:br>
+            <a:r>
+              <a:rPr lang="en-US" altLang="ko-KR" dirty="0" err="1"/>
+              <a:t>StackName</a:t>
+            </a:r>
+            <a:r>
+              <a:rPr lang="ko-KR" altLang="en-US" dirty="0"/>
+              <a:t> 기반의 문자열 처리 불가능함</a:t>
+            </a:r>
+            <a:br>
+              <a:rPr lang="en-US" altLang="ko-KR" dirty="0"/>
+            </a:br>
+            <a:r>
+              <a:rPr lang="en-US" altLang="ko-KR" sz="1000" dirty="0">
+                <a:solidFill>
+                  <a:srgbClr val="6EE094">
+                    <a:lumMod val="75000"/>
+                  </a:srgbClr>
+                </a:solidFill>
+              </a:rPr>
+              <a:t>(</a:t>
+            </a:r>
+            <a:r>
+              <a:rPr lang="ko-KR" altLang="en-US" sz="1000" dirty="0">
+                <a:solidFill>
+                  <a:srgbClr val="6EE094">
+                    <a:lumMod val="75000"/>
+                  </a:srgbClr>
+                </a:solidFill>
+              </a:rPr>
+              <a:t>예</a:t>
+            </a:r>
+            <a:r>
+              <a:rPr lang="en-US" altLang="ko-KR" sz="1000" dirty="0">
+                <a:solidFill>
+                  <a:srgbClr val="6EE094">
+                    <a:lumMod val="75000"/>
+                  </a:srgbClr>
+                </a:solidFill>
+              </a:rPr>
+              <a:t>)</a:t>
+            </a:r>
+            <a:r>
+              <a:rPr lang="ko-KR" altLang="en-US" sz="1000" dirty="0">
+                <a:solidFill>
+                  <a:srgbClr val="6EE094">
+                    <a:lumMod val="75000"/>
+                  </a:srgbClr>
+                </a:solidFill>
+              </a:rPr>
+              <a:t> </a:t>
+            </a:r>
+            <a:r>
+              <a:rPr lang="en-US" altLang="ko-KR" sz="1000">
+                <a:solidFill>
+                  <a:srgbClr val="6EE094">
+                    <a:lumMod val="75000"/>
+                  </a:srgbClr>
+                </a:solidFill>
+              </a:rPr>
+              <a:t>StackSet-singleAWSAccount-Stackset-Demo-f5009c99-5cc3-4541-aa2f-2ac726fc6645</a:t>
+            </a:r>
+            <a:br>
+              <a:rPr lang="en-US" altLang="ko-KR" dirty="0"/>
+            </a:br>
+            <a:endParaRPr lang="en-US" altLang="ko-KR" dirty="0"/>
+          </a:p>
+          <a:p>
+            <a:r>
+              <a:rPr lang="ko-KR" altLang="en-US" dirty="0"/>
+              <a:t>여러 </a:t>
+            </a:r>
+            <a:r>
+              <a:rPr lang="en-US" altLang="ko-KR" dirty="0"/>
+              <a:t>Region</a:t>
+            </a:r>
+            <a:r>
+              <a:rPr lang="ko-KR" altLang="en-US" dirty="0"/>
+              <a:t>에서 작업하는 경우</a:t>
+            </a:r>
+            <a:r>
+              <a:rPr lang="en-US" altLang="ko-KR" dirty="0"/>
+              <a:t>,</a:t>
+            </a:r>
+            <a:r>
+              <a:rPr lang="ko-KR" altLang="en-US" dirty="0"/>
+              <a:t> 기대보다 빠르지 않음</a:t>
+            </a:r>
+            <a:endParaRPr lang="en-US" altLang="ko-KR" dirty="0"/>
+          </a:p>
+          <a:p>
+            <a:endParaRPr lang="en-US" altLang="ko-KR" dirty="0"/>
+          </a:p>
+          <a:p>
+            <a:r>
+              <a:rPr lang="en-US" altLang="ko-KR" dirty="0"/>
+              <a:t>Terminate-Protection</a:t>
+            </a:r>
+            <a:r>
+              <a:rPr lang="ko-KR" altLang="en-US" dirty="0"/>
+              <a:t> 없음 </a:t>
+            </a:r>
+            <a:r>
+              <a:rPr lang="ko-KR" altLang="en-US" dirty="0" err="1"/>
+              <a:t>ㅠㅠ</a:t>
+            </a:r>
+            <a:endParaRPr lang="en-US" altLang="ko-KR" dirty="0"/>
+          </a:p>
+          <a:p>
+            <a:pPr marL="0" lvl="0" indent="0">
               <a:buNone/>
             </a:pPr>
-            <a:endParaRPr lang="en-US" altLang="ko-KR" dirty="0"/>
-          </a:p>
-          <a:p>
-            <a:r>
-              <a:rPr lang="en-US" altLang="ko-KR" dirty="0"/>
-              <a:t>Stack</a:t>
-            </a:r>
-            <a:r>
-              <a:rPr lang="ko-KR" altLang="en-US" dirty="0"/>
+            <a:r>
+              <a:rPr lang="ko-KR" altLang="en-US" sz="1000" dirty="0">
+                <a:solidFill>
+                  <a:srgbClr val="6EE094">
+                    <a:lumMod val="75000"/>
+                  </a:srgbClr>
+                </a:solidFill>
+              </a:rPr>
+              <a:t>         개별 </a:t>
+            </a:r>
+            <a:r>
+              <a:rPr lang="en-US" altLang="ko-KR" sz="1000" dirty="0">
+                <a:solidFill>
+                  <a:srgbClr val="6EE094">
+                    <a:lumMod val="75000"/>
+                  </a:srgbClr>
+                </a:solidFill>
+              </a:rPr>
+              <a:t>stack</a:t>
+            </a:r>
+            <a:r>
+              <a:rPr lang="ko-KR" altLang="en-US" sz="1000" dirty="0">
+                <a:solidFill>
+                  <a:srgbClr val="6EE094">
+                    <a:lumMod val="75000"/>
+                  </a:srgbClr>
+                </a:solidFill>
+              </a:rPr>
+              <a:t> 에서는 </a:t>
+            </a:r>
+            <a:r>
+              <a:rPr lang="en-US" altLang="ko-KR" sz="1000" dirty="0">
+                <a:solidFill>
+                  <a:srgbClr val="6EE094">
+                    <a:lumMod val="75000"/>
+                  </a:srgbClr>
+                </a:solidFill>
+              </a:rPr>
+              <a:t>terminate-protection</a:t>
+            </a:r>
+            <a:r>
+              <a:rPr lang="ko-KR" altLang="en-US" sz="1000" dirty="0">
+                <a:solidFill>
+                  <a:srgbClr val="6EE094">
+                    <a:lumMod val="75000"/>
+                  </a:srgbClr>
+                </a:solidFill>
+              </a:rPr>
+              <a:t>이 설정할 수 있지만</a:t>
+            </a:r>
+            <a:r>
+              <a:rPr lang="en-US" altLang="ko-KR" sz="1000" dirty="0">
+                <a:solidFill>
+                  <a:srgbClr val="6EE094">
+                    <a:lumMod val="75000"/>
+                  </a:srgbClr>
+                </a:solidFill>
+              </a:rPr>
+              <a:t>,</a:t>
+            </a:r>
+            <a:r>
+              <a:rPr lang="ko-KR" altLang="en-US" sz="1000" dirty="0">
+                <a:solidFill>
+                  <a:srgbClr val="6EE094">
+                    <a:lumMod val="75000"/>
+                  </a:srgbClr>
+                </a:solidFill>
+              </a:rPr>
               <a:t> </a:t>
             </a:r>
             <a:r>
-              <a:rPr lang="en-US" altLang="ko-KR" dirty="0"/>
-              <a:t>Instance</a:t>
-            </a:r>
-            <a:r>
-              <a:rPr lang="ko-KR" altLang="en-US" dirty="0"/>
-              <a:t>의 </a:t>
-            </a:r>
-            <a:r>
-              <a:rPr lang="en-US" altLang="ko-KR" dirty="0"/>
-              <a:t>Name/Pattern</a:t>
-            </a:r>
-            <a:r>
-              <a:rPr lang="ko-KR" altLang="en-US" dirty="0"/>
-              <a:t>을 지정할 수 없다</a:t>
-            </a:r>
-            <a:r>
-              <a:rPr lang="en-US" altLang="ko-KR" dirty="0"/>
-              <a:t>.</a:t>
-            </a:r>
-            <a:br>
-              <a:rPr lang="en-US" altLang="ko-KR" dirty="0"/>
-            </a:br>
-            <a:r>
-              <a:rPr lang="en-US" altLang="ko-KR" dirty="0" err="1"/>
-              <a:t>StackName</a:t>
-            </a:r>
-            <a:r>
-              <a:rPr lang="ko-KR" altLang="en-US" dirty="0"/>
-              <a:t> 기반의 문자열 처리 불가능함</a:t>
-            </a:r>
-            <a:endParaRPr lang="en-US" altLang="ko-KR" dirty="0"/>
-          </a:p>
-          <a:p>
-            <a:endParaRPr lang="en-US" altLang="ko-KR" dirty="0"/>
-          </a:p>
-          <a:p>
-            <a:r>
-              <a:rPr lang="ko-KR" altLang="en-US" dirty="0"/>
-              <a:t>여러 </a:t>
-            </a:r>
-            <a:r>
-              <a:rPr lang="en-US" altLang="ko-KR" dirty="0"/>
-              <a:t>Region</a:t>
-            </a:r>
-            <a:r>
-              <a:rPr lang="ko-KR" altLang="en-US" dirty="0"/>
-              <a:t>에서 작업하는 경우</a:t>
-            </a:r>
-            <a:r>
-              <a:rPr lang="en-US" altLang="ko-KR" dirty="0"/>
-              <a:t>,</a:t>
-            </a:r>
-            <a:r>
-              <a:rPr lang="ko-KR" altLang="en-US" dirty="0"/>
-              <a:t> 기대보다 빠르지 않음</a:t>
+              <a:rPr lang="en-US" altLang="ko-KR" sz="1000" dirty="0">
+                <a:solidFill>
+                  <a:srgbClr val="6EE094">
+                    <a:lumMod val="75000"/>
+                  </a:srgbClr>
+                </a:solidFill>
+              </a:rPr>
+              <a:t>stack-set</a:t>
+            </a:r>
+            <a:r>
+              <a:rPr lang="ko-KR" altLang="en-US" sz="1000" dirty="0">
+                <a:solidFill>
+                  <a:srgbClr val="6EE094">
+                    <a:lumMod val="75000"/>
+                  </a:srgbClr>
+                </a:solidFill>
+              </a:rPr>
+              <a:t> 수준에서는 불가능</a:t>
             </a:r>
             <a:endParaRPr lang="en-US" altLang="ko-KR" dirty="0"/>
           </a:p>

--- a/2019/2019.03.12-AWS-pangyo/aws-cfn-stackset.pptx
+++ b/2019/2019.03.12-AWS-pangyo/aws-cfn-stackset.pptx
@@ -5,7 +5,7 @@
     <p:sldMasterId id="2147483655" r:id="rId1"/>
   </p:sldMasterIdLst>
   <p:notesMasterIdLst>
-    <p:notesMasterId r:id="rId33"/>
+    <p:notesMasterId r:id="rId34"/>
   </p:notesMasterIdLst>
   <p:sldIdLst>
     <p:sldId id="402" r:id="rId2"/>
@@ -24,21 +24,22 @@
     <p:sldId id="406" r:id="rId15"/>
     <p:sldId id="423" r:id="rId16"/>
     <p:sldId id="427" r:id="rId17"/>
-    <p:sldId id="434" r:id="rId18"/>
-    <p:sldId id="428" r:id="rId19"/>
+    <p:sldId id="428" r:id="rId18"/>
+    <p:sldId id="434" r:id="rId19"/>
     <p:sldId id="418" r:id="rId20"/>
     <p:sldId id="429" r:id="rId21"/>
     <p:sldId id="432" r:id="rId22"/>
     <p:sldId id="430" r:id="rId23"/>
-    <p:sldId id="431" r:id="rId24"/>
-    <p:sldId id="415" r:id="rId25"/>
+    <p:sldId id="415" r:id="rId24"/>
+    <p:sldId id="431" r:id="rId25"/>
     <p:sldId id="433" r:id="rId26"/>
     <p:sldId id="436" r:id="rId27"/>
     <p:sldId id="437" r:id="rId28"/>
     <p:sldId id="438" r:id="rId29"/>
     <p:sldId id="405" r:id="rId30"/>
     <p:sldId id="425" r:id="rId31"/>
-    <p:sldId id="412" r:id="rId32"/>
+    <p:sldId id="439" r:id="rId32"/>
+    <p:sldId id="412" r:id="rId33"/>
   </p:sldIdLst>
   <p:sldSz cx="9144000" cy="5143500" type="screen16x9"/>
   <p:notesSz cx="6858000" cy="9144000"/>
@@ -554,7 +555,31 @@
           <a:p>
             <a:r>
               <a:rPr lang="ko-KR" altLang="en-US" dirty="0"/>
-              <a:t>인사</a:t>
+              <a:t>안녕하세요 </a:t>
+            </a:r>
+            <a:r>
+              <a:rPr lang="en-US" altLang="ko-KR" dirty="0"/>
+              <a:t>AWS</a:t>
+            </a:r>
+            <a:r>
+              <a:rPr lang="ko-KR" altLang="en-US" dirty="0"/>
+              <a:t> </a:t>
+            </a:r>
+            <a:r>
+              <a:rPr lang="en-US" dirty="0"/>
+              <a:t>CloudFormation </a:t>
+            </a:r>
+            <a:r>
+              <a:rPr lang="en-US" dirty="0" err="1"/>
+              <a:t>StackSet</a:t>
+            </a:r>
+            <a:r>
+              <a:rPr lang="ko-KR" altLang="en-US" dirty="0"/>
+              <a:t> 에 대해서 발표를 진행하게 된 엄기성이라고 합니다</a:t>
+            </a:r>
+            <a:r>
+              <a:rPr lang="en-US" altLang="ko-KR" dirty="0"/>
+              <a:t>.</a:t>
             </a:r>
             <a:endParaRPr lang="en-US" dirty="0"/>
           </a:p>
@@ -617,6 +642,54 @@
           <a:bodyPr/>
           <a:lstStyle/>
           <a:p>
+            <a:pPr marL="0" marR="0" lvl="0" indent="0" algn="l" defTabSz="914400" rtl="0" eaLnBrk="1" fontAlgn="auto" latinLnBrk="1" hangingPunct="1">
+              <a:lnSpc>
+                <a:spcPct val="100000"/>
+              </a:lnSpc>
+              <a:spcBef>
+                <a:spcPts val="0"/>
+              </a:spcBef>
+              <a:spcAft>
+                <a:spcPts val="0"/>
+              </a:spcAft>
+              <a:buClrTx/>
+              <a:buSzTx/>
+              <a:buFontTx/>
+              <a:buNone/>
+              <a:tabLst/>
+              <a:defRPr/>
+            </a:pPr>
+            <a:r>
+              <a:rPr lang="en-US" altLang="ko-KR" dirty="0" err="1"/>
+              <a:t>AzureRM</a:t>
+            </a:r>
+            <a:r>
+              <a:rPr lang="en-US" altLang="ko-KR" dirty="0"/>
+              <a:t> Template</a:t>
+            </a:r>
+            <a:r>
+              <a:rPr lang="ko-KR" altLang="en-US" dirty="0"/>
+              <a:t> 예제 코드 </a:t>
+            </a:r>
+            <a:r>
+              <a:rPr lang="en-US" altLang="ko-KR" dirty="0"/>
+              <a:t>–</a:t>
+            </a:r>
+            <a:r>
+              <a:rPr lang="ko-KR" altLang="en-US" dirty="0"/>
+              <a:t> </a:t>
+            </a:r>
+            <a:r>
+              <a:rPr lang="en-US" altLang="ko-KR" dirty="0"/>
+              <a:t>Azure Storage Account</a:t>
+            </a:r>
+            <a:r>
+              <a:rPr lang="ko-KR" altLang="en-US" dirty="0"/>
+              <a:t> 생성</a:t>
+            </a:r>
+            <a:endParaRPr lang="en-US" dirty="0"/>
+          </a:p>
+          <a:p>
             <a:endParaRPr lang="en-US" dirty="0"/>
           </a:p>
         </p:txBody>
@@ -624,7 +697,7 @@
     </p:spTree>
     <p:extLst>
       <p:ext uri="{BB962C8B-B14F-4D97-AF65-F5344CB8AC3E}">
-        <p14:creationId xmlns:p14="http://schemas.microsoft.com/office/powerpoint/2010/main" val="3597281050"/>
+        <p14:creationId xmlns:p14="http://schemas.microsoft.com/office/powerpoint/2010/main" val="1065835288"/>
       </p:ext>
     </p:extLst>
   </p:cSld>
@@ -679,12 +752,32 @@
           <a:lstStyle/>
           <a:p>
             <a:r>
-              <a:rPr lang="ko-KR" altLang="en-US" dirty="0"/>
-              <a:t>오늘 발표할 내용의 목차입니다</a:t>
-            </a:r>
-            <a:r>
-              <a:rPr lang="en-US" altLang="ko-KR" dirty="0"/>
-              <a:t>.</a:t>
+              <a:rPr lang="en-US" dirty="0"/>
+              <a:t>HCL </a:t>
+            </a:r>
+            <a:r>
+              <a:rPr lang="ko-KR" altLang="en-US" dirty="0"/>
+              <a:t>예제 코드 </a:t>
+            </a:r>
+            <a:r>
+              <a:rPr lang="en-US" altLang="ko-KR" dirty="0"/>
+              <a:t>–</a:t>
+            </a:r>
+            <a:r>
+              <a:rPr lang="ko-KR" altLang="en-US" dirty="0"/>
+              <a:t> </a:t>
+            </a:r>
+            <a:r>
+              <a:rPr lang="en-US" altLang="ko-KR"/>
+              <a:t>AWS S3 </a:t>
+            </a:r>
+            <a:r>
+              <a:rPr lang="en-US" altLang="ko-KR" dirty="0"/>
+              <a:t>Bucket</a:t>
+            </a:r>
+            <a:r>
+              <a:rPr lang="ko-KR" altLang="en-US" dirty="0"/>
+              <a:t> 생성</a:t>
             </a:r>
             <a:endParaRPr lang="en-US" dirty="0"/>
           </a:p>
@@ -693,7 +786,7 @@
     </p:spTree>
     <p:extLst>
       <p:ext uri="{BB962C8B-B14F-4D97-AF65-F5344CB8AC3E}">
-        <p14:creationId xmlns:p14="http://schemas.microsoft.com/office/powerpoint/2010/main" val="1586390846"/>
+        <p14:creationId xmlns:p14="http://schemas.microsoft.com/office/powerpoint/2010/main" val="3214418940"/>
       </p:ext>
     </p:extLst>
   </p:cSld>
@@ -722,311 +815,6 @@
       </p:grpSpPr>
       <p:sp>
         <p:nvSpPr>
-          <p:cNvPr id="2" name="슬라이드 이미지 개체 틀 1"/>
-          <p:cNvSpPr>
-            <a:spLocks noGrp="1" noRot="1" noChangeAspect="1"/>
-          </p:cNvSpPr>
-          <p:nvPr>
-            <p:ph type="sldImg"/>
-          </p:nvPr>
-        </p:nvSpPr>
-        <p:spPr/>
-      </p:sp>
-      <p:sp>
-        <p:nvSpPr>
-          <p:cNvPr id="3" name="슬라이드 노트 개체 틀 2"/>
-          <p:cNvSpPr>
-            <a:spLocks noGrp="1"/>
-          </p:cNvSpPr>
-          <p:nvPr>
-            <p:ph type="body" idx="1"/>
-          </p:nvPr>
-        </p:nvSpPr>
-        <p:spPr/>
-        <p:txBody>
-          <a:bodyPr/>
-          <a:lstStyle/>
-          <a:p>
-            <a:endParaRPr lang="en-US" dirty="0"/>
-          </a:p>
-        </p:txBody>
-      </p:sp>
-    </p:spTree>
-    <p:extLst>
-      <p:ext uri="{BB962C8B-B14F-4D97-AF65-F5344CB8AC3E}">
-        <p14:creationId xmlns:p14="http://schemas.microsoft.com/office/powerpoint/2010/main" val="1500701037"/>
-      </p:ext>
-    </p:extLst>
-  </p:cSld>
-  <p:clrMapOvr>
-    <a:masterClrMapping/>
-  </p:clrMapOvr>
-</p:notes>
-</file>
-
-<file path=ppt/notesSlides/notesSlide13.xml><?xml version="1.0" encoding="utf-8"?>
-<p:notes xmlns:a="http://schemas.openxmlformats.org/drawingml/2006/main" xmlns:r="http://schemas.openxmlformats.org/officeDocument/2006/relationships" xmlns:p="http://schemas.openxmlformats.org/presentationml/2006/main">
-  <p:cSld>
-    <p:spTree>
-      <p:nvGrpSpPr>
-        <p:cNvPr id="1" name=""/>
-        <p:cNvGrpSpPr/>
-        <p:nvPr/>
-      </p:nvGrpSpPr>
-      <p:grpSpPr>
-        <a:xfrm>
-          <a:off x="0" y="0"/>
-          <a:ext cx="0" cy="0"/>
-          <a:chOff x="0" y="0"/>
-          <a:chExt cx="0" cy="0"/>
-        </a:xfrm>
-      </p:grpSpPr>
-      <p:sp>
-        <p:nvSpPr>
-          <p:cNvPr id="2" name="슬라이드 이미지 개체 틀 1"/>
-          <p:cNvSpPr>
-            <a:spLocks noGrp="1" noRot="1" noChangeAspect="1"/>
-          </p:cNvSpPr>
-          <p:nvPr>
-            <p:ph type="sldImg"/>
-          </p:nvPr>
-        </p:nvSpPr>
-        <p:spPr/>
-      </p:sp>
-      <p:sp>
-        <p:nvSpPr>
-          <p:cNvPr id="3" name="슬라이드 노트 개체 틀 2"/>
-          <p:cNvSpPr>
-            <a:spLocks noGrp="1"/>
-          </p:cNvSpPr>
-          <p:nvPr>
-            <p:ph type="body" idx="1"/>
-          </p:nvPr>
-        </p:nvSpPr>
-        <p:spPr/>
-        <p:txBody>
-          <a:bodyPr/>
-          <a:lstStyle/>
-          <a:p>
-            <a:endParaRPr lang="en-US" dirty="0"/>
-          </a:p>
-        </p:txBody>
-      </p:sp>
-    </p:spTree>
-    <p:extLst>
-      <p:ext uri="{BB962C8B-B14F-4D97-AF65-F5344CB8AC3E}">
-        <p14:creationId xmlns:p14="http://schemas.microsoft.com/office/powerpoint/2010/main" val="314285031"/>
-      </p:ext>
-    </p:extLst>
-  </p:cSld>
-  <p:clrMapOvr>
-    <a:masterClrMapping/>
-  </p:clrMapOvr>
-</p:notes>
-</file>
-
-<file path=ppt/notesSlides/notesSlide14.xml><?xml version="1.0" encoding="utf-8"?>
-<p:notes xmlns:a="http://schemas.openxmlformats.org/drawingml/2006/main" xmlns:r="http://schemas.openxmlformats.org/officeDocument/2006/relationships" xmlns:p="http://schemas.openxmlformats.org/presentationml/2006/main">
-  <p:cSld>
-    <p:spTree>
-      <p:nvGrpSpPr>
-        <p:cNvPr id="1" name=""/>
-        <p:cNvGrpSpPr/>
-        <p:nvPr/>
-      </p:nvGrpSpPr>
-      <p:grpSpPr>
-        <a:xfrm>
-          <a:off x="0" y="0"/>
-          <a:ext cx="0" cy="0"/>
-          <a:chOff x="0" y="0"/>
-          <a:chExt cx="0" cy="0"/>
-        </a:xfrm>
-      </p:grpSpPr>
-      <p:sp>
-        <p:nvSpPr>
-          <p:cNvPr id="2" name="슬라이드 이미지 개체 틀 1"/>
-          <p:cNvSpPr>
-            <a:spLocks noGrp="1" noRot="1" noChangeAspect="1"/>
-          </p:cNvSpPr>
-          <p:nvPr>
-            <p:ph type="sldImg"/>
-          </p:nvPr>
-        </p:nvSpPr>
-        <p:spPr/>
-      </p:sp>
-      <p:sp>
-        <p:nvSpPr>
-          <p:cNvPr id="3" name="슬라이드 노트 개체 틀 2"/>
-          <p:cNvSpPr>
-            <a:spLocks noGrp="1"/>
-          </p:cNvSpPr>
-          <p:nvPr>
-            <p:ph type="body" idx="1"/>
-          </p:nvPr>
-        </p:nvSpPr>
-        <p:spPr/>
-        <p:txBody>
-          <a:bodyPr/>
-          <a:lstStyle/>
-          <a:p>
-            <a:endParaRPr lang="en-US" dirty="0"/>
-          </a:p>
-        </p:txBody>
-      </p:sp>
-    </p:spTree>
-    <p:extLst>
-      <p:ext uri="{BB962C8B-B14F-4D97-AF65-F5344CB8AC3E}">
-        <p14:creationId xmlns:p14="http://schemas.microsoft.com/office/powerpoint/2010/main" val="2694123856"/>
-      </p:ext>
-    </p:extLst>
-  </p:cSld>
-  <p:clrMapOvr>
-    <a:masterClrMapping/>
-  </p:clrMapOvr>
-</p:notes>
-</file>
-
-<file path=ppt/notesSlides/notesSlide15.xml><?xml version="1.0" encoding="utf-8"?>
-<p:notes xmlns:a="http://schemas.openxmlformats.org/drawingml/2006/main" xmlns:r="http://schemas.openxmlformats.org/officeDocument/2006/relationships" xmlns:p="http://schemas.openxmlformats.org/presentationml/2006/main">
-  <p:cSld>
-    <p:spTree>
-      <p:nvGrpSpPr>
-        <p:cNvPr id="1" name=""/>
-        <p:cNvGrpSpPr/>
-        <p:nvPr/>
-      </p:nvGrpSpPr>
-      <p:grpSpPr>
-        <a:xfrm>
-          <a:off x="0" y="0"/>
-          <a:ext cx="0" cy="0"/>
-          <a:chOff x="0" y="0"/>
-          <a:chExt cx="0" cy="0"/>
-        </a:xfrm>
-      </p:grpSpPr>
-      <p:sp>
-        <p:nvSpPr>
-          <p:cNvPr id="2" name="슬라이드 이미지 개체 틀 1"/>
-          <p:cNvSpPr>
-            <a:spLocks noGrp="1" noRot="1" noChangeAspect="1"/>
-          </p:cNvSpPr>
-          <p:nvPr>
-            <p:ph type="sldImg"/>
-          </p:nvPr>
-        </p:nvSpPr>
-        <p:spPr/>
-      </p:sp>
-      <p:sp>
-        <p:nvSpPr>
-          <p:cNvPr id="3" name="슬라이드 노트 개체 틀 2"/>
-          <p:cNvSpPr>
-            <a:spLocks noGrp="1"/>
-          </p:cNvSpPr>
-          <p:nvPr>
-            <p:ph type="body" idx="1"/>
-          </p:nvPr>
-        </p:nvSpPr>
-        <p:spPr/>
-        <p:txBody>
-          <a:bodyPr/>
-          <a:lstStyle/>
-          <a:p>
-            <a:endParaRPr lang="en-US" dirty="0"/>
-          </a:p>
-        </p:txBody>
-      </p:sp>
-    </p:spTree>
-    <p:extLst>
-      <p:ext uri="{BB962C8B-B14F-4D97-AF65-F5344CB8AC3E}">
-        <p14:creationId xmlns:p14="http://schemas.microsoft.com/office/powerpoint/2010/main" val="1537599133"/>
-      </p:ext>
-    </p:extLst>
-  </p:cSld>
-  <p:clrMapOvr>
-    <a:masterClrMapping/>
-  </p:clrMapOvr>
-</p:notes>
-</file>
-
-<file path=ppt/notesSlides/notesSlide16.xml><?xml version="1.0" encoding="utf-8"?>
-<p:notes xmlns:a="http://schemas.openxmlformats.org/drawingml/2006/main" xmlns:r="http://schemas.openxmlformats.org/officeDocument/2006/relationships" xmlns:p="http://schemas.openxmlformats.org/presentationml/2006/main">
-  <p:cSld>
-    <p:spTree>
-      <p:nvGrpSpPr>
-        <p:cNvPr id="1" name=""/>
-        <p:cNvGrpSpPr/>
-        <p:nvPr/>
-      </p:nvGrpSpPr>
-      <p:grpSpPr>
-        <a:xfrm>
-          <a:off x="0" y="0"/>
-          <a:ext cx="0" cy="0"/>
-          <a:chOff x="0" y="0"/>
-          <a:chExt cx="0" cy="0"/>
-        </a:xfrm>
-      </p:grpSpPr>
-      <p:sp>
-        <p:nvSpPr>
-          <p:cNvPr id="2" name="슬라이드 이미지 개체 틀 1"/>
-          <p:cNvSpPr>
-            <a:spLocks noGrp="1" noRot="1" noChangeAspect="1"/>
-          </p:cNvSpPr>
-          <p:nvPr>
-            <p:ph type="sldImg"/>
-          </p:nvPr>
-        </p:nvSpPr>
-        <p:spPr/>
-      </p:sp>
-      <p:sp>
-        <p:nvSpPr>
-          <p:cNvPr id="3" name="슬라이드 노트 개체 틀 2"/>
-          <p:cNvSpPr>
-            <a:spLocks noGrp="1"/>
-          </p:cNvSpPr>
-          <p:nvPr>
-            <p:ph type="body" idx="1"/>
-          </p:nvPr>
-        </p:nvSpPr>
-        <p:spPr/>
-        <p:txBody>
-          <a:bodyPr/>
-          <a:lstStyle/>
-          <a:p>
-            <a:endParaRPr lang="en-US" dirty="0"/>
-          </a:p>
-        </p:txBody>
-      </p:sp>
-    </p:spTree>
-    <p:extLst>
-      <p:ext uri="{BB962C8B-B14F-4D97-AF65-F5344CB8AC3E}">
-        <p14:creationId xmlns:p14="http://schemas.microsoft.com/office/powerpoint/2010/main" val="1138441907"/>
-      </p:ext>
-    </p:extLst>
-  </p:cSld>
-  <p:clrMapOvr>
-    <a:masterClrMapping/>
-  </p:clrMapOvr>
-</p:notes>
-</file>
-
-<file path=ppt/notesSlides/notesSlide17.xml><?xml version="1.0" encoding="utf-8"?>
-<p:notes xmlns:a="http://schemas.openxmlformats.org/drawingml/2006/main" xmlns:r="http://schemas.openxmlformats.org/officeDocument/2006/relationships" xmlns:p="http://schemas.openxmlformats.org/presentationml/2006/main">
-  <p:cSld>
-    <p:spTree>
-      <p:nvGrpSpPr>
-        <p:cNvPr id="1" name=""/>
-        <p:cNvGrpSpPr/>
-        <p:nvPr/>
-      </p:nvGrpSpPr>
-      <p:grpSpPr>
-        <a:xfrm>
-          <a:off x="0" y="0"/>
-          <a:ext cx="0" cy="0"/>
-          <a:chOff x="0" y="0"/>
-          <a:chExt cx="0" cy="0"/>
-        </a:xfrm>
-      </p:grpSpPr>
-      <p:sp>
-        <p:nvSpPr>
           <p:cNvPr id="2" name="Slide Image Placeholder 1"/>
           <p:cNvSpPr>
             <a:spLocks noGrp="1" noRot="1" noChangeAspect="1"/>
@@ -1060,12 +848,23 @@
           <a:lstStyle/>
           <a:p>
             <a:r>
-              <a:rPr lang="en-US" altLang="ko-KR" dirty="0"/>
-              <a:t>demo2-prepare-cfn-stackset.ps1</a:t>
-            </a:r>
+              <a:rPr lang="ko-KR" altLang="en-US" dirty="0"/>
+              <a:t>초간단 </a:t>
+            </a:r>
+            <a:r>
+              <a:rPr lang="en-US" altLang="ko-KR" dirty="0" err="1"/>
+              <a:t>cloudformation</a:t>
+            </a:r>
+            <a:r>
+              <a:rPr lang="ko-KR" altLang="en-US" dirty="0"/>
+              <a:t> 사용하는 데모</a:t>
+            </a:r>
+            <a:endParaRPr lang="en-US" altLang="ko-KR" dirty="0"/>
+          </a:p>
+          <a:p>
             <a:r>
               <a:rPr lang="en-US" dirty="0"/>
-              <a:t> </a:t>
+              <a:t>demo1-simple-cfn-stack.ps1 </a:t>
             </a:r>
             <a:r>
               <a:rPr lang="ko-KR" altLang="en-US" dirty="0"/>
@@ -1188,7 +987,1405 @@
                 <a:tabLst/>
                 <a:defRPr/>
               </a:pPr>
-              <a:t>3/12/2019 1:05 PM</a:t>
+              <a:t>3/13/2019 11:25 AM</a:t>
+            </a:fld>
+            <a:endParaRPr kumimoji="0" lang="en-US" sz="1200" b="0" i="0" u="none" strike="noStrike" kern="1200" cap="none" spc="0" normalizeH="0" baseline="0" noProof="0">
+              <a:ln>
+                <a:noFill/>
+              </a:ln>
+              <a:solidFill>
+                <a:prstClr val="black"/>
+              </a:solidFill>
+              <a:effectLst/>
+              <a:uLnTx/>
+              <a:uFillTx/>
+              <a:latin typeface="Calibri"/>
+              <a:ea typeface="+mn-ea"/>
+              <a:cs typeface="+mn-cs"/>
+            </a:endParaRPr>
+          </a:p>
+        </p:txBody>
+      </p:sp>
+      <p:sp>
+        <p:nvSpPr>
+          <p:cNvPr id="6" name="Footer Placeholder 5"/>
+          <p:cNvSpPr>
+            <a:spLocks noGrp="1"/>
+          </p:cNvSpPr>
+          <p:nvPr>
+            <p:ph type="ftr" sz="quarter" idx="12"/>
+          </p:nvPr>
+        </p:nvSpPr>
+        <p:spPr/>
+        <p:txBody>
+          <a:bodyPr/>
+          <a:lstStyle/>
+          <a:p>
+            <a:pPr marL="0" marR="0" lvl="0" indent="0" algn="l" defTabSz="914363" rtl="0" eaLnBrk="1" fontAlgn="auto" latinLnBrk="0" hangingPunct="1">
+              <a:lnSpc>
+                <a:spcPct val="100000"/>
+              </a:lnSpc>
+              <a:spcBef>
+                <a:spcPts val="0"/>
+              </a:spcBef>
+              <a:spcAft>
+                <a:spcPts val="0"/>
+              </a:spcAft>
+              <a:buClrTx/>
+              <a:buSzTx/>
+              <a:buFontTx/>
+              <a:buNone/>
+              <a:tabLst/>
+              <a:defRPr/>
+            </a:pPr>
+            <a:r>
+              <a:rPr kumimoji="0" lang="en-US" sz="500" b="0" i="0" u="none" strike="noStrike" kern="1200" cap="none" spc="0" normalizeH="0" baseline="0" noProof="0">
+                <a:ln>
+                  <a:noFill/>
+                </a:ln>
+                <a:solidFill>
+                  <a:srgbClr val="000000"/>
+                </a:solidFill>
+                <a:effectLst/>
+                <a:uLnTx/>
+                <a:uFillTx/>
+                <a:latin typeface="Segoe" pitchFamily="34" charset="0"/>
+                <a:ea typeface="+mn-ea"/>
+                <a:cs typeface="+mn-cs"/>
+              </a:rPr>
+              <a:t>© 2007 Microsoft Corporation. All rights reserved. Microsoft, Windows, Windows Vista and other product names are or may be registered trademarks and/or trademarks in the U.S. and/or other countries.</a:t>
+            </a:r>
+          </a:p>
+          <a:p>
+            <a:pPr marL="0" marR="0" lvl="0" indent="0" algn="l" defTabSz="914363" rtl="0" eaLnBrk="1" fontAlgn="auto" latinLnBrk="0" hangingPunct="1">
+              <a:lnSpc>
+                <a:spcPct val="100000"/>
+              </a:lnSpc>
+              <a:spcBef>
+                <a:spcPts val="0"/>
+              </a:spcBef>
+              <a:spcAft>
+                <a:spcPts val="0"/>
+              </a:spcAft>
+              <a:buClrTx/>
+              <a:buSzTx/>
+              <a:buFontTx/>
+              <a:buNone/>
+              <a:tabLst/>
+              <a:defRPr/>
+            </a:pPr>
+            <a:r>
+              <a:rPr kumimoji="0" lang="en-US" sz="500" b="0" i="0" u="none" strike="noStrike" kern="1200" cap="none" spc="0" normalizeH="0" baseline="0" noProof="0">
+                <a:ln>
+                  <a:noFill/>
+                </a:ln>
+                <a:solidFill>
+                  <a:srgbClr val="000000"/>
+                </a:solidFill>
+                <a:effectLst/>
+                <a:uLnTx/>
+                <a:uFillTx/>
+                <a:latin typeface="Segoe" pitchFamily="34" charset="0"/>
+                <a:ea typeface="+mn-ea"/>
+                <a:cs typeface="+mn-cs"/>
+              </a:rPr>
+              <a:t>The information herein is for informational purposes only and represents the current view of Microsoft Corporation as of the date of this presentation.  Because Microsoft must respond to changing market conditions, it should not be interpreted to be a commitment on the part of Microsoft, and Microsoft cannot guarantee the accuracy of any information provided after the date of this presentation.  </a:t>
+            </a:r>
+            <a:br>
+              <a:rPr kumimoji="0" lang="en-US" sz="500" b="0" i="0" u="none" strike="noStrike" kern="1200" cap="none" spc="0" normalizeH="0" baseline="0" noProof="0">
+                <a:ln>
+                  <a:noFill/>
+                </a:ln>
+                <a:solidFill>
+                  <a:srgbClr val="000000"/>
+                </a:solidFill>
+                <a:effectLst/>
+                <a:uLnTx/>
+                <a:uFillTx/>
+                <a:latin typeface="Segoe" pitchFamily="34" charset="0"/>
+                <a:ea typeface="+mn-ea"/>
+                <a:cs typeface="+mn-cs"/>
+              </a:rPr>
+            </a:br>
+            <a:r>
+              <a:rPr kumimoji="0" lang="en-US" sz="500" b="0" i="0" u="none" strike="noStrike" kern="1200" cap="none" spc="0" normalizeH="0" baseline="0" noProof="0">
+                <a:ln>
+                  <a:noFill/>
+                </a:ln>
+                <a:solidFill>
+                  <a:srgbClr val="000000"/>
+                </a:solidFill>
+                <a:effectLst/>
+                <a:uLnTx/>
+                <a:uFillTx/>
+                <a:latin typeface="Segoe" pitchFamily="34" charset="0"/>
+                <a:ea typeface="+mn-ea"/>
+                <a:cs typeface="+mn-cs"/>
+              </a:rPr>
+              <a:t>MICROSOFT MAKES NO WARRANTIES, EXPRESS, IMPLIED OR STATUTORY, AS TO THE INFORMATION IN THIS PRESENTATION.</a:t>
+            </a:r>
+          </a:p>
+          <a:p>
+            <a:pPr marL="0" marR="0" lvl="0" indent="0" algn="l" defTabSz="914363" rtl="0" eaLnBrk="1" fontAlgn="auto" latinLnBrk="0" hangingPunct="1">
+              <a:lnSpc>
+                <a:spcPct val="100000"/>
+              </a:lnSpc>
+              <a:spcBef>
+                <a:spcPts val="0"/>
+              </a:spcBef>
+              <a:spcAft>
+                <a:spcPts val="0"/>
+              </a:spcAft>
+              <a:buClrTx/>
+              <a:buSzTx/>
+              <a:buFontTx/>
+              <a:buNone/>
+              <a:tabLst/>
+              <a:defRPr/>
+            </a:pPr>
+            <a:endParaRPr kumimoji="0" lang="en-US" sz="500" b="0" i="0" u="none" strike="noStrike" kern="1200" cap="none" spc="0" normalizeH="0" baseline="0" noProof="0" dirty="0">
+              <a:ln>
+                <a:noFill/>
+              </a:ln>
+              <a:solidFill>
+                <a:prstClr val="black"/>
+              </a:solidFill>
+              <a:effectLst/>
+              <a:uLnTx/>
+              <a:uFillTx/>
+              <a:latin typeface="Segoe" pitchFamily="34" charset="0"/>
+              <a:ea typeface="+mn-ea"/>
+              <a:cs typeface="+mn-cs"/>
+            </a:endParaRPr>
+          </a:p>
+        </p:txBody>
+      </p:sp>
+      <p:sp>
+        <p:nvSpPr>
+          <p:cNvPr id="7" name="Slide Number Placeholder 6"/>
+          <p:cNvSpPr>
+            <a:spLocks noGrp="1"/>
+          </p:cNvSpPr>
+          <p:nvPr>
+            <p:ph type="sldNum" sz="quarter" idx="13"/>
+          </p:nvPr>
+        </p:nvSpPr>
+        <p:spPr/>
+        <p:txBody>
+          <a:bodyPr/>
+          <a:lstStyle/>
+          <a:p>
+            <a:pPr marL="0" marR="0" lvl="0" indent="0" algn="r" defTabSz="914363" rtl="0" eaLnBrk="1" fontAlgn="auto" latinLnBrk="0" hangingPunct="1">
+              <a:lnSpc>
+                <a:spcPct val="100000"/>
+              </a:lnSpc>
+              <a:spcBef>
+                <a:spcPts val="0"/>
+              </a:spcBef>
+              <a:spcAft>
+                <a:spcPts val="0"/>
+              </a:spcAft>
+              <a:buClrTx/>
+              <a:buSzTx/>
+              <a:buFontTx/>
+              <a:buNone/>
+              <a:tabLst/>
+              <a:defRPr/>
+            </a:pPr>
+            <a:fld id="{EC87E0CF-87F6-4B58-B8B8-DCAB2DAAF3CA}" type="slidenum">
+              <a:rPr kumimoji="0" lang="en-US" sz="1200" b="0" i="0" u="none" strike="noStrike" kern="1200" cap="none" spc="0" normalizeH="0" baseline="0" noProof="0" smtClean="0">
+                <a:ln>
+                  <a:noFill/>
+                </a:ln>
+                <a:solidFill>
+                  <a:prstClr val="black"/>
+                </a:solidFill>
+                <a:effectLst/>
+                <a:uLnTx/>
+                <a:uFillTx/>
+                <a:latin typeface="Calibri"/>
+                <a:ea typeface="+mn-ea"/>
+                <a:cs typeface="+mn-cs"/>
+              </a:rPr>
+              <a:pPr marL="0" marR="0" lvl="0" indent="0" algn="r" defTabSz="914363" rtl="0" eaLnBrk="1" fontAlgn="auto" latinLnBrk="0" hangingPunct="1">
+                <a:lnSpc>
+                  <a:spcPct val="100000"/>
+                </a:lnSpc>
+                <a:spcBef>
+                  <a:spcPts val="0"/>
+                </a:spcBef>
+                <a:spcAft>
+                  <a:spcPts val="0"/>
+                </a:spcAft>
+                <a:buClrTx/>
+                <a:buSzTx/>
+                <a:buFontTx/>
+                <a:buNone/>
+                <a:tabLst/>
+                <a:defRPr/>
+              </a:pPr>
+              <a:t>12</a:t>
+            </a:fld>
+            <a:endParaRPr kumimoji="0" lang="en-US" sz="1200" b="0" i="0" u="none" strike="noStrike" kern="1200" cap="none" spc="0" normalizeH="0" baseline="0" noProof="0" dirty="0">
+              <a:ln>
+                <a:noFill/>
+              </a:ln>
+              <a:solidFill>
+                <a:prstClr val="black"/>
+              </a:solidFill>
+              <a:effectLst/>
+              <a:uLnTx/>
+              <a:uFillTx/>
+              <a:latin typeface="Calibri"/>
+              <a:ea typeface="+mn-ea"/>
+              <a:cs typeface="+mn-cs"/>
+            </a:endParaRPr>
+          </a:p>
+        </p:txBody>
+      </p:sp>
+    </p:spTree>
+    <p:extLst>
+      <p:ext uri="{BB962C8B-B14F-4D97-AF65-F5344CB8AC3E}">
+        <p14:creationId xmlns:p14="http://schemas.microsoft.com/office/powerpoint/2010/main" val="3473594516"/>
+      </p:ext>
+    </p:extLst>
+  </p:cSld>
+  <p:clrMapOvr>
+    <a:masterClrMapping/>
+  </p:clrMapOvr>
+</p:notes>
+</file>
+
+<file path=ppt/notesSlides/notesSlide13.xml><?xml version="1.0" encoding="utf-8"?>
+<p:notes xmlns:a="http://schemas.openxmlformats.org/drawingml/2006/main" xmlns:r="http://schemas.openxmlformats.org/officeDocument/2006/relationships" xmlns:p="http://schemas.openxmlformats.org/presentationml/2006/main">
+  <p:cSld>
+    <p:spTree>
+      <p:nvGrpSpPr>
+        <p:cNvPr id="1" name=""/>
+        <p:cNvGrpSpPr/>
+        <p:nvPr/>
+      </p:nvGrpSpPr>
+      <p:grpSpPr>
+        <a:xfrm>
+          <a:off x="0" y="0"/>
+          <a:ext cx="0" cy="0"/>
+          <a:chOff x="0" y="0"/>
+          <a:chExt cx="0" cy="0"/>
+        </a:xfrm>
+      </p:grpSpPr>
+      <p:sp>
+        <p:nvSpPr>
+          <p:cNvPr id="2" name="슬라이드 이미지 개체 틀 1"/>
+          <p:cNvSpPr>
+            <a:spLocks noGrp="1" noRot="1" noChangeAspect="1"/>
+          </p:cNvSpPr>
+          <p:nvPr>
+            <p:ph type="sldImg"/>
+          </p:nvPr>
+        </p:nvSpPr>
+        <p:spPr/>
+      </p:sp>
+      <p:sp>
+        <p:nvSpPr>
+          <p:cNvPr id="3" name="슬라이드 노트 개체 틀 2"/>
+          <p:cNvSpPr>
+            <a:spLocks noGrp="1"/>
+          </p:cNvSpPr>
+          <p:nvPr>
+            <p:ph type="body" idx="1"/>
+          </p:nvPr>
+        </p:nvSpPr>
+        <p:spPr/>
+        <p:txBody>
+          <a:bodyPr/>
+          <a:lstStyle/>
+          <a:p>
+            <a:r>
+              <a:rPr lang="en-US" dirty="0" err="1"/>
+              <a:t>CodeDeploy</a:t>
+            </a:r>
+            <a:r>
+              <a:rPr lang="ko-KR" altLang="en-US" dirty="0"/>
+              <a:t> </a:t>
+            </a:r>
+            <a:r>
+              <a:rPr lang="en-US" altLang="ko-KR" dirty="0"/>
+              <a:t>Application</a:t>
+            </a:r>
+            <a:r>
+              <a:rPr lang="ko-KR" altLang="en-US" dirty="0"/>
+              <a:t>을 선택한 이유는 비용이 들지 않기 때문입니다</a:t>
+            </a:r>
+            <a:r>
+              <a:rPr lang="en-US" altLang="ko-KR" dirty="0"/>
+              <a:t>.</a:t>
+            </a:r>
+            <a:r>
+              <a:rPr lang="ko-KR" altLang="en-US" dirty="0"/>
+              <a:t> </a:t>
+            </a:r>
+            <a:endParaRPr lang="en-US" dirty="0"/>
+          </a:p>
+        </p:txBody>
+      </p:sp>
+    </p:spTree>
+    <p:extLst>
+      <p:ext uri="{BB962C8B-B14F-4D97-AF65-F5344CB8AC3E}">
+        <p14:creationId xmlns:p14="http://schemas.microsoft.com/office/powerpoint/2010/main" val="3386014885"/>
+      </p:ext>
+    </p:extLst>
+  </p:cSld>
+  <p:clrMapOvr>
+    <a:masterClrMapping/>
+  </p:clrMapOvr>
+</p:notes>
+</file>
+
+<file path=ppt/notesSlides/notesSlide14.xml><?xml version="1.0" encoding="utf-8"?>
+<p:notes xmlns:a="http://schemas.openxmlformats.org/drawingml/2006/main" xmlns:r="http://schemas.openxmlformats.org/officeDocument/2006/relationships" xmlns:p="http://schemas.openxmlformats.org/presentationml/2006/main">
+  <p:cSld>
+    <p:spTree>
+      <p:nvGrpSpPr>
+        <p:cNvPr id="1" name=""/>
+        <p:cNvGrpSpPr/>
+        <p:nvPr/>
+      </p:nvGrpSpPr>
+      <p:grpSpPr>
+        <a:xfrm>
+          <a:off x="0" y="0"/>
+          <a:ext cx="0" cy="0"/>
+          <a:chOff x="0" y="0"/>
+          <a:chExt cx="0" cy="0"/>
+        </a:xfrm>
+      </p:grpSpPr>
+      <p:sp>
+        <p:nvSpPr>
+          <p:cNvPr id="2" name="슬라이드 이미지 개체 틀 1"/>
+          <p:cNvSpPr>
+            <a:spLocks noGrp="1" noRot="1" noChangeAspect="1"/>
+          </p:cNvSpPr>
+          <p:nvPr>
+            <p:ph type="sldImg"/>
+          </p:nvPr>
+        </p:nvSpPr>
+        <p:spPr/>
+      </p:sp>
+      <p:sp>
+        <p:nvSpPr>
+          <p:cNvPr id="3" name="슬라이드 노트 개체 틀 2"/>
+          <p:cNvSpPr>
+            <a:spLocks noGrp="1"/>
+          </p:cNvSpPr>
+          <p:nvPr>
+            <p:ph type="body" idx="1"/>
+          </p:nvPr>
+        </p:nvSpPr>
+        <p:spPr/>
+        <p:txBody>
+          <a:bodyPr/>
+          <a:lstStyle/>
+          <a:p>
+            <a:endParaRPr lang="en-US" dirty="0"/>
+          </a:p>
+        </p:txBody>
+      </p:sp>
+    </p:spTree>
+    <p:extLst>
+      <p:ext uri="{BB962C8B-B14F-4D97-AF65-F5344CB8AC3E}">
+        <p14:creationId xmlns:p14="http://schemas.microsoft.com/office/powerpoint/2010/main" val="3597281050"/>
+      </p:ext>
+    </p:extLst>
+  </p:cSld>
+  <p:clrMapOvr>
+    <a:masterClrMapping/>
+  </p:clrMapOvr>
+</p:notes>
+</file>
+
+<file path=ppt/notesSlides/notesSlide15.xml><?xml version="1.0" encoding="utf-8"?>
+<p:notes xmlns:a="http://schemas.openxmlformats.org/drawingml/2006/main" xmlns:r="http://schemas.openxmlformats.org/officeDocument/2006/relationships" xmlns:p="http://schemas.openxmlformats.org/presentationml/2006/main">
+  <p:cSld>
+    <p:spTree>
+      <p:nvGrpSpPr>
+        <p:cNvPr id="1" name=""/>
+        <p:cNvGrpSpPr/>
+        <p:nvPr/>
+      </p:nvGrpSpPr>
+      <p:grpSpPr>
+        <a:xfrm>
+          <a:off x="0" y="0"/>
+          <a:ext cx="0" cy="0"/>
+          <a:chOff x="0" y="0"/>
+          <a:chExt cx="0" cy="0"/>
+        </a:xfrm>
+      </p:grpSpPr>
+      <p:sp>
+        <p:nvSpPr>
+          <p:cNvPr id="2" name="슬라이드 이미지 개체 틀 1"/>
+          <p:cNvSpPr>
+            <a:spLocks noGrp="1" noRot="1" noChangeAspect="1"/>
+          </p:cNvSpPr>
+          <p:nvPr>
+            <p:ph type="sldImg"/>
+          </p:nvPr>
+        </p:nvSpPr>
+        <p:spPr/>
+      </p:sp>
+      <p:sp>
+        <p:nvSpPr>
+          <p:cNvPr id="3" name="슬라이드 노트 개체 틀 2"/>
+          <p:cNvSpPr>
+            <a:spLocks noGrp="1"/>
+          </p:cNvSpPr>
+          <p:nvPr>
+            <p:ph type="body" idx="1"/>
+          </p:nvPr>
+        </p:nvSpPr>
+        <p:spPr/>
+        <p:txBody>
+          <a:bodyPr/>
+          <a:lstStyle/>
+          <a:p>
+            <a:r>
+              <a:rPr lang="ko-KR" altLang="en-US" dirty="0"/>
+              <a:t>간단히 </a:t>
+            </a:r>
+            <a:r>
+              <a:rPr lang="en-US" altLang="ko-KR" dirty="0"/>
+              <a:t>CFN</a:t>
+            </a:r>
+            <a:r>
+              <a:rPr lang="ko-KR" altLang="en-US" dirty="0"/>
+              <a:t>이 무엇인지 맛을 봤습니다</a:t>
+            </a:r>
+            <a:r>
+              <a:rPr lang="en-US" altLang="ko-KR" dirty="0"/>
+              <a:t>.</a:t>
+            </a:r>
+            <a:r>
+              <a:rPr lang="ko-KR" altLang="en-US" dirty="0"/>
+              <a:t> 코드를 작성해서 </a:t>
+            </a:r>
+            <a:r>
+              <a:rPr lang="en-US" altLang="ko-KR" dirty="0"/>
+              <a:t>AWS</a:t>
+            </a:r>
+            <a:r>
+              <a:rPr lang="ko-KR" altLang="en-US" dirty="0"/>
+              <a:t> 리소스를 </a:t>
+            </a:r>
+            <a:r>
+              <a:rPr lang="en-US" altLang="ko-KR" dirty="0"/>
+              <a:t>stack</a:t>
+            </a:r>
+            <a:r>
+              <a:rPr lang="ko-KR" altLang="en-US" dirty="0"/>
+              <a:t> 단위로 생성</a:t>
+            </a:r>
+            <a:r>
+              <a:rPr lang="en-US" altLang="ko-KR" dirty="0"/>
+              <a:t>/</a:t>
+            </a:r>
+            <a:r>
+              <a:rPr lang="ko-KR" altLang="en-US" dirty="0"/>
+              <a:t>변경</a:t>
+            </a:r>
+            <a:r>
+              <a:rPr lang="en-US" altLang="ko-KR" dirty="0"/>
+              <a:t>/</a:t>
+            </a:r>
+            <a:r>
+              <a:rPr lang="ko-KR" altLang="en-US" dirty="0"/>
+              <a:t>삭제할 수 있는 서비스가 </a:t>
+            </a:r>
+            <a:r>
+              <a:rPr lang="en-US" altLang="ko-KR" dirty="0"/>
+              <a:t>CFN</a:t>
+            </a:r>
+            <a:r>
+              <a:rPr lang="ko-KR" altLang="en-US" dirty="0"/>
+              <a:t>이면</a:t>
+            </a:r>
+            <a:r>
+              <a:rPr lang="en-US" altLang="ko-KR" dirty="0"/>
+              <a:t>,</a:t>
+            </a:r>
+            <a:r>
+              <a:rPr lang="ko-KR" altLang="en-US" dirty="0"/>
+              <a:t> </a:t>
+            </a:r>
+            <a:r>
+              <a:rPr lang="en-US" altLang="ko-KR" dirty="0"/>
+              <a:t>CFN </a:t>
+            </a:r>
+            <a:r>
+              <a:rPr lang="en-US" altLang="ko-KR" dirty="0" err="1"/>
+              <a:t>StackSet</a:t>
+            </a:r>
+            <a:r>
+              <a:rPr lang="ko-KR" altLang="en-US" dirty="0"/>
+              <a:t>을 여러 개의 </a:t>
+            </a:r>
+            <a:r>
+              <a:rPr lang="en-US" altLang="ko-KR" dirty="0"/>
+              <a:t>Stack</a:t>
+            </a:r>
+            <a:r>
+              <a:rPr lang="ko-KR" altLang="en-US" dirty="0"/>
+              <a:t>을 묶어서 </a:t>
+            </a:r>
+            <a:r>
+              <a:rPr lang="en-US" altLang="ko-KR" dirty="0"/>
+              <a:t>Account / region</a:t>
+            </a:r>
+            <a:r>
+              <a:rPr lang="ko-KR" altLang="en-US" dirty="0"/>
+              <a:t>을 넘어서 적용할 수 있도록 하는 것입니다</a:t>
+            </a:r>
+            <a:r>
+              <a:rPr lang="en-US" altLang="ko-KR" dirty="0"/>
+              <a:t>.</a:t>
+            </a:r>
+          </a:p>
+          <a:p>
+            <a:endParaRPr lang="en-US" dirty="0"/>
+          </a:p>
+        </p:txBody>
+      </p:sp>
+    </p:spTree>
+    <p:extLst>
+      <p:ext uri="{BB962C8B-B14F-4D97-AF65-F5344CB8AC3E}">
+        <p14:creationId xmlns:p14="http://schemas.microsoft.com/office/powerpoint/2010/main" val="1586390846"/>
+      </p:ext>
+    </p:extLst>
+  </p:cSld>
+  <p:clrMapOvr>
+    <a:masterClrMapping/>
+  </p:clrMapOvr>
+</p:notes>
+</file>
+
+<file path=ppt/notesSlides/notesSlide16.xml><?xml version="1.0" encoding="utf-8"?>
+<p:notes xmlns:a="http://schemas.openxmlformats.org/drawingml/2006/main" xmlns:r="http://schemas.openxmlformats.org/officeDocument/2006/relationships" xmlns:p="http://schemas.openxmlformats.org/presentationml/2006/main">
+  <p:cSld>
+    <p:spTree>
+      <p:nvGrpSpPr>
+        <p:cNvPr id="1" name=""/>
+        <p:cNvGrpSpPr/>
+        <p:nvPr/>
+      </p:nvGrpSpPr>
+      <p:grpSpPr>
+        <a:xfrm>
+          <a:off x="0" y="0"/>
+          <a:ext cx="0" cy="0"/>
+          <a:chOff x="0" y="0"/>
+          <a:chExt cx="0" cy="0"/>
+        </a:xfrm>
+      </p:grpSpPr>
+      <p:sp>
+        <p:nvSpPr>
+          <p:cNvPr id="2" name="슬라이드 이미지 개체 틀 1"/>
+          <p:cNvSpPr>
+            <a:spLocks noGrp="1" noRot="1" noChangeAspect="1"/>
+          </p:cNvSpPr>
+          <p:nvPr>
+            <p:ph type="sldImg"/>
+          </p:nvPr>
+        </p:nvSpPr>
+        <p:spPr/>
+      </p:sp>
+      <p:sp>
+        <p:nvSpPr>
+          <p:cNvPr id="3" name="슬라이드 노트 개체 틀 2"/>
+          <p:cNvSpPr>
+            <a:spLocks noGrp="1"/>
+          </p:cNvSpPr>
+          <p:nvPr>
+            <p:ph type="body" idx="1"/>
+          </p:nvPr>
+        </p:nvSpPr>
+        <p:spPr/>
+        <p:txBody>
+          <a:bodyPr/>
+          <a:lstStyle/>
+          <a:p>
+            <a:r>
+              <a:rPr lang="en-US" dirty="0" err="1"/>
+              <a:t>StackSet</a:t>
+            </a:r>
+            <a:r>
+              <a:rPr lang="ko-KR" altLang="en-US" dirty="0"/>
+              <a:t>은 </a:t>
+            </a:r>
+            <a:r>
+              <a:rPr lang="en-US" altLang="ko-KR" dirty="0"/>
+              <a:t>2017</a:t>
+            </a:r>
+            <a:r>
+              <a:rPr lang="ko-KR" altLang="en-US" dirty="0"/>
+              <a:t>년에 발표되었습니다</a:t>
+            </a:r>
+            <a:r>
+              <a:rPr lang="en-US" altLang="ko-KR" dirty="0"/>
+              <a:t>.</a:t>
+            </a:r>
+            <a:r>
+              <a:rPr lang="ko-KR" altLang="en-US" dirty="0"/>
+              <a:t> 제 생일 전날이라서</a:t>
+            </a:r>
+            <a:r>
+              <a:rPr lang="en-US" altLang="ko-KR" dirty="0"/>
+              <a:t>..</a:t>
+            </a:r>
+            <a:r>
+              <a:rPr lang="ko-KR" altLang="en-US" dirty="0"/>
+              <a:t> 기억을 하고 </a:t>
+            </a:r>
+            <a:r>
+              <a:rPr lang="ko-KR" altLang="en-US" dirty="0" err="1"/>
+              <a:t>있구요</a:t>
+            </a:r>
+            <a:r>
+              <a:rPr lang="en-US" altLang="ko-KR" dirty="0"/>
+              <a:t>.</a:t>
+            </a:r>
+            <a:endParaRPr lang="en-US" dirty="0"/>
+          </a:p>
+        </p:txBody>
+      </p:sp>
+    </p:spTree>
+    <p:extLst>
+      <p:ext uri="{BB962C8B-B14F-4D97-AF65-F5344CB8AC3E}">
+        <p14:creationId xmlns:p14="http://schemas.microsoft.com/office/powerpoint/2010/main" val="1500701037"/>
+      </p:ext>
+    </p:extLst>
+  </p:cSld>
+  <p:clrMapOvr>
+    <a:masterClrMapping/>
+  </p:clrMapOvr>
+</p:notes>
+</file>
+
+<file path=ppt/notesSlides/notesSlide17.xml><?xml version="1.0" encoding="utf-8"?>
+<p:notes xmlns:a="http://schemas.openxmlformats.org/drawingml/2006/main" xmlns:r="http://schemas.openxmlformats.org/officeDocument/2006/relationships" xmlns:p="http://schemas.openxmlformats.org/presentationml/2006/main">
+  <p:cSld>
+    <p:spTree>
+      <p:nvGrpSpPr>
+        <p:cNvPr id="1" name=""/>
+        <p:cNvGrpSpPr/>
+        <p:nvPr/>
+      </p:nvGrpSpPr>
+      <p:grpSpPr>
+        <a:xfrm>
+          <a:off x="0" y="0"/>
+          <a:ext cx="0" cy="0"/>
+          <a:chOff x="0" y="0"/>
+          <a:chExt cx="0" cy="0"/>
+        </a:xfrm>
+      </p:grpSpPr>
+      <p:sp>
+        <p:nvSpPr>
+          <p:cNvPr id="2" name="슬라이드 이미지 개체 틀 1"/>
+          <p:cNvSpPr>
+            <a:spLocks noGrp="1" noRot="1" noChangeAspect="1"/>
+          </p:cNvSpPr>
+          <p:nvPr>
+            <p:ph type="sldImg"/>
+          </p:nvPr>
+        </p:nvSpPr>
+        <p:spPr/>
+      </p:sp>
+      <p:sp>
+        <p:nvSpPr>
+          <p:cNvPr id="3" name="슬라이드 노트 개체 틀 2"/>
+          <p:cNvSpPr>
+            <a:spLocks noGrp="1"/>
+          </p:cNvSpPr>
+          <p:nvPr>
+            <p:ph type="body" idx="1"/>
+          </p:nvPr>
+        </p:nvSpPr>
+        <p:spPr/>
+        <p:txBody>
+          <a:bodyPr/>
+          <a:lstStyle/>
+          <a:p>
+            <a:r>
+              <a:rPr lang="en-US" dirty="0"/>
+              <a:t>CFN </a:t>
+            </a:r>
+            <a:r>
+              <a:rPr lang="en-US" dirty="0" err="1"/>
+              <a:t>StackSet</a:t>
+            </a:r>
+            <a:r>
+              <a:rPr lang="ko-KR" altLang="en-US" dirty="0"/>
+              <a:t>의 히스토리는 그렇게 길지 않습니다</a:t>
+            </a:r>
+            <a:r>
+              <a:rPr lang="en-US" altLang="ko-KR" dirty="0"/>
+              <a:t>.</a:t>
+            </a:r>
+            <a:r>
+              <a:rPr lang="ko-KR" altLang="en-US" dirty="0"/>
+              <a:t> 대략 </a:t>
+            </a:r>
+            <a:r>
+              <a:rPr lang="en-US" altLang="ko-KR" dirty="0"/>
+              <a:t>5</a:t>
+            </a:r>
+            <a:r>
+              <a:rPr lang="ko-KR" altLang="en-US" dirty="0"/>
+              <a:t>번 정도 업데이트가 있었는데요</a:t>
+            </a:r>
+            <a:r>
+              <a:rPr lang="en-US" altLang="ko-KR" dirty="0"/>
+              <a:t>.</a:t>
+            </a:r>
+            <a:r>
+              <a:rPr lang="ko-KR" altLang="en-US" dirty="0"/>
+              <a:t> 다른 </a:t>
+            </a:r>
+            <a:r>
+              <a:rPr lang="en-US" altLang="ko-KR" dirty="0"/>
+              <a:t>AWS</a:t>
+            </a:r>
+            <a:r>
+              <a:rPr lang="ko-KR" altLang="en-US" dirty="0"/>
+              <a:t> 서비스에 비하면 그렇게 </a:t>
+            </a:r>
+            <a:r>
+              <a:rPr lang="ko-KR" altLang="en-US" dirty="0" err="1"/>
+              <a:t>핫한</a:t>
+            </a:r>
+            <a:r>
+              <a:rPr lang="ko-KR" altLang="en-US" dirty="0"/>
+              <a:t> 서비스는 아닙니다</a:t>
+            </a:r>
+            <a:r>
+              <a:rPr lang="en-US" altLang="ko-KR" dirty="0"/>
+              <a:t>.</a:t>
+            </a:r>
+            <a:endParaRPr lang="en-US" dirty="0"/>
+          </a:p>
+        </p:txBody>
+      </p:sp>
+    </p:spTree>
+    <p:extLst>
+      <p:ext uri="{BB962C8B-B14F-4D97-AF65-F5344CB8AC3E}">
+        <p14:creationId xmlns:p14="http://schemas.microsoft.com/office/powerpoint/2010/main" val="2694123856"/>
+      </p:ext>
+    </p:extLst>
+  </p:cSld>
+  <p:clrMapOvr>
+    <a:masterClrMapping/>
+  </p:clrMapOvr>
+</p:notes>
+</file>
+
+<file path=ppt/notesSlides/notesSlide18.xml><?xml version="1.0" encoding="utf-8"?>
+<p:notes xmlns:a="http://schemas.openxmlformats.org/drawingml/2006/main" xmlns:r="http://schemas.openxmlformats.org/officeDocument/2006/relationships" xmlns:p="http://schemas.openxmlformats.org/presentationml/2006/main">
+  <p:cSld>
+    <p:spTree>
+      <p:nvGrpSpPr>
+        <p:cNvPr id="1" name=""/>
+        <p:cNvGrpSpPr/>
+        <p:nvPr/>
+      </p:nvGrpSpPr>
+      <p:grpSpPr>
+        <a:xfrm>
+          <a:off x="0" y="0"/>
+          <a:ext cx="0" cy="0"/>
+          <a:chOff x="0" y="0"/>
+          <a:chExt cx="0" cy="0"/>
+        </a:xfrm>
+      </p:grpSpPr>
+      <p:sp>
+        <p:nvSpPr>
+          <p:cNvPr id="2" name="슬라이드 이미지 개체 틀 1"/>
+          <p:cNvSpPr>
+            <a:spLocks noGrp="1" noRot="1" noChangeAspect="1"/>
+          </p:cNvSpPr>
+          <p:nvPr>
+            <p:ph type="sldImg"/>
+          </p:nvPr>
+        </p:nvSpPr>
+        <p:spPr/>
+      </p:sp>
+      <p:sp>
+        <p:nvSpPr>
+          <p:cNvPr id="3" name="슬라이드 노트 개체 틀 2"/>
+          <p:cNvSpPr>
+            <a:spLocks noGrp="1"/>
+          </p:cNvSpPr>
+          <p:nvPr>
+            <p:ph type="body" idx="1"/>
+          </p:nvPr>
+        </p:nvSpPr>
+        <p:spPr/>
+        <p:txBody>
+          <a:bodyPr/>
+          <a:lstStyle/>
+          <a:p>
+            <a:r>
+              <a:rPr lang="en-US" dirty="0" err="1"/>
+              <a:t>StackSet</a:t>
+            </a:r>
+            <a:r>
+              <a:rPr lang="ko-KR" altLang="en-US" dirty="0"/>
+              <a:t>의 구조를 그림으로 표현하면 </a:t>
+            </a:r>
+            <a:r>
+              <a:rPr lang="en-US" altLang="ko-KR" dirty="0"/>
+              <a:t>….</a:t>
+            </a:r>
+            <a:endParaRPr lang="en-US" dirty="0"/>
+          </a:p>
+        </p:txBody>
+      </p:sp>
+    </p:spTree>
+    <p:extLst>
+      <p:ext uri="{BB962C8B-B14F-4D97-AF65-F5344CB8AC3E}">
+        <p14:creationId xmlns:p14="http://schemas.microsoft.com/office/powerpoint/2010/main" val="2115006637"/>
+      </p:ext>
+    </p:extLst>
+  </p:cSld>
+  <p:clrMapOvr>
+    <a:masterClrMapping/>
+  </p:clrMapOvr>
+</p:notes>
+</file>
+
+<file path=ppt/notesSlides/notesSlide19.xml><?xml version="1.0" encoding="utf-8"?>
+<p:notes xmlns:a="http://schemas.openxmlformats.org/drawingml/2006/main" xmlns:r="http://schemas.openxmlformats.org/officeDocument/2006/relationships" xmlns:p="http://schemas.openxmlformats.org/presentationml/2006/main">
+  <p:cSld>
+    <p:spTree>
+      <p:nvGrpSpPr>
+        <p:cNvPr id="1" name=""/>
+        <p:cNvGrpSpPr/>
+        <p:nvPr/>
+      </p:nvGrpSpPr>
+      <p:grpSpPr>
+        <a:xfrm>
+          <a:off x="0" y="0"/>
+          <a:ext cx="0" cy="0"/>
+          <a:chOff x="0" y="0"/>
+          <a:chExt cx="0" cy="0"/>
+        </a:xfrm>
+      </p:grpSpPr>
+      <p:sp>
+        <p:nvSpPr>
+          <p:cNvPr id="2" name="슬라이드 이미지 개체 틀 1"/>
+          <p:cNvSpPr>
+            <a:spLocks noGrp="1" noRot="1" noChangeAspect="1"/>
+          </p:cNvSpPr>
+          <p:nvPr>
+            <p:ph type="sldImg"/>
+          </p:nvPr>
+        </p:nvSpPr>
+        <p:spPr/>
+      </p:sp>
+      <p:sp>
+        <p:nvSpPr>
+          <p:cNvPr id="3" name="슬라이드 노트 개체 틀 2"/>
+          <p:cNvSpPr>
+            <a:spLocks noGrp="1"/>
+          </p:cNvSpPr>
+          <p:nvPr>
+            <p:ph type="body" idx="1"/>
+          </p:nvPr>
+        </p:nvSpPr>
+        <p:spPr/>
+        <p:txBody>
+          <a:bodyPr/>
+          <a:lstStyle/>
+          <a:p>
+            <a:r>
+              <a:rPr lang="en-US" dirty="0"/>
+              <a:t>CFN</a:t>
+            </a:r>
+            <a:r>
+              <a:rPr lang="ko-KR" altLang="en-US" dirty="0"/>
+              <a:t> </a:t>
+            </a:r>
+            <a:r>
+              <a:rPr lang="en-US" altLang="ko-KR" dirty="0" err="1"/>
+              <a:t>StackSet</a:t>
+            </a:r>
+            <a:r>
+              <a:rPr lang="ko-KR" altLang="en-US" dirty="0"/>
+              <a:t>의 구성요소는 간단합니다</a:t>
+            </a:r>
+            <a:r>
+              <a:rPr lang="en-US" altLang="ko-KR" dirty="0"/>
+              <a:t>.</a:t>
+            </a:r>
+          </a:p>
+          <a:p>
+            <a:r>
+              <a:rPr lang="en-US" dirty="0"/>
+              <a:t>Administrator, Target, Service Role 3</a:t>
+            </a:r>
+            <a:r>
+              <a:rPr lang="ko-KR" altLang="en-US" dirty="0"/>
+              <a:t>가지입니다</a:t>
+            </a:r>
+            <a:r>
+              <a:rPr lang="en-US" altLang="ko-KR" dirty="0"/>
+              <a:t>.</a:t>
+            </a:r>
+            <a:endParaRPr lang="en-US" dirty="0"/>
+          </a:p>
+        </p:txBody>
+      </p:sp>
+    </p:spTree>
+    <p:extLst>
+      <p:ext uri="{BB962C8B-B14F-4D97-AF65-F5344CB8AC3E}">
+        <p14:creationId xmlns:p14="http://schemas.microsoft.com/office/powerpoint/2010/main" val="1495801140"/>
+      </p:ext>
+    </p:extLst>
+  </p:cSld>
+  <p:clrMapOvr>
+    <a:masterClrMapping/>
+  </p:clrMapOvr>
+</p:notes>
+</file>
+
+<file path=ppt/notesSlides/notesSlide2.xml><?xml version="1.0" encoding="utf-8"?>
+<p:notes xmlns:a="http://schemas.openxmlformats.org/drawingml/2006/main" xmlns:r="http://schemas.openxmlformats.org/officeDocument/2006/relationships" xmlns:p="http://schemas.openxmlformats.org/presentationml/2006/main">
+  <p:cSld>
+    <p:spTree>
+      <p:nvGrpSpPr>
+        <p:cNvPr id="1" name=""/>
+        <p:cNvGrpSpPr/>
+        <p:nvPr/>
+      </p:nvGrpSpPr>
+      <p:grpSpPr>
+        <a:xfrm>
+          <a:off x="0" y="0"/>
+          <a:ext cx="0" cy="0"/>
+          <a:chOff x="0" y="0"/>
+          <a:chExt cx="0" cy="0"/>
+        </a:xfrm>
+      </p:grpSpPr>
+      <p:sp>
+        <p:nvSpPr>
+          <p:cNvPr id="2" name="슬라이드 이미지 개체 틀 1"/>
+          <p:cNvSpPr>
+            <a:spLocks noGrp="1" noRot="1" noChangeAspect="1"/>
+          </p:cNvSpPr>
+          <p:nvPr>
+            <p:ph type="sldImg"/>
+          </p:nvPr>
+        </p:nvSpPr>
+        <p:spPr/>
+      </p:sp>
+      <p:sp>
+        <p:nvSpPr>
+          <p:cNvPr id="3" name="슬라이드 노트 개체 틀 2"/>
+          <p:cNvSpPr>
+            <a:spLocks noGrp="1"/>
+          </p:cNvSpPr>
+          <p:nvPr>
+            <p:ph type="body" idx="1"/>
+          </p:nvPr>
+        </p:nvSpPr>
+        <p:spPr/>
+        <p:txBody>
+          <a:bodyPr/>
+          <a:lstStyle/>
+          <a:p>
+            <a:r>
+              <a:rPr lang="ko-KR" altLang="en-US" dirty="0"/>
+              <a:t>현재 </a:t>
+            </a:r>
+            <a:r>
+              <a:rPr lang="ko-KR" altLang="en-US" dirty="0" err="1"/>
+              <a:t>판교역</a:t>
+            </a:r>
+            <a:r>
+              <a:rPr lang="ko-KR" altLang="en-US" dirty="0"/>
+              <a:t> 부근 </a:t>
+            </a:r>
+            <a:r>
+              <a:rPr lang="en-US" altLang="ko-KR" dirty="0"/>
+              <a:t>K</a:t>
+            </a:r>
+            <a:r>
+              <a:rPr lang="ko-KR" altLang="en-US" dirty="0"/>
+              <a:t>모 게임회사에서 근무하고 있으며</a:t>
+            </a:r>
+            <a:r>
+              <a:rPr lang="en-US" altLang="ko-KR" dirty="0"/>
+              <a:t>,</a:t>
+            </a:r>
+            <a:r>
+              <a:rPr lang="ko-KR" altLang="en-US" dirty="0"/>
+              <a:t> 인프라 운영 및 잡다한</a:t>
+            </a:r>
+            <a:r>
+              <a:rPr lang="en-US" altLang="ko-KR" dirty="0"/>
+              <a:t>(?)</a:t>
+            </a:r>
+            <a:r>
+              <a:rPr lang="ko-KR" altLang="en-US" dirty="0"/>
+              <a:t> 일을 하고 있습니다</a:t>
+            </a:r>
+            <a:r>
+              <a:rPr lang="en-US" altLang="ko-KR" dirty="0"/>
+              <a:t>.</a:t>
+            </a:r>
+            <a:endParaRPr lang="en-US" dirty="0"/>
+          </a:p>
+        </p:txBody>
+      </p:sp>
+    </p:spTree>
+    <p:extLst>
+      <p:ext uri="{BB962C8B-B14F-4D97-AF65-F5344CB8AC3E}">
+        <p14:creationId xmlns:p14="http://schemas.microsoft.com/office/powerpoint/2010/main" val="1486541561"/>
+      </p:ext>
+    </p:extLst>
+  </p:cSld>
+  <p:clrMapOvr>
+    <a:masterClrMapping/>
+  </p:clrMapOvr>
+</p:notes>
+</file>
+
+<file path=ppt/notesSlides/notesSlide20.xml><?xml version="1.0" encoding="utf-8"?>
+<p:notes xmlns:a="http://schemas.openxmlformats.org/drawingml/2006/main" xmlns:r="http://schemas.openxmlformats.org/officeDocument/2006/relationships" xmlns:p="http://schemas.openxmlformats.org/presentationml/2006/main">
+  <p:cSld>
+    <p:spTree>
+      <p:nvGrpSpPr>
+        <p:cNvPr id="1" name=""/>
+        <p:cNvGrpSpPr/>
+        <p:nvPr/>
+      </p:nvGrpSpPr>
+      <p:grpSpPr>
+        <a:xfrm>
+          <a:off x="0" y="0"/>
+          <a:ext cx="0" cy="0"/>
+          <a:chOff x="0" y="0"/>
+          <a:chExt cx="0" cy="0"/>
+        </a:xfrm>
+      </p:grpSpPr>
+      <p:sp>
+        <p:nvSpPr>
+          <p:cNvPr id="2" name="슬라이드 이미지 개체 틀 1"/>
+          <p:cNvSpPr>
+            <a:spLocks noGrp="1" noRot="1" noChangeAspect="1"/>
+          </p:cNvSpPr>
+          <p:nvPr>
+            <p:ph type="sldImg"/>
+          </p:nvPr>
+        </p:nvSpPr>
+        <p:spPr/>
+      </p:sp>
+      <p:sp>
+        <p:nvSpPr>
+          <p:cNvPr id="3" name="슬라이드 노트 개체 틀 2"/>
+          <p:cNvSpPr>
+            <a:spLocks noGrp="1"/>
+          </p:cNvSpPr>
+          <p:nvPr>
+            <p:ph type="body" idx="1"/>
+          </p:nvPr>
+        </p:nvSpPr>
+        <p:spPr/>
+        <p:txBody>
+          <a:bodyPr/>
+          <a:lstStyle/>
+          <a:p>
+            <a:endParaRPr lang="en-US" dirty="0"/>
+          </a:p>
+        </p:txBody>
+      </p:sp>
+    </p:spTree>
+    <p:extLst>
+      <p:ext uri="{BB962C8B-B14F-4D97-AF65-F5344CB8AC3E}">
+        <p14:creationId xmlns:p14="http://schemas.microsoft.com/office/powerpoint/2010/main" val="1537599133"/>
+      </p:ext>
+    </p:extLst>
+  </p:cSld>
+  <p:clrMapOvr>
+    <a:masterClrMapping/>
+  </p:clrMapOvr>
+</p:notes>
+</file>
+
+<file path=ppt/notesSlides/notesSlide21.xml><?xml version="1.0" encoding="utf-8"?>
+<p:notes xmlns:a="http://schemas.openxmlformats.org/drawingml/2006/main" xmlns:r="http://schemas.openxmlformats.org/officeDocument/2006/relationships" xmlns:p="http://schemas.openxmlformats.org/presentationml/2006/main">
+  <p:cSld>
+    <p:spTree>
+      <p:nvGrpSpPr>
+        <p:cNvPr id="1" name=""/>
+        <p:cNvGrpSpPr/>
+        <p:nvPr/>
+      </p:nvGrpSpPr>
+      <p:grpSpPr>
+        <a:xfrm>
+          <a:off x="0" y="0"/>
+          <a:ext cx="0" cy="0"/>
+          <a:chOff x="0" y="0"/>
+          <a:chExt cx="0" cy="0"/>
+        </a:xfrm>
+      </p:grpSpPr>
+      <p:sp>
+        <p:nvSpPr>
+          <p:cNvPr id="2" name="슬라이드 이미지 개체 틀 1"/>
+          <p:cNvSpPr>
+            <a:spLocks noGrp="1" noRot="1" noChangeAspect="1"/>
+          </p:cNvSpPr>
+          <p:nvPr>
+            <p:ph type="sldImg"/>
+          </p:nvPr>
+        </p:nvSpPr>
+        <p:spPr/>
+      </p:sp>
+      <p:sp>
+        <p:nvSpPr>
+          <p:cNvPr id="3" name="슬라이드 노트 개체 틀 2"/>
+          <p:cNvSpPr>
+            <a:spLocks noGrp="1"/>
+          </p:cNvSpPr>
+          <p:nvPr>
+            <p:ph type="body" idx="1"/>
+          </p:nvPr>
+        </p:nvSpPr>
+        <p:spPr/>
+        <p:txBody>
+          <a:bodyPr/>
+          <a:lstStyle/>
+          <a:p>
+            <a:r>
+              <a:rPr lang="en-US" dirty="0"/>
+              <a:t>Option</a:t>
+            </a:r>
+            <a:r>
+              <a:rPr lang="ko-KR" altLang="en-US" dirty="0"/>
+              <a:t>에 대한 설명</a:t>
+            </a:r>
+            <a:endParaRPr lang="en-US" dirty="0"/>
+          </a:p>
+        </p:txBody>
+      </p:sp>
+    </p:spTree>
+    <p:extLst>
+      <p:ext uri="{BB962C8B-B14F-4D97-AF65-F5344CB8AC3E}">
+        <p14:creationId xmlns:p14="http://schemas.microsoft.com/office/powerpoint/2010/main" val="1138441907"/>
+      </p:ext>
+    </p:extLst>
+  </p:cSld>
+  <p:clrMapOvr>
+    <a:masterClrMapping/>
+  </p:clrMapOvr>
+</p:notes>
+</file>
+
+<file path=ppt/notesSlides/notesSlide22.xml><?xml version="1.0" encoding="utf-8"?>
+<p:notes xmlns:a="http://schemas.openxmlformats.org/drawingml/2006/main" xmlns:r="http://schemas.openxmlformats.org/officeDocument/2006/relationships" xmlns:p="http://schemas.openxmlformats.org/presentationml/2006/main">
+  <p:cSld>
+    <p:spTree>
+      <p:nvGrpSpPr>
+        <p:cNvPr id="1" name=""/>
+        <p:cNvGrpSpPr/>
+        <p:nvPr/>
+      </p:nvGrpSpPr>
+      <p:grpSpPr>
+        <a:xfrm>
+          <a:off x="0" y="0"/>
+          <a:ext cx="0" cy="0"/>
+          <a:chOff x="0" y="0"/>
+          <a:chExt cx="0" cy="0"/>
+        </a:xfrm>
+      </p:grpSpPr>
+      <p:sp>
+        <p:nvSpPr>
+          <p:cNvPr id="2" name="Slide Image Placeholder 1"/>
+          <p:cNvSpPr>
+            <a:spLocks noGrp="1" noRot="1" noChangeAspect="1"/>
+          </p:cNvSpPr>
+          <p:nvPr>
+            <p:ph type="sldImg"/>
+          </p:nvPr>
+        </p:nvSpPr>
+        <p:spPr>
+          <a:xfrm>
+            <a:off x="381000" y="685800"/>
+            <a:ext cx="6096000" cy="3429000"/>
+          </a:xfrm>
+        </p:spPr>
+      </p:sp>
+      <p:sp>
+        <p:nvSpPr>
+          <p:cNvPr id="3" name="Notes Placeholder 2"/>
+          <p:cNvSpPr>
+            <a:spLocks noGrp="1"/>
+          </p:cNvSpPr>
+          <p:nvPr>
+            <p:ph type="body" idx="1"/>
+          </p:nvPr>
+        </p:nvSpPr>
+        <p:spPr/>
+        <p:txBody>
+          <a:bodyPr>
+            <a:normAutofit/>
+          </a:bodyPr>
+          <a:lstStyle/>
+          <a:p>
+            <a:r>
+              <a:rPr lang="en-US" dirty="0"/>
+              <a:t>CFN </a:t>
+            </a:r>
+            <a:r>
+              <a:rPr lang="en-US" dirty="0" err="1"/>
+              <a:t>StackSet</a:t>
+            </a:r>
+            <a:r>
+              <a:rPr lang="ko-KR" altLang="en-US" dirty="0"/>
+              <a:t> 데모</a:t>
+            </a:r>
+            <a:endParaRPr lang="en-US" altLang="ko-KR" dirty="0"/>
+          </a:p>
+          <a:p>
+            <a:r>
+              <a:rPr lang="en-US" altLang="ko-KR" dirty="0"/>
+              <a:t>(</a:t>
+            </a:r>
+            <a:r>
+              <a:rPr lang="ko-KR" altLang="en-US" dirty="0"/>
+              <a:t>남은 시간에 따라 </a:t>
+            </a:r>
+            <a:r>
+              <a:rPr lang="en-US" altLang="ko-KR" dirty="0"/>
+              <a:t>demo4</a:t>
+            </a:r>
+            <a:r>
+              <a:rPr lang="ko-KR" altLang="en-US" dirty="0"/>
+              <a:t>까지 진행</a:t>
+            </a:r>
+            <a:r>
+              <a:rPr lang="en-US" altLang="ko-KR" dirty="0"/>
+              <a:t>)</a:t>
+            </a:r>
+            <a:endParaRPr lang="en-US" dirty="0"/>
+          </a:p>
+        </p:txBody>
+      </p:sp>
+      <p:sp>
+        <p:nvSpPr>
+          <p:cNvPr id="4" name="Header Placeholder 3"/>
+          <p:cNvSpPr>
+            <a:spLocks noGrp="1"/>
+          </p:cNvSpPr>
+          <p:nvPr>
+            <p:ph type="hdr" sz="quarter" idx="10"/>
+          </p:nvPr>
+        </p:nvSpPr>
+        <p:spPr/>
+        <p:txBody>
+          <a:bodyPr/>
+          <a:lstStyle/>
+          <a:p>
+            <a:pPr marL="0" marR="0" lvl="0" indent="0" algn="l" defTabSz="914363" rtl="0" eaLnBrk="1" fontAlgn="auto" latinLnBrk="0" hangingPunct="1">
+              <a:lnSpc>
+                <a:spcPct val="100000"/>
+              </a:lnSpc>
+              <a:spcBef>
+                <a:spcPts val="0"/>
+              </a:spcBef>
+              <a:spcAft>
+                <a:spcPts val="0"/>
+              </a:spcAft>
+              <a:buClrTx/>
+              <a:buSzTx/>
+              <a:buFontTx/>
+              <a:buNone/>
+              <a:tabLst/>
+              <a:defRPr/>
+            </a:pPr>
+            <a:endParaRPr kumimoji="0" lang="en-US" sz="1200" b="0" i="0" u="none" strike="noStrike" kern="1200" cap="none" spc="0" normalizeH="0" baseline="0" noProof="0" dirty="0">
+              <a:ln>
+                <a:noFill/>
+              </a:ln>
+              <a:solidFill>
+                <a:prstClr val="black"/>
+              </a:solidFill>
+              <a:effectLst/>
+              <a:uLnTx/>
+              <a:uFillTx/>
+              <a:latin typeface="Calibri"/>
+              <a:ea typeface="+mn-ea"/>
+              <a:cs typeface="+mn-cs"/>
+            </a:endParaRPr>
+          </a:p>
+        </p:txBody>
+      </p:sp>
+      <p:sp>
+        <p:nvSpPr>
+          <p:cNvPr id="5" name="Date Placeholder 4"/>
+          <p:cNvSpPr>
+            <a:spLocks noGrp="1"/>
+          </p:cNvSpPr>
+          <p:nvPr>
+            <p:ph type="dt" idx="11"/>
+          </p:nvPr>
+        </p:nvSpPr>
+        <p:spPr/>
+        <p:txBody>
+          <a:bodyPr/>
+          <a:lstStyle/>
+          <a:p>
+            <a:pPr marL="0" marR="0" lvl="0" indent="0" algn="r" defTabSz="914363" rtl="0" eaLnBrk="1" fontAlgn="auto" latinLnBrk="0" hangingPunct="1">
+              <a:lnSpc>
+                <a:spcPct val="100000"/>
+              </a:lnSpc>
+              <a:spcBef>
+                <a:spcPts val="0"/>
+              </a:spcBef>
+              <a:spcAft>
+                <a:spcPts val="0"/>
+              </a:spcAft>
+              <a:buClrTx/>
+              <a:buSzTx/>
+              <a:buFontTx/>
+              <a:buNone/>
+              <a:tabLst/>
+              <a:defRPr/>
+            </a:pPr>
+            <a:fld id="{81331B57-0BE5-4F82-AA58-76F53EFF3ADA}" type="datetime8">
+              <a:rPr kumimoji="0" lang="en-US" sz="1200" b="0" i="0" u="none" strike="noStrike" kern="1200" cap="none" spc="0" normalizeH="0" baseline="0" noProof="0" smtClean="0">
+                <a:ln>
+                  <a:noFill/>
+                </a:ln>
+                <a:solidFill>
+                  <a:prstClr val="black"/>
+                </a:solidFill>
+                <a:effectLst/>
+                <a:uLnTx/>
+                <a:uFillTx/>
+                <a:latin typeface="Calibri"/>
+                <a:ea typeface="+mn-ea"/>
+                <a:cs typeface="+mn-cs"/>
+              </a:rPr>
+              <a:pPr marL="0" marR="0" lvl="0" indent="0" algn="r" defTabSz="914363" rtl="0" eaLnBrk="1" fontAlgn="auto" latinLnBrk="0" hangingPunct="1">
+                <a:lnSpc>
+                  <a:spcPct val="100000"/>
+                </a:lnSpc>
+                <a:spcBef>
+                  <a:spcPts val="0"/>
+                </a:spcBef>
+                <a:spcAft>
+                  <a:spcPts val="0"/>
+                </a:spcAft>
+                <a:buClrTx/>
+                <a:buSzTx/>
+                <a:buFontTx/>
+                <a:buNone/>
+                <a:tabLst/>
+                <a:defRPr/>
+              </a:pPr>
+              <a:t>3/13/2019 11:25 AM</a:t>
             </a:fld>
             <a:endParaRPr kumimoji="0" lang="en-US" sz="1200" b="0" i="0" u="none" strike="noStrike" kern="1200" cap="none" spc="0" normalizeH="0" baseline="0" noProof="0">
               <a:ln>
@@ -1457,380 +2654,6 @@
 </p:notes>
 </file>
 
-<file path=ppt/notesSlides/notesSlide18.xml><?xml version="1.0" encoding="utf-8"?>
-<p:notes xmlns:a="http://schemas.openxmlformats.org/drawingml/2006/main" xmlns:r="http://schemas.openxmlformats.org/officeDocument/2006/relationships" xmlns:p="http://schemas.openxmlformats.org/presentationml/2006/main">
-  <p:cSld>
-    <p:spTree>
-      <p:nvGrpSpPr>
-        <p:cNvPr id="1" name=""/>
-        <p:cNvGrpSpPr/>
-        <p:nvPr/>
-      </p:nvGrpSpPr>
-      <p:grpSpPr>
-        <a:xfrm>
-          <a:off x="0" y="0"/>
-          <a:ext cx="0" cy="0"/>
-          <a:chOff x="0" y="0"/>
-          <a:chExt cx="0" cy="0"/>
-        </a:xfrm>
-      </p:grpSpPr>
-      <p:sp>
-        <p:nvSpPr>
-          <p:cNvPr id="2" name="슬라이드 이미지 개체 틀 1"/>
-          <p:cNvSpPr>
-            <a:spLocks noGrp="1" noRot="1" noChangeAspect="1"/>
-          </p:cNvSpPr>
-          <p:nvPr>
-            <p:ph type="sldImg"/>
-          </p:nvPr>
-        </p:nvSpPr>
-        <p:spPr/>
-      </p:sp>
-      <p:sp>
-        <p:nvSpPr>
-          <p:cNvPr id="3" name="슬라이드 노트 개체 틀 2"/>
-          <p:cNvSpPr>
-            <a:spLocks noGrp="1"/>
-          </p:cNvSpPr>
-          <p:nvPr>
-            <p:ph type="body" idx="1"/>
-          </p:nvPr>
-        </p:nvSpPr>
-        <p:spPr/>
-        <p:txBody>
-          <a:bodyPr/>
-          <a:lstStyle/>
-          <a:p>
-            <a:endParaRPr lang="en-US" dirty="0"/>
-          </a:p>
-        </p:txBody>
-      </p:sp>
-    </p:spTree>
-    <p:extLst>
-      <p:ext uri="{BB962C8B-B14F-4D97-AF65-F5344CB8AC3E}">
-        <p14:creationId xmlns:p14="http://schemas.microsoft.com/office/powerpoint/2010/main" val="1852337054"/>
-      </p:ext>
-    </p:extLst>
-  </p:cSld>
-  <p:clrMapOvr>
-    <a:masterClrMapping/>
-  </p:clrMapOvr>
-</p:notes>
-</file>
-
-<file path=ppt/notesSlides/notesSlide19.xml><?xml version="1.0" encoding="utf-8"?>
-<p:notes xmlns:a="http://schemas.openxmlformats.org/drawingml/2006/main" xmlns:r="http://schemas.openxmlformats.org/officeDocument/2006/relationships" xmlns:p="http://schemas.openxmlformats.org/presentationml/2006/main">
-  <p:cSld>
-    <p:spTree>
-      <p:nvGrpSpPr>
-        <p:cNvPr id="1" name=""/>
-        <p:cNvGrpSpPr/>
-        <p:nvPr/>
-      </p:nvGrpSpPr>
-      <p:grpSpPr>
-        <a:xfrm>
-          <a:off x="0" y="0"/>
-          <a:ext cx="0" cy="0"/>
-          <a:chOff x="0" y="0"/>
-          <a:chExt cx="0" cy="0"/>
-        </a:xfrm>
-      </p:grpSpPr>
-      <p:sp>
-        <p:nvSpPr>
-          <p:cNvPr id="2" name="슬라이드 이미지 개체 틀 1"/>
-          <p:cNvSpPr>
-            <a:spLocks noGrp="1" noRot="1" noChangeAspect="1"/>
-          </p:cNvSpPr>
-          <p:nvPr>
-            <p:ph type="sldImg"/>
-          </p:nvPr>
-        </p:nvSpPr>
-        <p:spPr/>
-      </p:sp>
-      <p:sp>
-        <p:nvSpPr>
-          <p:cNvPr id="3" name="슬라이드 노트 개체 틀 2"/>
-          <p:cNvSpPr>
-            <a:spLocks noGrp="1"/>
-          </p:cNvSpPr>
-          <p:nvPr>
-            <p:ph type="body" idx="1"/>
-          </p:nvPr>
-        </p:nvSpPr>
-        <p:spPr/>
-        <p:txBody>
-          <a:bodyPr/>
-          <a:lstStyle/>
-          <a:p>
-            <a:endParaRPr lang="en-US" dirty="0"/>
-          </a:p>
-        </p:txBody>
-      </p:sp>
-    </p:spTree>
-    <p:extLst>
-      <p:ext uri="{BB962C8B-B14F-4D97-AF65-F5344CB8AC3E}">
-        <p14:creationId xmlns:p14="http://schemas.microsoft.com/office/powerpoint/2010/main" val="2600642464"/>
-      </p:ext>
-    </p:extLst>
-  </p:cSld>
-  <p:clrMapOvr>
-    <a:masterClrMapping/>
-  </p:clrMapOvr>
-</p:notes>
-</file>
-
-<file path=ppt/notesSlides/notesSlide2.xml><?xml version="1.0" encoding="utf-8"?>
-<p:notes xmlns:a="http://schemas.openxmlformats.org/drawingml/2006/main" xmlns:r="http://schemas.openxmlformats.org/officeDocument/2006/relationships" xmlns:p="http://schemas.openxmlformats.org/presentationml/2006/main">
-  <p:cSld>
-    <p:spTree>
-      <p:nvGrpSpPr>
-        <p:cNvPr id="1" name=""/>
-        <p:cNvGrpSpPr/>
-        <p:nvPr/>
-      </p:nvGrpSpPr>
-      <p:grpSpPr>
-        <a:xfrm>
-          <a:off x="0" y="0"/>
-          <a:ext cx="0" cy="0"/>
-          <a:chOff x="0" y="0"/>
-          <a:chExt cx="0" cy="0"/>
-        </a:xfrm>
-      </p:grpSpPr>
-      <p:sp>
-        <p:nvSpPr>
-          <p:cNvPr id="2" name="슬라이드 이미지 개체 틀 1"/>
-          <p:cNvSpPr>
-            <a:spLocks noGrp="1" noRot="1" noChangeAspect="1"/>
-          </p:cNvSpPr>
-          <p:nvPr>
-            <p:ph type="sldImg"/>
-          </p:nvPr>
-        </p:nvSpPr>
-        <p:spPr/>
-      </p:sp>
-      <p:sp>
-        <p:nvSpPr>
-          <p:cNvPr id="3" name="슬라이드 노트 개체 틀 2"/>
-          <p:cNvSpPr>
-            <a:spLocks noGrp="1"/>
-          </p:cNvSpPr>
-          <p:nvPr>
-            <p:ph type="body" idx="1"/>
-          </p:nvPr>
-        </p:nvSpPr>
-        <p:spPr/>
-        <p:txBody>
-          <a:bodyPr/>
-          <a:lstStyle/>
-          <a:p>
-            <a:endParaRPr lang="en-US" dirty="0"/>
-          </a:p>
-        </p:txBody>
-      </p:sp>
-    </p:spTree>
-    <p:extLst>
-      <p:ext uri="{BB962C8B-B14F-4D97-AF65-F5344CB8AC3E}">
-        <p14:creationId xmlns:p14="http://schemas.microsoft.com/office/powerpoint/2010/main" val="1486541561"/>
-      </p:ext>
-    </p:extLst>
-  </p:cSld>
-  <p:clrMapOvr>
-    <a:masterClrMapping/>
-  </p:clrMapOvr>
-</p:notes>
-</file>
-
-<file path=ppt/notesSlides/notesSlide20.xml><?xml version="1.0" encoding="utf-8"?>
-<p:notes xmlns:a="http://schemas.openxmlformats.org/drawingml/2006/main" xmlns:r="http://schemas.openxmlformats.org/officeDocument/2006/relationships" xmlns:p="http://schemas.openxmlformats.org/presentationml/2006/main">
-  <p:cSld>
-    <p:spTree>
-      <p:nvGrpSpPr>
-        <p:cNvPr id="1" name=""/>
-        <p:cNvGrpSpPr/>
-        <p:nvPr/>
-      </p:nvGrpSpPr>
-      <p:grpSpPr>
-        <a:xfrm>
-          <a:off x="0" y="0"/>
-          <a:ext cx="0" cy="0"/>
-          <a:chOff x="0" y="0"/>
-          <a:chExt cx="0" cy="0"/>
-        </a:xfrm>
-      </p:grpSpPr>
-      <p:sp>
-        <p:nvSpPr>
-          <p:cNvPr id="2" name="슬라이드 이미지 개체 틀 1"/>
-          <p:cNvSpPr>
-            <a:spLocks noGrp="1" noRot="1" noChangeAspect="1"/>
-          </p:cNvSpPr>
-          <p:nvPr>
-            <p:ph type="sldImg"/>
-          </p:nvPr>
-        </p:nvSpPr>
-        <p:spPr/>
-      </p:sp>
-      <p:sp>
-        <p:nvSpPr>
-          <p:cNvPr id="3" name="슬라이드 노트 개체 틀 2"/>
-          <p:cNvSpPr>
-            <a:spLocks noGrp="1"/>
-          </p:cNvSpPr>
-          <p:nvPr>
-            <p:ph type="body" idx="1"/>
-          </p:nvPr>
-        </p:nvSpPr>
-        <p:spPr/>
-        <p:txBody>
-          <a:bodyPr/>
-          <a:lstStyle/>
-          <a:p>
-            <a:r>
-              <a:rPr lang="ko-KR" altLang="en-US" dirty="0"/>
-              <a:t>오늘 발표할 내용의 목차입니다</a:t>
-            </a:r>
-            <a:r>
-              <a:rPr lang="en-US" altLang="ko-KR" dirty="0"/>
-              <a:t>.</a:t>
-            </a:r>
-            <a:endParaRPr lang="en-US" dirty="0"/>
-          </a:p>
-        </p:txBody>
-      </p:sp>
-    </p:spTree>
-    <p:extLst>
-      <p:ext uri="{BB962C8B-B14F-4D97-AF65-F5344CB8AC3E}">
-        <p14:creationId xmlns:p14="http://schemas.microsoft.com/office/powerpoint/2010/main" val="4013562904"/>
-      </p:ext>
-    </p:extLst>
-  </p:cSld>
-  <p:clrMapOvr>
-    <a:masterClrMapping/>
-  </p:clrMapOvr>
-</p:notes>
-</file>
-
-<file path=ppt/notesSlides/notesSlide21.xml><?xml version="1.0" encoding="utf-8"?>
-<p:notes xmlns:a="http://schemas.openxmlformats.org/drawingml/2006/main" xmlns:r="http://schemas.openxmlformats.org/officeDocument/2006/relationships" xmlns:p="http://schemas.openxmlformats.org/presentationml/2006/main">
-  <p:cSld>
-    <p:spTree>
-      <p:nvGrpSpPr>
-        <p:cNvPr id="1" name=""/>
-        <p:cNvGrpSpPr/>
-        <p:nvPr/>
-      </p:nvGrpSpPr>
-      <p:grpSpPr>
-        <a:xfrm>
-          <a:off x="0" y="0"/>
-          <a:ext cx="0" cy="0"/>
-          <a:chOff x="0" y="0"/>
-          <a:chExt cx="0" cy="0"/>
-        </a:xfrm>
-      </p:grpSpPr>
-      <p:sp>
-        <p:nvSpPr>
-          <p:cNvPr id="2" name="슬라이드 이미지 개체 틀 1"/>
-          <p:cNvSpPr>
-            <a:spLocks noGrp="1" noRot="1" noChangeAspect="1"/>
-          </p:cNvSpPr>
-          <p:nvPr>
-            <p:ph type="sldImg"/>
-          </p:nvPr>
-        </p:nvSpPr>
-        <p:spPr/>
-      </p:sp>
-      <p:sp>
-        <p:nvSpPr>
-          <p:cNvPr id="3" name="슬라이드 노트 개체 틀 2"/>
-          <p:cNvSpPr>
-            <a:spLocks noGrp="1"/>
-          </p:cNvSpPr>
-          <p:nvPr>
-            <p:ph type="body" idx="1"/>
-          </p:nvPr>
-        </p:nvSpPr>
-        <p:spPr/>
-        <p:txBody>
-          <a:bodyPr/>
-          <a:lstStyle/>
-          <a:p>
-            <a:endParaRPr lang="en-US" dirty="0"/>
-          </a:p>
-        </p:txBody>
-      </p:sp>
-    </p:spTree>
-    <p:extLst>
-      <p:ext uri="{BB962C8B-B14F-4D97-AF65-F5344CB8AC3E}">
-        <p14:creationId xmlns:p14="http://schemas.microsoft.com/office/powerpoint/2010/main" val="432409728"/>
-      </p:ext>
-    </p:extLst>
-  </p:cSld>
-  <p:clrMapOvr>
-    <a:masterClrMapping/>
-  </p:clrMapOvr>
-</p:notes>
-</file>
-
-<file path=ppt/notesSlides/notesSlide22.xml><?xml version="1.0" encoding="utf-8"?>
-<p:notes xmlns:a="http://schemas.openxmlformats.org/drawingml/2006/main" xmlns:r="http://schemas.openxmlformats.org/officeDocument/2006/relationships" xmlns:p="http://schemas.openxmlformats.org/presentationml/2006/main">
-  <p:cSld>
-    <p:spTree>
-      <p:nvGrpSpPr>
-        <p:cNvPr id="1" name=""/>
-        <p:cNvGrpSpPr/>
-        <p:nvPr/>
-      </p:nvGrpSpPr>
-      <p:grpSpPr>
-        <a:xfrm>
-          <a:off x="0" y="0"/>
-          <a:ext cx="0" cy="0"/>
-          <a:chOff x="0" y="0"/>
-          <a:chExt cx="0" cy="0"/>
-        </a:xfrm>
-      </p:grpSpPr>
-      <p:sp>
-        <p:nvSpPr>
-          <p:cNvPr id="2" name="슬라이드 이미지 개체 틀 1"/>
-          <p:cNvSpPr>
-            <a:spLocks noGrp="1" noRot="1" noChangeAspect="1"/>
-          </p:cNvSpPr>
-          <p:nvPr>
-            <p:ph type="sldImg"/>
-          </p:nvPr>
-        </p:nvSpPr>
-        <p:spPr/>
-      </p:sp>
-      <p:sp>
-        <p:nvSpPr>
-          <p:cNvPr id="3" name="슬라이드 노트 개체 틀 2"/>
-          <p:cNvSpPr>
-            <a:spLocks noGrp="1"/>
-          </p:cNvSpPr>
-          <p:nvPr>
-            <p:ph type="body" idx="1"/>
-          </p:nvPr>
-        </p:nvSpPr>
-        <p:spPr/>
-        <p:txBody>
-          <a:bodyPr/>
-          <a:lstStyle/>
-          <a:p>
-            <a:endParaRPr lang="en-US" dirty="0"/>
-          </a:p>
-        </p:txBody>
-      </p:sp>
-    </p:spTree>
-    <p:extLst>
-      <p:ext uri="{BB962C8B-B14F-4D97-AF65-F5344CB8AC3E}">
-        <p14:creationId xmlns:p14="http://schemas.microsoft.com/office/powerpoint/2010/main" val="720443486"/>
-      </p:ext>
-    </p:extLst>
-  </p:cSld>
-  <p:clrMapOvr>
-    <a:masterClrMapping/>
-  </p:clrMapOvr>
-</p:notes>
-</file>
-
 <file path=ppt/notesSlides/notesSlide23.xml><?xml version="1.0" encoding="utf-8"?>
 <p:notes xmlns:a="http://schemas.openxmlformats.org/drawingml/2006/main" xmlns:r="http://schemas.openxmlformats.org/officeDocument/2006/relationships" xmlns:p="http://schemas.openxmlformats.org/presentationml/2006/main">
   <p:cSld>
@@ -1882,7 +2705,7 @@
     </p:spTree>
     <p:extLst>
       <p:ext uri="{BB962C8B-B14F-4D97-AF65-F5344CB8AC3E}">
-        <p14:creationId xmlns:p14="http://schemas.microsoft.com/office/powerpoint/2010/main" val="423484156"/>
+        <p14:creationId xmlns:p14="http://schemas.microsoft.com/office/powerpoint/2010/main" val="2600642464"/>
       </p:ext>
     </p:extLst>
   </p:cSld>
@@ -1943,7 +2766,7 @@
     </p:spTree>
     <p:extLst>
       <p:ext uri="{BB962C8B-B14F-4D97-AF65-F5344CB8AC3E}">
-        <p14:creationId xmlns:p14="http://schemas.microsoft.com/office/powerpoint/2010/main" val="1285359050"/>
+        <p14:creationId xmlns:p14="http://schemas.microsoft.com/office/powerpoint/2010/main" val="1852337054"/>
       </p:ext>
     </p:extLst>
   </p:cSld>
@@ -1997,6 +2820,14 @@
           <a:bodyPr/>
           <a:lstStyle/>
           <a:p>
+            <a:r>
+              <a:rPr lang="ko-KR" altLang="en-US" dirty="0"/>
+              <a:t>오늘 발표할 내용의 목차입니다</a:t>
+            </a:r>
+            <a:r>
+              <a:rPr lang="en-US" altLang="ko-KR" dirty="0"/>
+              <a:t>.</a:t>
+            </a:r>
             <a:endParaRPr lang="en-US" dirty="0"/>
           </a:p>
         </p:txBody>
@@ -2004,7 +2835,7 @@
     </p:spTree>
     <p:extLst>
       <p:ext uri="{BB962C8B-B14F-4D97-AF65-F5344CB8AC3E}">
-        <p14:creationId xmlns:p14="http://schemas.microsoft.com/office/powerpoint/2010/main" val="2534992228"/>
+        <p14:creationId xmlns:p14="http://schemas.microsoft.com/office/powerpoint/2010/main" val="4013562904"/>
       </p:ext>
     </p:extLst>
   </p:cSld>
@@ -2058,27 +2889,6 @@
           <a:bodyPr/>
           <a:lstStyle/>
           <a:p>
-            <a:r>
-              <a:rPr lang="ko-KR" altLang="en-US" dirty="0"/>
-              <a:t>발표자료 </a:t>
-            </a:r>
-            <a:r>
-              <a:rPr lang="en-US" altLang="ko-KR" dirty="0"/>
-              <a:t>&amp;</a:t>
-            </a:r>
-            <a:r>
-              <a:rPr lang="ko-KR" altLang="en-US" dirty="0"/>
-              <a:t> 예제소스 다운로드 링크</a:t>
-            </a:r>
-            <a:endParaRPr lang="en-US" altLang="ko-KR" dirty="0"/>
-          </a:p>
-          <a:p>
-            <a:r>
-              <a:rPr lang="en-US" dirty="0"/>
-              <a:t>https://github.com/giseongeom/presentations/tree/master/2019/2019.03.12-AWS-pangyo</a:t>
-            </a:r>
-          </a:p>
-          <a:p>
             <a:endParaRPr lang="en-US" dirty="0"/>
           </a:p>
         </p:txBody>
@@ -2086,7 +2896,226 @@
     </p:spTree>
     <p:extLst>
       <p:ext uri="{BB962C8B-B14F-4D97-AF65-F5344CB8AC3E}">
-        <p14:creationId xmlns:p14="http://schemas.microsoft.com/office/powerpoint/2010/main" val="3837763341"/>
+        <p14:creationId xmlns:p14="http://schemas.microsoft.com/office/powerpoint/2010/main" val="432409728"/>
+      </p:ext>
+    </p:extLst>
+  </p:cSld>
+  <p:clrMapOvr>
+    <a:masterClrMapping/>
+  </p:clrMapOvr>
+</p:notes>
+</file>
+
+<file path=ppt/notesSlides/notesSlide27.xml><?xml version="1.0" encoding="utf-8"?>
+<p:notes xmlns:a="http://schemas.openxmlformats.org/drawingml/2006/main" xmlns:r="http://schemas.openxmlformats.org/officeDocument/2006/relationships" xmlns:p="http://schemas.openxmlformats.org/presentationml/2006/main">
+  <p:cSld>
+    <p:spTree>
+      <p:nvGrpSpPr>
+        <p:cNvPr id="1" name=""/>
+        <p:cNvGrpSpPr/>
+        <p:nvPr/>
+      </p:nvGrpSpPr>
+      <p:grpSpPr>
+        <a:xfrm>
+          <a:off x="0" y="0"/>
+          <a:ext cx="0" cy="0"/>
+          <a:chOff x="0" y="0"/>
+          <a:chExt cx="0" cy="0"/>
+        </a:xfrm>
+      </p:grpSpPr>
+      <p:sp>
+        <p:nvSpPr>
+          <p:cNvPr id="2" name="슬라이드 이미지 개체 틀 1"/>
+          <p:cNvSpPr>
+            <a:spLocks noGrp="1" noRot="1" noChangeAspect="1"/>
+          </p:cNvSpPr>
+          <p:nvPr>
+            <p:ph type="sldImg"/>
+          </p:nvPr>
+        </p:nvSpPr>
+        <p:spPr/>
+      </p:sp>
+      <p:sp>
+        <p:nvSpPr>
+          <p:cNvPr id="3" name="슬라이드 노트 개체 틀 2"/>
+          <p:cNvSpPr>
+            <a:spLocks noGrp="1"/>
+          </p:cNvSpPr>
+          <p:nvPr>
+            <p:ph type="body" idx="1"/>
+          </p:nvPr>
+        </p:nvSpPr>
+        <p:spPr/>
+        <p:txBody>
+          <a:bodyPr/>
+          <a:lstStyle/>
+          <a:p>
+            <a:endParaRPr lang="en-US" dirty="0"/>
+          </a:p>
+        </p:txBody>
+      </p:sp>
+    </p:spTree>
+    <p:extLst>
+      <p:ext uri="{BB962C8B-B14F-4D97-AF65-F5344CB8AC3E}">
+        <p14:creationId xmlns:p14="http://schemas.microsoft.com/office/powerpoint/2010/main" val="720443486"/>
+      </p:ext>
+    </p:extLst>
+  </p:cSld>
+  <p:clrMapOvr>
+    <a:masterClrMapping/>
+  </p:clrMapOvr>
+</p:notes>
+</file>
+
+<file path=ppt/notesSlides/notesSlide28.xml><?xml version="1.0" encoding="utf-8"?>
+<p:notes xmlns:a="http://schemas.openxmlformats.org/drawingml/2006/main" xmlns:r="http://schemas.openxmlformats.org/officeDocument/2006/relationships" xmlns:p="http://schemas.openxmlformats.org/presentationml/2006/main">
+  <p:cSld>
+    <p:spTree>
+      <p:nvGrpSpPr>
+        <p:cNvPr id="1" name=""/>
+        <p:cNvGrpSpPr/>
+        <p:nvPr/>
+      </p:nvGrpSpPr>
+      <p:grpSpPr>
+        <a:xfrm>
+          <a:off x="0" y="0"/>
+          <a:ext cx="0" cy="0"/>
+          <a:chOff x="0" y="0"/>
+          <a:chExt cx="0" cy="0"/>
+        </a:xfrm>
+      </p:grpSpPr>
+      <p:sp>
+        <p:nvSpPr>
+          <p:cNvPr id="2" name="슬라이드 이미지 개체 틀 1"/>
+          <p:cNvSpPr>
+            <a:spLocks noGrp="1" noRot="1" noChangeAspect="1"/>
+          </p:cNvSpPr>
+          <p:nvPr>
+            <p:ph type="sldImg"/>
+          </p:nvPr>
+        </p:nvSpPr>
+        <p:spPr/>
+      </p:sp>
+      <p:sp>
+        <p:nvSpPr>
+          <p:cNvPr id="3" name="슬라이드 노트 개체 틀 2"/>
+          <p:cNvSpPr>
+            <a:spLocks noGrp="1"/>
+          </p:cNvSpPr>
+          <p:nvPr>
+            <p:ph type="body" idx="1"/>
+          </p:nvPr>
+        </p:nvSpPr>
+        <p:spPr/>
+        <p:txBody>
+          <a:bodyPr/>
+          <a:lstStyle/>
+          <a:p>
+            <a:r>
+              <a:rPr lang="ko-KR" altLang="en-US" dirty="0"/>
+              <a:t>끝으로 </a:t>
+            </a:r>
+            <a:r>
+              <a:rPr lang="en-US" altLang="ko-KR" dirty="0"/>
+              <a:t>CFN</a:t>
+            </a:r>
+            <a:r>
+              <a:rPr lang="ko-KR" altLang="en-US" dirty="0"/>
+              <a:t>과 함께 사용하면 좋은 </a:t>
+            </a:r>
+            <a:r>
+              <a:rPr lang="en-US" altLang="ko-KR" dirty="0" err="1"/>
+              <a:t>VSCode</a:t>
+            </a:r>
+            <a:r>
+              <a:rPr lang="en-US" altLang="ko-KR" dirty="0"/>
+              <a:t> extension</a:t>
+            </a:r>
+            <a:r>
+              <a:rPr lang="ko-KR" altLang="en-US" dirty="0"/>
+              <a:t> 에 대해 잘 정리한 블로그 링크가 있어서 공유합니다</a:t>
+            </a:r>
+            <a:r>
+              <a:rPr lang="en-US" altLang="ko-KR" dirty="0"/>
+              <a:t>.</a:t>
+            </a:r>
+          </a:p>
+          <a:p>
+            <a:r>
+              <a:rPr lang="en-US"/>
+              <a:t>https://hodgkins.io/up-your-cloudformation-game-with-vscode</a:t>
+            </a:r>
+          </a:p>
+          <a:p>
+            <a:endParaRPr lang="en-US" dirty="0"/>
+          </a:p>
+        </p:txBody>
+      </p:sp>
+    </p:spTree>
+    <p:extLst>
+      <p:ext uri="{BB962C8B-B14F-4D97-AF65-F5344CB8AC3E}">
+        <p14:creationId xmlns:p14="http://schemas.microsoft.com/office/powerpoint/2010/main" val="423484156"/>
+      </p:ext>
+    </p:extLst>
+  </p:cSld>
+  <p:clrMapOvr>
+    <a:masterClrMapping/>
+  </p:clrMapOvr>
+</p:notes>
+</file>
+
+<file path=ppt/notesSlides/notesSlide29.xml><?xml version="1.0" encoding="utf-8"?>
+<p:notes xmlns:a="http://schemas.openxmlformats.org/drawingml/2006/main" xmlns:r="http://schemas.openxmlformats.org/officeDocument/2006/relationships" xmlns:p="http://schemas.openxmlformats.org/presentationml/2006/main">
+  <p:cSld>
+    <p:spTree>
+      <p:nvGrpSpPr>
+        <p:cNvPr id="1" name=""/>
+        <p:cNvGrpSpPr/>
+        <p:nvPr/>
+      </p:nvGrpSpPr>
+      <p:grpSpPr>
+        <a:xfrm>
+          <a:off x="0" y="0"/>
+          <a:ext cx="0" cy="0"/>
+          <a:chOff x="0" y="0"/>
+          <a:chExt cx="0" cy="0"/>
+        </a:xfrm>
+      </p:grpSpPr>
+      <p:sp>
+        <p:nvSpPr>
+          <p:cNvPr id="2" name="슬라이드 이미지 개체 틀 1"/>
+          <p:cNvSpPr>
+            <a:spLocks noGrp="1" noRot="1" noChangeAspect="1"/>
+          </p:cNvSpPr>
+          <p:nvPr>
+            <p:ph type="sldImg"/>
+          </p:nvPr>
+        </p:nvSpPr>
+        <p:spPr/>
+      </p:sp>
+      <p:sp>
+        <p:nvSpPr>
+          <p:cNvPr id="3" name="슬라이드 노트 개체 틀 2"/>
+          <p:cNvSpPr>
+            <a:spLocks noGrp="1"/>
+          </p:cNvSpPr>
+          <p:nvPr>
+            <p:ph type="body" idx="1"/>
+          </p:nvPr>
+        </p:nvSpPr>
+        <p:spPr/>
+        <p:txBody>
+          <a:bodyPr/>
+          <a:lstStyle/>
+          <a:p>
+            <a:endParaRPr lang="en-US" dirty="0"/>
+          </a:p>
+        </p:txBody>
+      </p:sp>
+    </p:spTree>
+    <p:extLst>
+      <p:ext uri="{BB962C8B-B14F-4D97-AF65-F5344CB8AC3E}">
+        <p14:creationId xmlns:p14="http://schemas.microsoft.com/office/powerpoint/2010/main" val="1285359050"/>
       </p:ext>
     </p:extLst>
   </p:cSld>
@@ -2188,6 +3217,24 @@
             </a:r>
           </a:p>
           <a:p>
+            <a:r>
+              <a:rPr lang="ko-KR" altLang="en-US" dirty="0"/>
+              <a:t>발표 내용과 회사와 무관하다는 점을 명시합니다</a:t>
+            </a:r>
+            <a:r>
+              <a:rPr lang="en-US" altLang="ko-KR" dirty="0"/>
+              <a:t>.</a:t>
+            </a:r>
+            <a:r>
+              <a:rPr lang="ko-KR" altLang="en-US" dirty="0"/>
+              <a:t> 회사와 커뮤니티 활동이 엮이는 것을 좋아하지 않기 때문입니다</a:t>
+            </a:r>
+            <a:r>
+              <a:rPr lang="en-US" altLang="ko-KR" dirty="0"/>
+              <a:t>.</a:t>
+            </a:r>
+          </a:p>
+          <a:p>
             <a:endParaRPr lang="en-US" dirty="0"/>
           </a:p>
         </p:txBody>
@@ -2196,6 +3243,210 @@
     <p:extLst>
       <p:ext uri="{BB962C8B-B14F-4D97-AF65-F5344CB8AC3E}">
         <p14:creationId xmlns:p14="http://schemas.microsoft.com/office/powerpoint/2010/main" val="238012550"/>
+      </p:ext>
+    </p:extLst>
+  </p:cSld>
+  <p:clrMapOvr>
+    <a:masterClrMapping/>
+  </p:clrMapOvr>
+</p:notes>
+</file>
+
+<file path=ppt/notesSlides/notesSlide30.xml><?xml version="1.0" encoding="utf-8"?>
+<p:notes xmlns:a="http://schemas.openxmlformats.org/drawingml/2006/main" xmlns:r="http://schemas.openxmlformats.org/officeDocument/2006/relationships" xmlns:p="http://schemas.openxmlformats.org/presentationml/2006/main">
+  <p:cSld>
+    <p:spTree>
+      <p:nvGrpSpPr>
+        <p:cNvPr id="1" name=""/>
+        <p:cNvGrpSpPr/>
+        <p:nvPr/>
+      </p:nvGrpSpPr>
+      <p:grpSpPr>
+        <a:xfrm>
+          <a:off x="0" y="0"/>
+          <a:ext cx="0" cy="0"/>
+          <a:chOff x="0" y="0"/>
+          <a:chExt cx="0" cy="0"/>
+        </a:xfrm>
+      </p:grpSpPr>
+      <p:sp>
+        <p:nvSpPr>
+          <p:cNvPr id="2" name="슬라이드 이미지 개체 틀 1"/>
+          <p:cNvSpPr>
+            <a:spLocks noGrp="1" noRot="1" noChangeAspect="1"/>
+          </p:cNvSpPr>
+          <p:nvPr>
+            <p:ph type="sldImg"/>
+          </p:nvPr>
+        </p:nvSpPr>
+        <p:spPr/>
+      </p:sp>
+      <p:sp>
+        <p:nvSpPr>
+          <p:cNvPr id="3" name="슬라이드 노트 개체 틀 2"/>
+          <p:cNvSpPr>
+            <a:spLocks noGrp="1"/>
+          </p:cNvSpPr>
+          <p:nvPr>
+            <p:ph type="body" idx="1"/>
+          </p:nvPr>
+        </p:nvSpPr>
+        <p:spPr/>
+        <p:txBody>
+          <a:bodyPr/>
+          <a:lstStyle/>
+          <a:p>
+            <a:endParaRPr lang="en-US" dirty="0"/>
+          </a:p>
+        </p:txBody>
+      </p:sp>
+    </p:spTree>
+    <p:extLst>
+      <p:ext uri="{BB962C8B-B14F-4D97-AF65-F5344CB8AC3E}">
+        <p14:creationId xmlns:p14="http://schemas.microsoft.com/office/powerpoint/2010/main" val="2534992228"/>
+      </p:ext>
+    </p:extLst>
+  </p:cSld>
+  <p:clrMapOvr>
+    <a:masterClrMapping/>
+  </p:clrMapOvr>
+</p:notes>
+</file>
+
+<file path=ppt/notesSlides/notesSlide31.xml><?xml version="1.0" encoding="utf-8"?>
+<p:notes xmlns:a="http://schemas.openxmlformats.org/drawingml/2006/main" xmlns:r="http://schemas.openxmlformats.org/officeDocument/2006/relationships" xmlns:p="http://schemas.openxmlformats.org/presentationml/2006/main">
+  <p:cSld>
+    <p:spTree>
+      <p:nvGrpSpPr>
+        <p:cNvPr id="1" name=""/>
+        <p:cNvGrpSpPr/>
+        <p:nvPr/>
+      </p:nvGrpSpPr>
+      <p:grpSpPr>
+        <a:xfrm>
+          <a:off x="0" y="0"/>
+          <a:ext cx="0" cy="0"/>
+          <a:chOff x="0" y="0"/>
+          <a:chExt cx="0" cy="0"/>
+        </a:xfrm>
+      </p:grpSpPr>
+      <p:sp>
+        <p:nvSpPr>
+          <p:cNvPr id="2" name="슬라이드 이미지 개체 틀 1"/>
+          <p:cNvSpPr>
+            <a:spLocks noGrp="1" noRot="1" noChangeAspect="1"/>
+          </p:cNvSpPr>
+          <p:nvPr>
+            <p:ph type="sldImg"/>
+          </p:nvPr>
+        </p:nvSpPr>
+        <p:spPr/>
+      </p:sp>
+      <p:sp>
+        <p:nvSpPr>
+          <p:cNvPr id="3" name="슬라이드 노트 개체 틀 2"/>
+          <p:cNvSpPr>
+            <a:spLocks noGrp="1"/>
+          </p:cNvSpPr>
+          <p:nvPr>
+            <p:ph type="body" idx="1"/>
+          </p:nvPr>
+        </p:nvSpPr>
+        <p:spPr/>
+        <p:txBody>
+          <a:bodyPr/>
+          <a:lstStyle/>
+          <a:p>
+            <a:endParaRPr lang="en-US" dirty="0"/>
+          </a:p>
+        </p:txBody>
+      </p:sp>
+    </p:spTree>
+    <p:extLst>
+      <p:ext uri="{BB962C8B-B14F-4D97-AF65-F5344CB8AC3E}">
+        <p14:creationId xmlns:p14="http://schemas.microsoft.com/office/powerpoint/2010/main" val="508788452"/>
+      </p:ext>
+    </p:extLst>
+  </p:cSld>
+  <p:clrMapOvr>
+    <a:masterClrMapping/>
+  </p:clrMapOvr>
+</p:notes>
+</file>
+
+<file path=ppt/notesSlides/notesSlide32.xml><?xml version="1.0" encoding="utf-8"?>
+<p:notes xmlns:a="http://schemas.openxmlformats.org/drawingml/2006/main" xmlns:r="http://schemas.openxmlformats.org/officeDocument/2006/relationships" xmlns:p="http://schemas.openxmlformats.org/presentationml/2006/main">
+  <p:cSld>
+    <p:spTree>
+      <p:nvGrpSpPr>
+        <p:cNvPr id="1" name=""/>
+        <p:cNvGrpSpPr/>
+        <p:nvPr/>
+      </p:nvGrpSpPr>
+      <p:grpSpPr>
+        <a:xfrm>
+          <a:off x="0" y="0"/>
+          <a:ext cx="0" cy="0"/>
+          <a:chOff x="0" y="0"/>
+          <a:chExt cx="0" cy="0"/>
+        </a:xfrm>
+      </p:grpSpPr>
+      <p:sp>
+        <p:nvSpPr>
+          <p:cNvPr id="2" name="슬라이드 이미지 개체 틀 1"/>
+          <p:cNvSpPr>
+            <a:spLocks noGrp="1" noRot="1" noChangeAspect="1"/>
+          </p:cNvSpPr>
+          <p:nvPr>
+            <p:ph type="sldImg"/>
+          </p:nvPr>
+        </p:nvSpPr>
+        <p:spPr/>
+      </p:sp>
+      <p:sp>
+        <p:nvSpPr>
+          <p:cNvPr id="3" name="슬라이드 노트 개체 틀 2"/>
+          <p:cNvSpPr>
+            <a:spLocks noGrp="1"/>
+          </p:cNvSpPr>
+          <p:nvPr>
+            <p:ph type="body" idx="1"/>
+          </p:nvPr>
+        </p:nvSpPr>
+        <p:spPr/>
+        <p:txBody>
+          <a:bodyPr/>
+          <a:lstStyle/>
+          <a:p>
+            <a:r>
+              <a:rPr lang="ko-KR" altLang="en-US" dirty="0"/>
+              <a:t>발표자료 </a:t>
+            </a:r>
+            <a:r>
+              <a:rPr lang="en-US" altLang="ko-KR" dirty="0"/>
+              <a:t>&amp;</a:t>
+            </a:r>
+            <a:r>
+              <a:rPr lang="ko-KR" altLang="en-US" dirty="0"/>
+              <a:t> 예제소스 다운로드 링크</a:t>
+            </a:r>
+            <a:endParaRPr lang="en-US" altLang="ko-KR" dirty="0"/>
+          </a:p>
+          <a:p>
+            <a:r>
+              <a:rPr lang="en-US" dirty="0"/>
+              <a:t>https://github.com/giseongeom/presentations/tree/master/2019/2019.03.12-AWS-pangyo</a:t>
+            </a:r>
+          </a:p>
+          <a:p>
+            <a:endParaRPr lang="en-US" dirty="0"/>
+          </a:p>
+        </p:txBody>
+      </p:sp>
+    </p:spTree>
+    <p:extLst>
+      <p:ext uri="{BB962C8B-B14F-4D97-AF65-F5344CB8AC3E}">
+        <p14:creationId xmlns:p14="http://schemas.microsoft.com/office/powerpoint/2010/main" val="3837763341"/>
       </p:ext>
     </p:extLst>
   </p:cSld>
@@ -2256,6 +3507,44 @@
             <a:r>
               <a:rPr lang="en-US" altLang="ko-KR" dirty="0"/>
               <a:t>.</a:t>
+            </a:r>
+          </a:p>
+          <a:p>
+            <a:r>
+              <a:rPr lang="en-US" dirty="0"/>
+              <a:t>CloudFormation </a:t>
+            </a:r>
+            <a:r>
+              <a:rPr lang="en-US" dirty="0" err="1"/>
+              <a:t>StackSet</a:t>
+            </a:r>
+            <a:r>
+              <a:rPr lang="ko-KR" altLang="en-US" dirty="0"/>
+              <a:t>에 대해서 알아보기 전에 </a:t>
+            </a:r>
+            <a:r>
+              <a:rPr lang="en-US" altLang="ko-KR" dirty="0"/>
+              <a:t>CloudFormation</a:t>
+            </a:r>
+            <a:r>
+              <a:rPr lang="ko-KR" altLang="en-US" dirty="0"/>
+              <a:t>에 대해서 이해할 필요가 있습니다</a:t>
+            </a:r>
+            <a:r>
+              <a:rPr lang="en-US" altLang="ko-KR" dirty="0"/>
+              <a:t>.</a:t>
+            </a:r>
+            <a:r>
+              <a:rPr lang="ko-KR" altLang="en-US" dirty="0"/>
+              <a:t> 당연하겠죠</a:t>
+            </a:r>
+            <a:r>
+              <a:rPr lang="en-US" altLang="ko-KR" dirty="0"/>
+              <a:t>?</a:t>
+            </a:r>
+            <a:r>
+              <a:rPr lang="ko-KR" altLang="en-US" dirty="0"/>
+              <a:t> </a:t>
             </a:r>
             <a:endParaRPr lang="en-US" dirty="0"/>
           </a:p>
@@ -2318,6 +3607,201 @@
           <a:bodyPr/>
           <a:lstStyle/>
           <a:p>
+            <a:r>
+              <a:rPr lang="en-US" dirty="0"/>
+              <a:t>CloudFormation</a:t>
+            </a:r>
+            <a:r>
+              <a:rPr lang="ko-KR" altLang="en-US" dirty="0"/>
+              <a:t>은 </a:t>
+            </a:r>
+            <a:r>
+              <a:rPr lang="en-US" altLang="ko-KR" dirty="0"/>
+              <a:t>AWS</a:t>
+            </a:r>
+            <a:r>
+              <a:rPr lang="ko-KR" altLang="en-US" dirty="0"/>
+              <a:t>에서 제공하는 리소스 배포</a:t>
+            </a:r>
+            <a:r>
+              <a:rPr lang="en-US" altLang="ko-KR" dirty="0"/>
+              <a:t>/</a:t>
+            </a:r>
+            <a:r>
+              <a:rPr lang="ko-KR" altLang="en-US" dirty="0" err="1"/>
+              <a:t>관리도구입니다</a:t>
+            </a:r>
+            <a:r>
+              <a:rPr lang="en-US" altLang="ko-KR" dirty="0"/>
+              <a:t>.</a:t>
+            </a:r>
+            <a:r>
+              <a:rPr lang="ko-KR" altLang="en-US" dirty="0"/>
+              <a:t> </a:t>
+            </a:r>
+            <a:endParaRPr lang="en-US" altLang="ko-KR" dirty="0"/>
+          </a:p>
+          <a:p>
+            <a:pPr marL="228600" indent="-228600">
+              <a:buAutoNum type="arabicPeriod"/>
+            </a:pPr>
+            <a:r>
+              <a:rPr lang="en-US" altLang="ko-KR" dirty="0"/>
+              <a:t>AWS</a:t>
+            </a:r>
+            <a:r>
+              <a:rPr lang="ko-KR" altLang="en-US" dirty="0"/>
+              <a:t>의 인프라를 </a:t>
+            </a:r>
+            <a:r>
+              <a:rPr lang="en-US" altLang="ko-KR" dirty="0"/>
+              <a:t>“Code”</a:t>
+            </a:r>
+            <a:r>
+              <a:rPr lang="ko-KR" altLang="en-US" dirty="0"/>
+              <a:t>로 작성합니다</a:t>
+            </a:r>
+            <a:r>
+              <a:rPr lang="en-US" altLang="ko-KR" dirty="0"/>
+              <a:t>.</a:t>
+            </a:r>
+          </a:p>
+          <a:p>
+            <a:pPr marL="228600" indent="-228600">
+              <a:buAutoNum type="arabicPeriod"/>
+            </a:pPr>
+            <a:r>
+              <a:rPr lang="ko-KR" altLang="en-US" dirty="0"/>
+              <a:t>만들어진 코드를 로컬의 파일에 저장하거나</a:t>
+            </a:r>
+            <a:r>
+              <a:rPr lang="en-US" altLang="ko-KR" dirty="0"/>
+              <a:t>,</a:t>
+            </a:r>
+            <a:r>
+              <a:rPr lang="ko-KR" altLang="en-US" dirty="0"/>
+              <a:t> 이 파일을 </a:t>
+            </a:r>
+            <a:r>
+              <a:rPr lang="en-US" altLang="ko-KR" dirty="0"/>
+              <a:t>S3 bucket</a:t>
+            </a:r>
+            <a:r>
+              <a:rPr lang="ko-KR" altLang="en-US" dirty="0"/>
+              <a:t>에 업로드합니다</a:t>
+            </a:r>
+            <a:r>
+              <a:rPr lang="en-US" altLang="ko-KR" dirty="0"/>
+              <a:t>.</a:t>
+            </a:r>
+          </a:p>
+          <a:p>
+            <a:pPr marL="228600" indent="-228600">
+              <a:buAutoNum type="arabicPeriod"/>
+            </a:pPr>
+            <a:r>
+              <a:rPr lang="en-US" dirty="0"/>
+              <a:t>AWS </a:t>
+            </a:r>
+            <a:r>
+              <a:rPr lang="ko-KR" altLang="en-US" dirty="0"/>
+              <a:t>콘솔 또는 </a:t>
+            </a:r>
+            <a:r>
+              <a:rPr lang="en-US" altLang="ko-KR" dirty="0"/>
+              <a:t>CLI/API</a:t>
+            </a:r>
+            <a:r>
+              <a:rPr lang="ko-KR" altLang="en-US" dirty="0"/>
+              <a:t> 등을 통해서 앞서 만든 인프라코드가 담긴 파일을 이용해서 </a:t>
+            </a:r>
+            <a:r>
+              <a:rPr lang="en-US" altLang="ko-KR" dirty="0"/>
+              <a:t>CFN Stack</a:t>
+            </a:r>
+            <a:r>
+              <a:rPr lang="ko-KR" altLang="en-US" dirty="0"/>
+              <a:t>을 만들라고 명령합니다</a:t>
+            </a:r>
+            <a:r>
+              <a:rPr lang="en-US" altLang="ko-KR" dirty="0"/>
+              <a:t>.</a:t>
+            </a:r>
+          </a:p>
+          <a:p>
+            <a:pPr marL="228600" indent="-228600">
+              <a:buAutoNum type="arabicPeriod"/>
+            </a:pPr>
+            <a:r>
+              <a:rPr lang="en-US" dirty="0"/>
+              <a:t>AWS CFN</a:t>
+            </a:r>
+            <a:r>
+              <a:rPr lang="ko-KR" altLang="en-US" dirty="0"/>
+              <a:t> 서비스가 </a:t>
+            </a:r>
+            <a:r>
+              <a:rPr lang="en-US" altLang="ko-KR" dirty="0"/>
+              <a:t>(</a:t>
+            </a:r>
+            <a:r>
+              <a:rPr lang="ko-KR" altLang="en-US" dirty="0"/>
+              <a:t>여러분을 대신해서</a:t>
+            </a:r>
+            <a:r>
+              <a:rPr lang="en-US" altLang="ko-KR" dirty="0"/>
+              <a:t>)</a:t>
+            </a:r>
+            <a:r>
+              <a:rPr lang="ko-KR" altLang="en-US" dirty="0"/>
+              <a:t> 이런 리소스를 자동으로 생성합니다</a:t>
+            </a:r>
+            <a:r>
+              <a:rPr lang="en-US" altLang="ko-KR" dirty="0"/>
+              <a:t>.</a:t>
+            </a:r>
+          </a:p>
+          <a:p>
+            <a:pPr marL="228600" indent="-228600">
+              <a:buAutoNum type="arabicPeriod"/>
+            </a:pPr>
+            <a:endParaRPr lang="en-US" altLang="ko-KR" dirty="0"/>
+          </a:p>
+          <a:p>
+            <a:pPr marL="0" indent="0">
+              <a:buNone/>
+            </a:pPr>
+            <a:r>
+              <a:rPr lang="en-US" altLang="ko-KR" dirty="0"/>
+              <a:t>Stack</a:t>
+            </a:r>
+            <a:r>
+              <a:rPr lang="ko-KR" altLang="en-US" dirty="0"/>
+              <a:t>은 </a:t>
+            </a:r>
+            <a:r>
+              <a:rPr lang="en-US" altLang="ko-KR" dirty="0"/>
+              <a:t>Security Group 1</a:t>
+            </a:r>
+            <a:r>
+              <a:rPr lang="ko-KR" altLang="en-US" dirty="0"/>
+              <a:t>개 또는 여러 리소스를 포함할 수 있습니다</a:t>
+            </a:r>
+            <a:r>
+              <a:rPr lang="en-US" altLang="ko-KR" dirty="0"/>
+              <a:t>.</a:t>
+            </a:r>
+          </a:p>
+          <a:p>
+            <a:pPr marL="228600" indent="-228600">
+              <a:buAutoNum type="arabicPeriod"/>
+            </a:pPr>
+            <a:endParaRPr lang="en-US" dirty="0"/>
+          </a:p>
+          <a:p>
+            <a:pPr marL="228600" indent="-228600">
+              <a:buAutoNum type="arabicPeriod"/>
+            </a:pPr>
             <a:endParaRPr lang="en-US" dirty="0"/>
           </a:p>
         </p:txBody>
@@ -2325,7 +3809,7 @@
     </p:spTree>
     <p:extLst>
       <p:ext uri="{BB962C8B-B14F-4D97-AF65-F5344CB8AC3E}">
-        <p14:creationId xmlns:p14="http://schemas.microsoft.com/office/powerpoint/2010/main" val="3033585436"/>
+        <p14:creationId xmlns:p14="http://schemas.microsoft.com/office/powerpoint/2010/main" val="3343325822"/>
       </p:ext>
     </p:extLst>
   </p:cSld>
@@ -2379,6 +3863,579 @@
           <a:bodyPr/>
           <a:lstStyle/>
           <a:p>
+            <a:r>
+              <a:rPr lang="en-US" dirty="0"/>
+              <a:t>AWS</a:t>
+            </a:r>
+            <a:r>
+              <a:rPr lang="ko-KR" altLang="en-US" dirty="0"/>
+              <a:t> 사이트에서 언급한 </a:t>
+            </a:r>
+            <a:r>
+              <a:rPr lang="en-US" altLang="ko-KR" dirty="0"/>
+              <a:t>CFN</a:t>
+            </a:r>
+            <a:r>
+              <a:rPr lang="ko-KR" altLang="en-US" dirty="0"/>
+              <a:t>의 주요 기능을 보면</a:t>
+            </a:r>
+            <a:endParaRPr lang="en-US" altLang="ko-KR" dirty="0"/>
+          </a:p>
+          <a:p>
+            <a:pPr marL="0" marR="0" lvl="0" indent="0" algn="l" defTabSz="914400" rtl="0" eaLnBrk="1" fontAlgn="auto" latinLnBrk="1" hangingPunct="1">
+              <a:lnSpc>
+                <a:spcPct val="100000"/>
+              </a:lnSpc>
+              <a:spcBef>
+                <a:spcPts val="0"/>
+              </a:spcBef>
+              <a:spcAft>
+                <a:spcPts val="0"/>
+              </a:spcAft>
+              <a:buClrTx/>
+              <a:buSzTx/>
+              <a:buFontTx/>
+              <a:buNone/>
+              <a:tabLst/>
+              <a:defRPr/>
+            </a:pPr>
+            <a:endParaRPr lang="en-US" dirty="0"/>
+          </a:p>
+          <a:p>
+            <a:pPr marL="0" marR="0" lvl="0" indent="0" algn="l" defTabSz="914400" rtl="0" eaLnBrk="1" fontAlgn="auto" latinLnBrk="1" hangingPunct="1">
+              <a:lnSpc>
+                <a:spcPct val="100000"/>
+              </a:lnSpc>
+              <a:spcBef>
+                <a:spcPts val="0"/>
+              </a:spcBef>
+              <a:spcAft>
+                <a:spcPts val="0"/>
+              </a:spcAft>
+              <a:buClrTx/>
+              <a:buSzTx/>
+              <a:buFontTx/>
+              <a:buNone/>
+              <a:tabLst/>
+              <a:defRPr/>
+            </a:pPr>
+            <a:r>
+              <a:rPr lang="en-US" dirty="0"/>
+              <a:t>Authoring with JSON/YAML</a:t>
+            </a:r>
+            <a:endParaRPr lang="en-US" altLang="ko-KR" dirty="0"/>
+          </a:p>
+          <a:p>
+            <a:r>
+              <a:rPr lang="ko-KR" altLang="en-US" dirty="0"/>
+              <a:t>인프라를 </a:t>
+            </a:r>
+            <a:r>
+              <a:rPr lang="en-US" altLang="ko-KR" dirty="0"/>
+              <a:t>JSON/YAML</a:t>
+            </a:r>
+            <a:r>
+              <a:rPr lang="ko-KR" altLang="en-US" dirty="0"/>
+              <a:t>로 작성가능</a:t>
+            </a:r>
+            <a:r>
+              <a:rPr lang="en-US" altLang="ko-KR" dirty="0"/>
+              <a:t>.</a:t>
+            </a:r>
+            <a:r>
+              <a:rPr lang="ko-KR" altLang="en-US" dirty="0"/>
+              <a:t> </a:t>
+            </a:r>
+            <a:r>
+              <a:rPr lang="en-US" altLang="ko-KR" dirty="0"/>
+              <a:t>(YAML</a:t>
+            </a:r>
+            <a:r>
+              <a:rPr lang="ko-KR" altLang="en-US" dirty="0"/>
+              <a:t> 너무 좋습니다</a:t>
+            </a:r>
+            <a:r>
+              <a:rPr lang="en-US" altLang="ko-KR" dirty="0"/>
+              <a:t>)</a:t>
+            </a:r>
+          </a:p>
+          <a:p>
+            <a:pPr marL="0" marR="0" lvl="0" indent="0" algn="l" defTabSz="914400" rtl="0" eaLnBrk="1" fontAlgn="auto" latinLnBrk="1" hangingPunct="1">
+              <a:lnSpc>
+                <a:spcPct val="100000"/>
+              </a:lnSpc>
+              <a:spcBef>
+                <a:spcPts val="0"/>
+              </a:spcBef>
+              <a:spcAft>
+                <a:spcPts val="0"/>
+              </a:spcAft>
+              <a:buClrTx/>
+              <a:buSzTx/>
+              <a:buFontTx/>
+              <a:buNone/>
+              <a:tabLst/>
+              <a:defRPr/>
+            </a:pPr>
+            <a:endParaRPr lang="en-US" dirty="0"/>
+          </a:p>
+          <a:p>
+            <a:pPr marL="0" marR="0" lvl="0" indent="0" algn="l" defTabSz="914400" rtl="0" eaLnBrk="1" fontAlgn="auto" latinLnBrk="1" hangingPunct="1">
+              <a:lnSpc>
+                <a:spcPct val="100000"/>
+              </a:lnSpc>
+              <a:spcBef>
+                <a:spcPts val="0"/>
+              </a:spcBef>
+              <a:spcAft>
+                <a:spcPts val="0"/>
+              </a:spcAft>
+              <a:buClrTx/>
+              <a:buSzTx/>
+              <a:buFontTx/>
+              <a:buNone/>
+              <a:tabLst/>
+              <a:defRPr/>
+            </a:pPr>
+            <a:r>
+              <a:rPr lang="en-US" dirty="0"/>
+              <a:t>Safety Controls</a:t>
+            </a:r>
+          </a:p>
+          <a:p>
+            <a:pPr marL="0" marR="0" lvl="0" indent="0" algn="l" defTabSz="914400" rtl="0" eaLnBrk="1" fontAlgn="auto" latinLnBrk="1" hangingPunct="1">
+              <a:lnSpc>
+                <a:spcPct val="100000"/>
+              </a:lnSpc>
+              <a:spcBef>
+                <a:spcPts val="0"/>
+              </a:spcBef>
+              <a:spcAft>
+                <a:spcPts val="0"/>
+              </a:spcAft>
+              <a:buClrTx/>
+              <a:buSzTx/>
+              <a:buFontTx/>
+              <a:buNone/>
+              <a:tabLst/>
+              <a:defRPr/>
+            </a:pPr>
+            <a:r>
+              <a:rPr lang="ko-KR" altLang="en-US" dirty="0"/>
+              <a:t>수작업이 없고</a:t>
+            </a:r>
+            <a:r>
+              <a:rPr lang="en-US" altLang="ko-KR" dirty="0"/>
+              <a:t>,</a:t>
+            </a:r>
+            <a:r>
+              <a:rPr lang="ko-KR" altLang="en-US" dirty="0"/>
+              <a:t> </a:t>
+            </a:r>
+            <a:r>
+              <a:rPr lang="en-US" altLang="ko-KR" dirty="0"/>
+              <a:t>Roll-back</a:t>
+            </a:r>
+            <a:r>
+              <a:rPr lang="ko-KR" altLang="en-US" dirty="0"/>
+              <a:t> 과정이 자동으로 진행됩니다</a:t>
+            </a:r>
+            <a:r>
+              <a:rPr lang="en-US" altLang="ko-KR" dirty="0"/>
+              <a:t>.</a:t>
+            </a:r>
+            <a:r>
+              <a:rPr lang="ko-KR" altLang="en-US" dirty="0"/>
+              <a:t> 그래서</a:t>
+            </a:r>
+            <a:r>
+              <a:rPr lang="en-US" altLang="ko-KR" dirty="0"/>
+              <a:t>,</a:t>
+            </a:r>
+            <a:r>
+              <a:rPr lang="ko-KR" altLang="en-US" dirty="0"/>
+              <a:t> 실수가 존재하지 않습니다</a:t>
+            </a:r>
+            <a:r>
+              <a:rPr lang="en-US" altLang="ko-KR" dirty="0"/>
+              <a:t>.</a:t>
+            </a:r>
+            <a:r>
+              <a:rPr lang="ko-KR" altLang="en-US" dirty="0"/>
+              <a:t> </a:t>
+            </a:r>
+            <a:r>
+              <a:rPr lang="en-US" altLang="ko-KR" dirty="0"/>
+              <a:t>(</a:t>
+            </a:r>
+            <a:r>
+              <a:rPr lang="ko-KR" altLang="en-US" dirty="0"/>
+              <a:t>코드의 버그를 빼면</a:t>
+            </a:r>
+            <a:r>
+              <a:rPr lang="en-US" altLang="ko-KR" dirty="0"/>
+              <a:t>..)</a:t>
+            </a:r>
+          </a:p>
+          <a:p>
+            <a:pPr marL="0" marR="0" lvl="0" indent="0" algn="l" defTabSz="914400" rtl="0" eaLnBrk="1" fontAlgn="auto" latinLnBrk="1" hangingPunct="1">
+              <a:lnSpc>
+                <a:spcPct val="100000"/>
+              </a:lnSpc>
+              <a:spcBef>
+                <a:spcPts val="0"/>
+              </a:spcBef>
+              <a:spcAft>
+                <a:spcPts val="0"/>
+              </a:spcAft>
+              <a:buClrTx/>
+              <a:buSzTx/>
+              <a:buFontTx/>
+              <a:buNone/>
+              <a:tabLst/>
+              <a:defRPr/>
+            </a:pPr>
+            <a:endParaRPr lang="en-US" dirty="0"/>
+          </a:p>
+          <a:p>
+            <a:pPr marL="0" marR="0" lvl="0" indent="0" algn="l" defTabSz="914400" rtl="0" eaLnBrk="1" fontAlgn="auto" latinLnBrk="1" hangingPunct="1">
+              <a:lnSpc>
+                <a:spcPct val="100000"/>
+              </a:lnSpc>
+              <a:spcBef>
+                <a:spcPts val="0"/>
+              </a:spcBef>
+              <a:spcAft>
+                <a:spcPts val="0"/>
+              </a:spcAft>
+              <a:buClrTx/>
+              <a:buSzTx/>
+              <a:buFontTx/>
+              <a:buNone/>
+              <a:tabLst/>
+              <a:defRPr/>
+            </a:pPr>
+            <a:r>
+              <a:rPr lang="en-US" dirty="0"/>
+              <a:t>Preview Changes To Your Environment (</a:t>
+            </a:r>
+            <a:r>
+              <a:rPr lang="en-US" dirty="0" err="1"/>
+              <a:t>ChangeSet</a:t>
+            </a:r>
+            <a:r>
+              <a:rPr lang="en-US" dirty="0"/>
+              <a:t>)</a:t>
+            </a:r>
+            <a:endParaRPr lang="en-US" altLang="ko-KR" dirty="0"/>
+          </a:p>
+          <a:p>
+            <a:r>
+              <a:rPr lang="ko-KR" altLang="en-US" dirty="0"/>
+              <a:t>실제 변경하기 전에 </a:t>
+            </a:r>
+            <a:r>
+              <a:rPr lang="en-US" altLang="ko-KR" dirty="0" err="1"/>
+              <a:t>ChangeSet</a:t>
+            </a:r>
+            <a:r>
+              <a:rPr lang="ko-KR" altLang="en-US" dirty="0"/>
+              <a:t> 이란 것을 볼 수 있습니다</a:t>
+            </a:r>
+            <a:r>
+              <a:rPr lang="en-US" altLang="ko-KR" dirty="0"/>
+              <a:t>.</a:t>
+            </a:r>
+            <a:r>
+              <a:rPr lang="ko-KR" altLang="en-US" dirty="0"/>
+              <a:t> 변경 내용 모음</a:t>
+            </a:r>
+            <a:r>
+              <a:rPr lang="en-US" altLang="ko-KR" dirty="0"/>
+              <a:t>(?)</a:t>
+            </a:r>
+            <a:r>
+              <a:rPr lang="ko-KR" altLang="en-US" dirty="0"/>
+              <a:t>이라고 생각하면 됩니다</a:t>
+            </a:r>
+            <a:r>
+              <a:rPr lang="en-US" altLang="ko-KR" dirty="0"/>
+              <a:t>.</a:t>
+            </a:r>
+            <a:r>
+              <a:rPr lang="ko-KR" altLang="en-US" dirty="0"/>
+              <a:t> </a:t>
+            </a:r>
+            <a:r>
+              <a:rPr lang="en-US" altLang="ko-KR" dirty="0"/>
+              <a:t>(terraform plan</a:t>
+            </a:r>
+            <a:r>
+              <a:rPr lang="ko-KR" altLang="en-US" dirty="0"/>
+              <a:t>과 비슷합니다</a:t>
+            </a:r>
+            <a:r>
+              <a:rPr lang="en-US" altLang="ko-KR" dirty="0"/>
+              <a:t>)</a:t>
+            </a:r>
+          </a:p>
+          <a:p>
+            <a:pPr marL="0" marR="0" lvl="0" indent="0" algn="l" defTabSz="914400" rtl="0" eaLnBrk="1" fontAlgn="auto" latinLnBrk="1" hangingPunct="1">
+              <a:lnSpc>
+                <a:spcPct val="100000"/>
+              </a:lnSpc>
+              <a:spcBef>
+                <a:spcPts val="0"/>
+              </a:spcBef>
+              <a:spcAft>
+                <a:spcPts val="0"/>
+              </a:spcAft>
+              <a:buClrTx/>
+              <a:buSzTx/>
+              <a:buFontTx/>
+              <a:buNone/>
+              <a:tabLst/>
+              <a:defRPr/>
+            </a:pPr>
+            <a:endParaRPr lang="en-US" dirty="0"/>
+          </a:p>
+          <a:p>
+            <a:pPr marL="0" marR="0" lvl="0" indent="0" algn="l" defTabSz="914400" rtl="0" eaLnBrk="1" fontAlgn="auto" latinLnBrk="1" hangingPunct="1">
+              <a:lnSpc>
+                <a:spcPct val="100000"/>
+              </a:lnSpc>
+              <a:spcBef>
+                <a:spcPts val="0"/>
+              </a:spcBef>
+              <a:spcAft>
+                <a:spcPts val="0"/>
+              </a:spcAft>
+              <a:buClrTx/>
+              <a:buSzTx/>
+              <a:buFontTx/>
+              <a:buNone/>
+              <a:tabLst/>
+              <a:defRPr/>
+            </a:pPr>
+            <a:r>
+              <a:rPr lang="en-US" dirty="0"/>
+              <a:t>Dependency Management</a:t>
+            </a:r>
+            <a:endParaRPr lang="en-US" altLang="ko-KR" dirty="0"/>
+          </a:p>
+          <a:p>
+            <a:r>
+              <a:rPr lang="ko-KR" altLang="en-US" dirty="0"/>
+              <a:t>리소스간 의존성 정의할 수 있다는 </a:t>
+            </a:r>
+            <a:r>
+              <a:rPr lang="ko-KR" altLang="en-US" dirty="0" err="1"/>
+              <a:t>뜻이구요</a:t>
+            </a:r>
+            <a:r>
+              <a:rPr lang="en-US" altLang="ko-KR" dirty="0"/>
+              <a:t>.</a:t>
+            </a:r>
+            <a:r>
+              <a:rPr lang="ko-KR" altLang="en-US" dirty="0"/>
+              <a:t> </a:t>
+            </a:r>
+            <a:r>
+              <a:rPr lang="en-US" altLang="ko-KR" dirty="0"/>
+              <a:t>(</a:t>
+            </a:r>
+            <a:r>
+              <a:rPr lang="ko-KR" altLang="en-US" dirty="0"/>
+              <a:t>예</a:t>
+            </a:r>
+            <a:r>
+              <a:rPr lang="en-US" altLang="ko-KR" dirty="0"/>
+              <a:t>:</a:t>
+            </a:r>
+            <a:r>
+              <a:rPr lang="ko-KR" altLang="en-US" dirty="0"/>
+              <a:t> </a:t>
+            </a:r>
+            <a:r>
+              <a:rPr lang="en-US" altLang="ko-KR" dirty="0"/>
+              <a:t>RDS</a:t>
+            </a:r>
+            <a:r>
+              <a:rPr lang="ko-KR" altLang="en-US" dirty="0"/>
+              <a:t> 생성하기 전에 </a:t>
+            </a:r>
+            <a:r>
+              <a:rPr lang="en-US" altLang="ko-KR" dirty="0" err="1"/>
+              <a:t>vpc</a:t>
+            </a:r>
+            <a:r>
+              <a:rPr lang="ko-KR" altLang="en-US" dirty="0"/>
+              <a:t>를 생성하도록 정의</a:t>
+            </a:r>
+            <a:r>
+              <a:rPr lang="en-US" altLang="ko-KR" dirty="0"/>
+              <a:t>)</a:t>
+            </a:r>
+            <a:endParaRPr lang="en-US" dirty="0"/>
+          </a:p>
+          <a:p>
+            <a:pPr marL="0" marR="0" lvl="0" indent="0" algn="l" defTabSz="914400" rtl="0" eaLnBrk="1" fontAlgn="auto" latinLnBrk="1" hangingPunct="1">
+              <a:lnSpc>
+                <a:spcPct val="100000"/>
+              </a:lnSpc>
+              <a:spcBef>
+                <a:spcPts val="0"/>
+              </a:spcBef>
+              <a:spcAft>
+                <a:spcPts val="0"/>
+              </a:spcAft>
+              <a:buClrTx/>
+              <a:buSzTx/>
+              <a:buFontTx/>
+              <a:buNone/>
+              <a:tabLst/>
+              <a:defRPr/>
+            </a:pPr>
+            <a:endParaRPr lang="en-US" dirty="0"/>
+          </a:p>
+          <a:p>
+            <a:pPr marL="0" marR="0" lvl="0" indent="0" algn="l" defTabSz="914400" rtl="0" eaLnBrk="1" fontAlgn="auto" latinLnBrk="1" hangingPunct="1">
+              <a:lnSpc>
+                <a:spcPct val="100000"/>
+              </a:lnSpc>
+              <a:spcBef>
+                <a:spcPts val="0"/>
+              </a:spcBef>
+              <a:spcAft>
+                <a:spcPts val="0"/>
+              </a:spcAft>
+              <a:buClrTx/>
+              <a:buSzTx/>
+              <a:buFontTx/>
+              <a:buNone/>
+              <a:tabLst/>
+              <a:defRPr/>
+            </a:pPr>
+            <a:r>
+              <a:rPr lang="en-US" dirty="0"/>
+              <a:t>Cross Account And Cross-Region Management (</a:t>
+            </a:r>
+            <a:r>
+              <a:rPr lang="en-US" b="1" dirty="0" err="1">
+                <a:solidFill>
+                  <a:srgbClr val="FF0000"/>
+                </a:solidFill>
+              </a:rPr>
+              <a:t>Stack</a:t>
+            </a:r>
+            <a:r>
+              <a:rPr lang="en-US" altLang="ko-KR" b="1" dirty="0" err="1">
+                <a:solidFill>
+                  <a:srgbClr val="FF0000"/>
+                </a:solidFill>
+              </a:rPr>
+              <a:t>Set</a:t>
+            </a:r>
+            <a:r>
+              <a:rPr lang="en-US" altLang="ko-KR" dirty="0"/>
+              <a:t>)</a:t>
+            </a:r>
+            <a:endParaRPr lang="en-US" dirty="0"/>
+          </a:p>
+          <a:p>
+            <a:r>
+              <a:rPr lang="ko-KR" altLang="en-US" dirty="0"/>
+              <a:t>오늘 발표하는 내용에 대한 것입니다</a:t>
+            </a:r>
+            <a:r>
+              <a:rPr lang="en-US" altLang="ko-KR" dirty="0"/>
+              <a:t>.</a:t>
+            </a:r>
+            <a:r>
+              <a:rPr lang="ko-KR" altLang="en-US" dirty="0"/>
+              <a:t> </a:t>
+            </a:r>
+            <a:endParaRPr lang="en-US" altLang="ko-KR" dirty="0"/>
+          </a:p>
+          <a:p>
+            <a:pPr marL="0" marR="0" lvl="0" indent="0" algn="l" defTabSz="914400" rtl="0" eaLnBrk="1" fontAlgn="auto" latinLnBrk="1" hangingPunct="1">
+              <a:lnSpc>
+                <a:spcPct val="100000"/>
+              </a:lnSpc>
+              <a:spcBef>
+                <a:spcPts val="0"/>
+              </a:spcBef>
+              <a:spcAft>
+                <a:spcPts val="0"/>
+              </a:spcAft>
+              <a:buClrTx/>
+              <a:buSzTx/>
+              <a:buFontTx/>
+              <a:buNone/>
+              <a:tabLst/>
+              <a:defRPr/>
+            </a:pPr>
+            <a:endParaRPr lang="en-US" dirty="0"/>
+          </a:p>
+          <a:p>
+            <a:pPr marL="0" marR="0" lvl="0" indent="0" algn="l" defTabSz="914400" rtl="0" eaLnBrk="1" fontAlgn="auto" latinLnBrk="1" hangingPunct="1">
+              <a:lnSpc>
+                <a:spcPct val="100000"/>
+              </a:lnSpc>
+              <a:spcBef>
+                <a:spcPts val="0"/>
+              </a:spcBef>
+              <a:spcAft>
+                <a:spcPts val="0"/>
+              </a:spcAft>
+              <a:buClrTx/>
+              <a:buSzTx/>
+              <a:buFontTx/>
+              <a:buNone/>
+              <a:tabLst/>
+              <a:defRPr/>
+            </a:pPr>
+            <a:r>
+              <a:rPr lang="en-US" dirty="0"/>
+              <a:t>Extensibility</a:t>
+            </a:r>
+            <a:endParaRPr lang="en-US" altLang="ko-KR" dirty="0"/>
+          </a:p>
+          <a:p>
+            <a:r>
+              <a:rPr lang="ko-KR" altLang="en-US" dirty="0"/>
+              <a:t>커스텀 </a:t>
+            </a:r>
+            <a:r>
+              <a:rPr lang="en-US" altLang="ko-KR" dirty="0"/>
+              <a:t>CFN </a:t>
+            </a:r>
+            <a:r>
+              <a:rPr lang="ko-KR" altLang="en-US" dirty="0"/>
+              <a:t>리소스 정의할 수 있다 뭐 이런 뜻인데</a:t>
+            </a:r>
+            <a:r>
+              <a:rPr lang="en-US" altLang="ko-KR" dirty="0"/>
+              <a:t>..</a:t>
+            </a:r>
+            <a:r>
+              <a:rPr lang="ko-KR" altLang="en-US" dirty="0"/>
+              <a:t> 저는 </a:t>
+            </a:r>
+            <a:r>
+              <a:rPr lang="ko-KR" altLang="en-US" dirty="0" err="1"/>
+              <a:t>초보니까</a:t>
+            </a:r>
+            <a:r>
+              <a:rPr lang="ko-KR" altLang="en-US" dirty="0"/>
+              <a:t> 패스</a:t>
+            </a:r>
+            <a:r>
+              <a:rPr lang="en-US" altLang="ko-KR" dirty="0"/>
+              <a:t>.</a:t>
+            </a:r>
+          </a:p>
+          <a:p>
             <a:endParaRPr lang="en-US" dirty="0"/>
           </a:p>
         </p:txBody>
@@ -2386,7 +4443,7 @@
     </p:spTree>
     <p:extLst>
       <p:ext uri="{BB962C8B-B14F-4D97-AF65-F5344CB8AC3E}">
-        <p14:creationId xmlns:p14="http://schemas.microsoft.com/office/powerpoint/2010/main" val="1065835288"/>
+        <p14:creationId xmlns:p14="http://schemas.microsoft.com/office/powerpoint/2010/main" val="1508449521"/>
       </p:ext>
     </p:extLst>
   </p:cSld>
@@ -2440,6 +4497,53 @@
           <a:bodyPr/>
           <a:lstStyle/>
           <a:p>
+            <a:r>
+              <a:rPr lang="ko-KR" altLang="en-US" dirty="0"/>
+              <a:t>재미있는 것은 새 제품</a:t>
+            </a:r>
+            <a:r>
+              <a:rPr lang="en-US" altLang="ko-KR" dirty="0"/>
+              <a:t>/</a:t>
+            </a:r>
+            <a:r>
+              <a:rPr lang="ko-KR" altLang="en-US" dirty="0"/>
+              <a:t>서비스가 </a:t>
+            </a:r>
+            <a:r>
+              <a:rPr lang="en-US" altLang="ko-KR" dirty="0"/>
+              <a:t>GA</a:t>
+            </a:r>
+            <a:r>
+              <a:rPr lang="ko-KR" altLang="en-US" dirty="0"/>
+              <a:t>되면 같이 지원이 추가됩니다</a:t>
+            </a:r>
+            <a:r>
+              <a:rPr lang="en-US" altLang="ko-KR" dirty="0"/>
+              <a:t>.</a:t>
+            </a:r>
+            <a:r>
+              <a:rPr lang="ko-KR" altLang="en-US" dirty="0"/>
+              <a:t> </a:t>
+            </a:r>
+            <a:br>
+              <a:rPr lang="en-US" altLang="ko-KR" dirty="0"/>
+            </a:br>
+            <a:r>
+              <a:rPr lang="ko-KR" altLang="en-US" dirty="0"/>
+              <a:t>이게 동시에 안된다는 것은 </a:t>
+            </a:r>
+            <a:r>
+              <a:rPr lang="en-US" altLang="ko-KR" dirty="0"/>
+              <a:t>AWS </a:t>
+            </a:r>
+            <a:r>
+              <a:rPr lang="ko-KR" altLang="en-US" dirty="0"/>
+              <a:t>내부적으로 우선순위가 떨어진다고 이해하는 것이 맞겠죠</a:t>
+            </a:r>
+            <a:r>
+              <a:rPr lang="en-US" altLang="ko-KR" dirty="0"/>
+              <a:t>?</a:t>
+            </a:r>
             <a:endParaRPr lang="en-US" dirty="0"/>
           </a:p>
         </p:txBody>
@@ -2447,7 +4551,7 @@
     </p:spTree>
     <p:extLst>
       <p:ext uri="{BB962C8B-B14F-4D97-AF65-F5344CB8AC3E}">
-        <p14:creationId xmlns:p14="http://schemas.microsoft.com/office/powerpoint/2010/main" val="3214418940"/>
+        <p14:creationId xmlns:p14="http://schemas.microsoft.com/office/powerpoint/2010/main" val="355671324"/>
       </p:ext>
     </p:extLst>
   </p:cSld>
@@ -2476,7 +4580,7 @@
       </p:grpSpPr>
       <p:sp>
         <p:nvSpPr>
-          <p:cNvPr id="2" name="Slide Image Placeholder 1"/>
+          <p:cNvPr id="2" name="슬라이드 이미지 개체 틀 1"/>
           <p:cNvSpPr>
             <a:spLocks noGrp="1" noRot="1" noChangeAspect="1"/>
           </p:cNvSpPr>
@@ -2484,65 +4588,16 @@
             <p:ph type="sldImg"/>
           </p:nvPr>
         </p:nvSpPr>
-        <p:spPr>
-          <a:xfrm>
-            <a:off x="381000" y="685800"/>
-            <a:ext cx="6096000" cy="3429000"/>
-          </a:xfrm>
-        </p:spPr>
-      </p:sp>
-      <p:sp>
-        <p:nvSpPr>
-          <p:cNvPr id="3" name="Notes Placeholder 2"/>
+        <p:spPr/>
+      </p:sp>
+      <p:sp>
+        <p:nvSpPr>
+          <p:cNvPr id="3" name="슬라이드 노트 개체 틀 2"/>
           <p:cNvSpPr>
             <a:spLocks noGrp="1"/>
           </p:cNvSpPr>
           <p:nvPr>
             <p:ph type="body" idx="1"/>
-          </p:nvPr>
-        </p:nvSpPr>
-        <p:spPr/>
-        <p:txBody>
-          <a:bodyPr>
-            <a:normAutofit/>
-          </a:bodyPr>
-          <a:lstStyle/>
-          <a:p>
-            <a:r>
-              <a:rPr lang="ko-KR" altLang="en-US" dirty="0"/>
-              <a:t>초간단 </a:t>
-            </a:r>
-            <a:r>
-              <a:rPr lang="en-US" altLang="ko-KR" dirty="0" err="1"/>
-              <a:t>cloudformation</a:t>
-            </a:r>
-            <a:r>
-              <a:rPr lang="ko-KR" altLang="en-US" dirty="0"/>
-              <a:t> 사용하는 데모</a:t>
-            </a:r>
-            <a:endParaRPr lang="en-US" altLang="ko-KR" dirty="0"/>
-          </a:p>
-          <a:p>
-            <a:r>
-              <a:rPr lang="en-US" dirty="0"/>
-              <a:t>demo1-simple-cfn-stack.ps1 </a:t>
-            </a:r>
-            <a:r>
-              <a:rPr lang="ko-KR" altLang="en-US" dirty="0"/>
-              <a:t>사용</a:t>
-            </a:r>
-            <a:endParaRPr lang="en-US" dirty="0"/>
-          </a:p>
-        </p:txBody>
-      </p:sp>
-      <p:sp>
-        <p:nvSpPr>
-          <p:cNvPr id="4" name="Header Placeholder 3"/>
-          <p:cNvSpPr>
-            <a:spLocks noGrp="1"/>
-          </p:cNvSpPr>
-          <p:nvPr>
-            <p:ph type="hdr" sz="quarter" idx="10"/>
           </p:nvPr>
         </p:nvSpPr>
         <p:spPr/>
@@ -2550,7 +4605,53 @@
           <a:bodyPr/>
           <a:lstStyle/>
           <a:p>
-            <a:pPr marL="0" marR="0" lvl="0" indent="0" algn="l" defTabSz="914363" rtl="0" eaLnBrk="1" fontAlgn="auto" latinLnBrk="0" hangingPunct="1">
+            <a:r>
+              <a:rPr lang="en-US" dirty="0"/>
+              <a:t>CFN</a:t>
+            </a:r>
+            <a:r>
+              <a:rPr lang="ko-KR" altLang="en-US" dirty="0"/>
+              <a:t>과 유사한 제품</a:t>
+            </a:r>
+            <a:r>
+              <a:rPr lang="en-US" altLang="ko-KR" dirty="0"/>
+              <a:t>/</a:t>
+            </a:r>
+            <a:r>
+              <a:rPr lang="ko-KR" altLang="en-US" dirty="0"/>
+              <a:t>서비스들이 있습니다</a:t>
+            </a:r>
+            <a:r>
+              <a:rPr lang="en-US" altLang="ko-KR" dirty="0"/>
+              <a:t>.</a:t>
+            </a:r>
+            <a:r>
+              <a:rPr lang="ko-KR" altLang="en-US" dirty="0"/>
+              <a:t> </a:t>
+            </a:r>
+            <a:endParaRPr lang="en-US" altLang="ko-KR" dirty="0"/>
+          </a:p>
+          <a:p>
+            <a:r>
+              <a:rPr lang="en-US" altLang="ko-KR" dirty="0"/>
+              <a:t>Major cloud</a:t>
+            </a:r>
+            <a:r>
+              <a:rPr lang="ko-KR" altLang="en-US" dirty="0"/>
+              <a:t> 업체들은 이런 배포 서비스가 기본적으로 제공됩니다</a:t>
+            </a:r>
+            <a:r>
+              <a:rPr lang="en-US" altLang="ko-KR" dirty="0"/>
+              <a:t>.</a:t>
+            </a:r>
+            <a:r>
+              <a:rPr lang="ko-KR" altLang="en-US" dirty="0"/>
+              <a:t> </a:t>
+            </a:r>
+            <a:endParaRPr lang="en-US" altLang="ko-KR" dirty="0"/>
+          </a:p>
+          <a:p>
+            <a:pPr marL="0" marR="0" lvl="0" indent="0" algn="l" defTabSz="914400" rtl="0" eaLnBrk="1" fontAlgn="auto" latinLnBrk="1" hangingPunct="1">
               <a:lnSpc>
                 <a:spcPct val="100000"/>
               </a:lnSpc>
@@ -2567,347 +4668,117 @@
               <a:tabLst/>
               <a:defRPr/>
             </a:pPr>
-            <a:endParaRPr kumimoji="0" lang="en-US" sz="1200" b="0" i="0" u="none" strike="noStrike" kern="1200" cap="none" spc="0" normalizeH="0" baseline="0" noProof="0" dirty="0">
-              <a:ln>
-                <a:noFill/>
-              </a:ln>
-              <a:solidFill>
-                <a:prstClr val="black"/>
-              </a:solidFill>
-              <a:effectLst/>
-              <a:uLnTx/>
-              <a:uFillTx/>
-              <a:latin typeface="Calibri"/>
-              <a:ea typeface="+mn-ea"/>
-              <a:cs typeface="+mn-cs"/>
-            </a:endParaRPr>
-          </a:p>
-        </p:txBody>
-      </p:sp>
-      <p:sp>
-        <p:nvSpPr>
-          <p:cNvPr id="5" name="Date Placeholder 4"/>
-          <p:cNvSpPr>
-            <a:spLocks noGrp="1"/>
-          </p:cNvSpPr>
-          <p:nvPr>
-            <p:ph type="dt" idx="11"/>
-          </p:nvPr>
-        </p:nvSpPr>
-        <p:spPr/>
-        <p:txBody>
-          <a:bodyPr/>
-          <a:lstStyle/>
-          <a:p>
-            <a:pPr marL="0" marR="0" lvl="0" indent="0" algn="r" defTabSz="914363" rtl="0" eaLnBrk="1" fontAlgn="auto" latinLnBrk="0" hangingPunct="1">
-              <a:lnSpc>
-                <a:spcPct val="100000"/>
-              </a:lnSpc>
-              <a:spcBef>
-                <a:spcPts val="0"/>
-              </a:spcBef>
-              <a:spcAft>
-                <a:spcPts val="0"/>
-              </a:spcAft>
-              <a:buClrTx/>
-              <a:buSzTx/>
-              <a:buFontTx/>
-              <a:buNone/>
-              <a:tabLst/>
-              <a:defRPr/>
-            </a:pPr>
-            <a:fld id="{81331B57-0BE5-4F82-AA58-76F53EFF3ADA}" type="datetime8">
-              <a:rPr kumimoji="0" lang="en-US" sz="1200" b="0" i="0" u="none" strike="noStrike" kern="1200" cap="none" spc="0" normalizeH="0" baseline="0" noProof="0" smtClean="0">
-                <a:ln>
-                  <a:noFill/>
-                </a:ln>
-                <a:solidFill>
-                  <a:prstClr val="black"/>
-                </a:solidFill>
-                <a:effectLst/>
-                <a:uLnTx/>
-                <a:uFillTx/>
-                <a:latin typeface="Calibri"/>
-                <a:ea typeface="+mn-ea"/>
-                <a:cs typeface="+mn-cs"/>
-              </a:rPr>
-              <a:pPr marL="0" marR="0" lvl="0" indent="0" algn="r" defTabSz="914363" rtl="0" eaLnBrk="1" fontAlgn="auto" latinLnBrk="0" hangingPunct="1">
-                <a:lnSpc>
-                  <a:spcPct val="100000"/>
-                </a:lnSpc>
-                <a:spcBef>
-                  <a:spcPts val="0"/>
-                </a:spcBef>
-                <a:spcAft>
-                  <a:spcPts val="0"/>
-                </a:spcAft>
-                <a:buClrTx/>
-                <a:buSzTx/>
-                <a:buFontTx/>
-                <a:buNone/>
-                <a:tabLst/>
-                <a:defRPr/>
-              </a:pPr>
-              <a:t>3/12/2019 1:05 PM</a:t>
-            </a:fld>
-            <a:endParaRPr kumimoji="0" lang="en-US" sz="1200" b="0" i="0" u="none" strike="noStrike" kern="1200" cap="none" spc="0" normalizeH="0" baseline="0" noProof="0">
-              <a:ln>
-                <a:noFill/>
-              </a:ln>
-              <a:solidFill>
-                <a:prstClr val="black"/>
-              </a:solidFill>
-              <a:effectLst/>
-              <a:uLnTx/>
-              <a:uFillTx/>
-              <a:latin typeface="Calibri"/>
-              <a:ea typeface="+mn-ea"/>
-              <a:cs typeface="+mn-cs"/>
-            </a:endParaRPr>
-          </a:p>
-        </p:txBody>
-      </p:sp>
-      <p:sp>
-        <p:nvSpPr>
-          <p:cNvPr id="6" name="Footer Placeholder 5"/>
-          <p:cNvSpPr>
-            <a:spLocks noGrp="1"/>
-          </p:cNvSpPr>
-          <p:nvPr>
-            <p:ph type="ftr" sz="quarter" idx="12"/>
-          </p:nvPr>
-        </p:nvSpPr>
-        <p:spPr/>
-        <p:txBody>
-          <a:bodyPr/>
-          <a:lstStyle/>
-          <a:p>
-            <a:pPr marL="0" marR="0" lvl="0" indent="0" algn="l" defTabSz="914363" rtl="0" eaLnBrk="1" fontAlgn="auto" latinLnBrk="0" hangingPunct="1">
-              <a:lnSpc>
-                <a:spcPct val="100000"/>
-              </a:lnSpc>
-              <a:spcBef>
-                <a:spcPts val="0"/>
-              </a:spcBef>
-              <a:spcAft>
-                <a:spcPts val="0"/>
-              </a:spcAft>
-              <a:buClrTx/>
-              <a:buSzTx/>
-              <a:buFontTx/>
-              <a:buNone/>
-              <a:tabLst/>
-              <a:defRPr/>
-            </a:pPr>
-            <a:r>
-              <a:rPr kumimoji="0" lang="en-US" sz="500" b="0" i="0" u="none" strike="noStrike" kern="1200" cap="none" spc="0" normalizeH="0" baseline="0" noProof="0">
-                <a:ln>
-                  <a:noFill/>
-                </a:ln>
-                <a:solidFill>
-                  <a:srgbClr val="000000"/>
-                </a:solidFill>
-                <a:effectLst/>
-                <a:uLnTx/>
-                <a:uFillTx/>
-                <a:latin typeface="Segoe" pitchFamily="34" charset="0"/>
-                <a:ea typeface="+mn-ea"/>
-                <a:cs typeface="+mn-cs"/>
-              </a:rPr>
-              <a:t>© 2007 Microsoft Corporation. All rights reserved. Microsoft, Windows, Windows Vista and other product names are or may be registered trademarks and/or trademarks in the U.S. and/or other countries.</a:t>
-            </a:r>
-          </a:p>
-          <a:p>
-            <a:pPr marL="0" marR="0" lvl="0" indent="0" algn="l" defTabSz="914363" rtl="0" eaLnBrk="1" fontAlgn="auto" latinLnBrk="0" hangingPunct="1">
-              <a:lnSpc>
-                <a:spcPct val="100000"/>
-              </a:lnSpc>
-              <a:spcBef>
-                <a:spcPts val="0"/>
-              </a:spcBef>
-              <a:spcAft>
-                <a:spcPts val="0"/>
-              </a:spcAft>
-              <a:buClrTx/>
-              <a:buSzTx/>
-              <a:buFontTx/>
-              <a:buNone/>
-              <a:tabLst/>
-              <a:defRPr/>
-            </a:pPr>
-            <a:r>
-              <a:rPr kumimoji="0" lang="en-US" sz="500" b="0" i="0" u="none" strike="noStrike" kern="1200" cap="none" spc="0" normalizeH="0" baseline="0" noProof="0">
-                <a:ln>
-                  <a:noFill/>
-                </a:ln>
-                <a:solidFill>
-                  <a:srgbClr val="000000"/>
-                </a:solidFill>
-                <a:effectLst/>
-                <a:uLnTx/>
-                <a:uFillTx/>
-                <a:latin typeface="Segoe" pitchFamily="34" charset="0"/>
-                <a:ea typeface="+mn-ea"/>
-                <a:cs typeface="+mn-cs"/>
-              </a:rPr>
-              <a:t>The information herein is for informational purposes only and represents the current view of Microsoft Corporation as of the date of this presentation.  Because Microsoft must respond to changing market conditions, it should not be interpreted to be a commitment on the part of Microsoft, and Microsoft cannot guarantee the accuracy of any information provided after the date of this presentation.  </a:t>
-            </a:r>
-            <a:br>
-              <a:rPr kumimoji="0" lang="en-US" sz="500" b="0" i="0" u="none" strike="noStrike" kern="1200" cap="none" spc="0" normalizeH="0" baseline="0" noProof="0">
-                <a:ln>
-                  <a:noFill/>
-                </a:ln>
-                <a:solidFill>
-                  <a:srgbClr val="000000"/>
-                </a:solidFill>
-                <a:effectLst/>
-                <a:uLnTx/>
-                <a:uFillTx/>
-                <a:latin typeface="Segoe" pitchFamily="34" charset="0"/>
-                <a:ea typeface="+mn-ea"/>
-                <a:cs typeface="+mn-cs"/>
-              </a:rPr>
-            </a:br>
-            <a:r>
-              <a:rPr kumimoji="0" lang="en-US" sz="500" b="0" i="0" u="none" strike="noStrike" kern="1200" cap="none" spc="0" normalizeH="0" baseline="0" noProof="0">
-                <a:ln>
-                  <a:noFill/>
-                </a:ln>
-                <a:solidFill>
-                  <a:srgbClr val="000000"/>
-                </a:solidFill>
-                <a:effectLst/>
-                <a:uLnTx/>
-                <a:uFillTx/>
-                <a:latin typeface="Segoe" pitchFamily="34" charset="0"/>
-                <a:ea typeface="+mn-ea"/>
-                <a:cs typeface="+mn-cs"/>
-              </a:rPr>
-              <a:t>MICROSOFT MAKES NO WARRANTIES, EXPRESS, IMPLIED OR STATUTORY, AS TO THE INFORMATION IN THIS PRESENTATION.</a:t>
-            </a:r>
-          </a:p>
-          <a:p>
-            <a:pPr marL="0" marR="0" lvl="0" indent="0" algn="l" defTabSz="914363" rtl="0" eaLnBrk="1" fontAlgn="auto" latinLnBrk="0" hangingPunct="1">
-              <a:lnSpc>
-                <a:spcPct val="100000"/>
-              </a:lnSpc>
-              <a:spcBef>
-                <a:spcPts val="0"/>
-              </a:spcBef>
-              <a:spcAft>
-                <a:spcPts val="0"/>
-              </a:spcAft>
-              <a:buClrTx/>
-              <a:buSzTx/>
-              <a:buFontTx/>
-              <a:buNone/>
-              <a:tabLst/>
-              <a:defRPr/>
-            </a:pPr>
-            <a:endParaRPr kumimoji="0" lang="en-US" sz="500" b="0" i="0" u="none" strike="noStrike" kern="1200" cap="none" spc="0" normalizeH="0" baseline="0" noProof="0" dirty="0">
-              <a:ln>
-                <a:noFill/>
-              </a:ln>
-              <a:solidFill>
-                <a:prstClr val="black"/>
-              </a:solidFill>
-              <a:effectLst/>
-              <a:uLnTx/>
-              <a:uFillTx/>
-              <a:latin typeface="Segoe" pitchFamily="34" charset="0"/>
-              <a:ea typeface="+mn-ea"/>
-              <a:cs typeface="+mn-cs"/>
-            </a:endParaRPr>
-          </a:p>
-        </p:txBody>
-      </p:sp>
-      <p:sp>
-        <p:nvSpPr>
-          <p:cNvPr id="7" name="Slide Number Placeholder 6"/>
-          <p:cNvSpPr>
-            <a:spLocks noGrp="1"/>
-          </p:cNvSpPr>
-          <p:nvPr>
-            <p:ph type="sldNum" sz="quarter" idx="13"/>
-          </p:nvPr>
-        </p:nvSpPr>
-        <p:spPr/>
-        <p:txBody>
-          <a:bodyPr/>
-          <a:lstStyle/>
-          <a:p>
-            <a:pPr marL="0" marR="0" lvl="0" indent="0" algn="r" defTabSz="914363" rtl="0" eaLnBrk="1" fontAlgn="auto" latinLnBrk="0" hangingPunct="1">
-              <a:lnSpc>
-                <a:spcPct val="100000"/>
-              </a:lnSpc>
-              <a:spcBef>
-                <a:spcPts val="0"/>
-              </a:spcBef>
-              <a:spcAft>
-                <a:spcPts val="0"/>
-              </a:spcAft>
-              <a:buClrTx/>
-              <a:buSzTx/>
-              <a:buFontTx/>
-              <a:buNone/>
-              <a:tabLst/>
-              <a:defRPr/>
-            </a:pPr>
-            <a:fld id="{EC87E0CF-87F6-4B58-B8B8-DCAB2DAAF3CA}" type="slidenum">
-              <a:rPr kumimoji="0" lang="en-US" sz="1200" b="0" i="0" u="none" strike="noStrike" kern="1200" cap="none" spc="0" normalizeH="0" baseline="0" noProof="0" smtClean="0">
-                <a:ln>
-                  <a:noFill/>
-                </a:ln>
-                <a:solidFill>
-                  <a:prstClr val="black"/>
-                </a:solidFill>
-                <a:effectLst/>
-                <a:uLnTx/>
-                <a:uFillTx/>
-                <a:latin typeface="Calibri"/>
-                <a:ea typeface="+mn-ea"/>
-                <a:cs typeface="+mn-cs"/>
-              </a:rPr>
-              <a:pPr marL="0" marR="0" lvl="0" indent="0" algn="r" defTabSz="914363" rtl="0" eaLnBrk="1" fontAlgn="auto" latinLnBrk="0" hangingPunct="1">
-                <a:lnSpc>
-                  <a:spcPct val="100000"/>
-                </a:lnSpc>
-                <a:spcBef>
-                  <a:spcPts val="0"/>
-                </a:spcBef>
-                <a:spcAft>
-                  <a:spcPts val="0"/>
-                </a:spcAft>
-                <a:buClrTx/>
-                <a:buSzTx/>
-                <a:buFontTx/>
-                <a:buNone/>
-                <a:tabLst/>
-                <a:defRPr/>
-              </a:pPr>
-              <a:t>12</a:t>
-            </a:fld>
-            <a:endParaRPr kumimoji="0" lang="en-US" sz="1200" b="0" i="0" u="none" strike="noStrike" kern="1200" cap="none" spc="0" normalizeH="0" baseline="0" noProof="0" dirty="0">
-              <a:ln>
-                <a:noFill/>
-              </a:ln>
-              <a:solidFill>
-                <a:prstClr val="black"/>
-              </a:solidFill>
-              <a:effectLst/>
-              <a:uLnTx/>
-              <a:uFillTx/>
-              <a:latin typeface="Calibri"/>
-              <a:ea typeface="+mn-ea"/>
-              <a:cs typeface="+mn-cs"/>
-            </a:endParaRPr>
+            <a:r>
+              <a:rPr lang="en-US" dirty="0" err="1"/>
+              <a:t>Hashicorp</a:t>
+            </a:r>
+            <a:r>
+              <a:rPr lang="en-US" dirty="0"/>
+              <a:t> Terraform</a:t>
+            </a:r>
+            <a:r>
+              <a:rPr lang="ko-KR" altLang="en-US" dirty="0"/>
+              <a:t>은 </a:t>
+            </a:r>
+            <a:r>
+              <a:rPr lang="en-US" altLang="ko-KR" dirty="0"/>
+              <a:t>3rd party </a:t>
+            </a:r>
+            <a:r>
+              <a:rPr lang="ko-KR" altLang="en-US" dirty="0"/>
+              <a:t>제품이라서 여러 클라우드를 제공하는 것이 특징입니다</a:t>
+            </a:r>
+            <a:r>
+              <a:rPr lang="en-US" altLang="ko-KR" dirty="0"/>
+              <a:t>.</a:t>
+            </a:r>
+          </a:p>
+          <a:p>
+            <a:endParaRPr lang="en-US" altLang="ko-KR" dirty="0"/>
+          </a:p>
+          <a:p>
+            <a:r>
+              <a:rPr lang="ko-KR" altLang="en-US" dirty="0"/>
+              <a:t>이런 배포 서비스가 없다면 </a:t>
+            </a:r>
+            <a:r>
+              <a:rPr lang="ko-KR" altLang="en-US" dirty="0" err="1"/>
+              <a:t>저수준의</a:t>
+            </a:r>
+            <a:r>
+              <a:rPr lang="ko-KR" altLang="en-US" dirty="0"/>
+              <a:t> </a:t>
+            </a:r>
+            <a:r>
+              <a:rPr lang="en-US" altLang="ko-KR" dirty="0"/>
+              <a:t>API</a:t>
+            </a:r>
+            <a:r>
+              <a:rPr lang="ko-KR" altLang="en-US" dirty="0"/>
+              <a:t> 가지고 하나하나 만들어 나가야 합니다</a:t>
+            </a:r>
+            <a:r>
+              <a:rPr lang="en-US" altLang="ko-KR" dirty="0"/>
+              <a:t>.</a:t>
+            </a:r>
+          </a:p>
+          <a:p>
+            <a:r>
+              <a:rPr lang="en-US" altLang="ko-KR" dirty="0"/>
+              <a:t>(</a:t>
+            </a:r>
+            <a:r>
+              <a:rPr lang="ko-KR" altLang="en-US" dirty="0"/>
+              <a:t>이것을 좋아하는 분들은 없을 것이라고 생각합니다</a:t>
+            </a:r>
+            <a:r>
+              <a:rPr lang="en-US" altLang="ko-KR" dirty="0"/>
+              <a:t>)</a:t>
+            </a:r>
+          </a:p>
+          <a:p>
+            <a:r>
+              <a:rPr lang="en-US" dirty="0"/>
+              <a:t>IBM SoftLayer</a:t>
+            </a:r>
+            <a:r>
+              <a:rPr lang="ko-KR" altLang="en-US" dirty="0"/>
+              <a:t>나 </a:t>
+            </a:r>
+            <a:r>
+              <a:rPr lang="en-US" altLang="ko-KR" dirty="0"/>
+              <a:t>KT </a:t>
+            </a:r>
+            <a:r>
+              <a:rPr lang="en-US" altLang="ko-KR" dirty="0" err="1"/>
+              <a:t>ucloud</a:t>
+            </a:r>
+            <a:r>
+              <a:rPr lang="ko-KR" altLang="en-US" dirty="0"/>
+              <a:t> 생각이 나네요</a:t>
+            </a:r>
+            <a:r>
+              <a:rPr lang="en-US" altLang="ko-KR" dirty="0"/>
+              <a:t>.</a:t>
+            </a:r>
+            <a:r>
+              <a:rPr lang="ko-KR" altLang="en-US" dirty="0"/>
+              <a:t> </a:t>
+            </a:r>
+            <a:endParaRPr lang="en-US" dirty="0"/>
+          </a:p>
+          <a:p>
+            <a:endParaRPr lang="en-US" dirty="0"/>
+          </a:p>
+          <a:p>
+            <a:endParaRPr lang="en-US" dirty="0"/>
           </a:p>
         </p:txBody>
       </p:sp>
     </p:spTree>
     <p:extLst>
       <p:ext uri="{BB962C8B-B14F-4D97-AF65-F5344CB8AC3E}">
-        <p14:creationId xmlns:p14="http://schemas.microsoft.com/office/powerpoint/2010/main" val="3473594516"/>
+        <p14:creationId xmlns:p14="http://schemas.microsoft.com/office/powerpoint/2010/main" val="4067658742"/>
       </p:ext>
     </p:extLst>
   </p:cSld>
@@ -2961,6 +4832,30 @@
           <a:bodyPr/>
           <a:lstStyle/>
           <a:p>
+            <a:r>
+              <a:rPr lang="en-US" dirty="0"/>
+              <a:t>CFN</a:t>
+            </a:r>
+            <a:r>
+              <a:rPr lang="ko-KR" altLang="en-US" dirty="0"/>
+              <a:t> 예제 코드 </a:t>
+            </a:r>
+            <a:r>
+              <a:rPr lang="en-US" altLang="ko-KR" dirty="0"/>
+              <a:t>–</a:t>
+            </a:r>
+            <a:r>
+              <a:rPr lang="ko-KR" altLang="en-US" dirty="0"/>
+              <a:t> </a:t>
+            </a:r>
+            <a:r>
+              <a:rPr lang="en-US" altLang="ko-KR" dirty="0"/>
+              <a:t>S3 Bucket</a:t>
+            </a:r>
+            <a:r>
+              <a:rPr lang="ko-KR" altLang="en-US" dirty="0"/>
+              <a:t> 생성</a:t>
+            </a:r>
             <a:endParaRPr lang="en-US" dirty="0"/>
           </a:p>
         </p:txBody>
@@ -2968,7 +4863,7 @@
     </p:spTree>
     <p:extLst>
       <p:ext uri="{BB962C8B-B14F-4D97-AF65-F5344CB8AC3E}">
-        <p14:creationId xmlns:p14="http://schemas.microsoft.com/office/powerpoint/2010/main" val="3386014885"/>
+        <p14:creationId xmlns:p14="http://schemas.microsoft.com/office/powerpoint/2010/main" val="3033585436"/>
       </p:ext>
     </p:extLst>
   </p:cSld>
@@ -6475,6 +8370,203 @@
             <p:ph type="title"/>
           </p:nvPr>
         </p:nvSpPr>
+        <p:spPr>
+          <a:xfrm>
+            <a:off x="381000" y="172641"/>
+            <a:ext cx="8382000" cy="498598"/>
+          </a:xfrm>
+        </p:spPr>
+        <p:txBody>
+          <a:bodyPr/>
+          <a:lstStyle/>
+          <a:p>
+            <a:r>
+              <a:rPr lang="en-US" dirty="0"/>
+              <a:t>CloudFormation StackSet</a:t>
+            </a:r>
+            <a:r>
+              <a:rPr lang="ko-KR" altLang="en-US" dirty="0"/>
+              <a:t> </a:t>
+            </a:r>
+            <a:r>
+              <a:rPr lang="en-US" altLang="ko-KR" dirty="0"/>
+              <a:t>–</a:t>
+            </a:r>
+            <a:r>
+              <a:rPr lang="ko-KR" altLang="en-US" dirty="0"/>
+              <a:t> </a:t>
+            </a:r>
+            <a:r>
+              <a:rPr lang="en-US" altLang="ko-KR" dirty="0"/>
+              <a:t>History</a:t>
+            </a:r>
+            <a:endParaRPr lang="en-US" dirty="0"/>
+          </a:p>
+        </p:txBody>
+      </p:sp>
+      <p:sp>
+        <p:nvSpPr>
+          <p:cNvPr id="5" name="텍스트 개체 틀 4">
+            <a:extLst>
+              <a:ext uri="{FF2B5EF4-FFF2-40B4-BE49-F238E27FC236}">
+                <a16:creationId xmlns:a16="http://schemas.microsoft.com/office/drawing/2014/main" id="{60AED206-9A12-4716-A6BE-541B19891A0A}"/>
+              </a:ext>
+            </a:extLst>
+          </p:cNvPr>
+          <p:cNvSpPr>
+            <a:spLocks noGrp="1"/>
+          </p:cNvSpPr>
+          <p:nvPr>
+            <p:ph type="body" sz="quarter" idx="10"/>
+          </p:nvPr>
+        </p:nvSpPr>
+        <p:spPr>
+          <a:xfrm>
+            <a:off x="381000" y="1058670"/>
+            <a:ext cx="8382000" cy="3619452"/>
+          </a:xfrm>
+        </p:spPr>
+        <p:txBody>
+          <a:bodyPr/>
+          <a:lstStyle/>
+          <a:p>
+            <a:pPr marL="0" indent="0">
+              <a:buNone/>
+            </a:pPr>
+            <a:r>
+              <a:rPr lang="en-US" altLang="ko-KR" dirty="0"/>
+              <a:t>2017</a:t>
+            </a:r>
+          </a:p>
+          <a:p>
+            <a:r>
+              <a:rPr lang="en-US" altLang="ko-KR" dirty="0"/>
+              <a:t>2017.07.25 CloudFormation StackSet</a:t>
+            </a:r>
+            <a:r>
+              <a:rPr lang="ko-KR" altLang="en-US" dirty="0"/>
+              <a:t> 발표</a:t>
+            </a:r>
+            <a:endParaRPr lang="en-US" altLang="ko-KR" dirty="0"/>
+          </a:p>
+          <a:p>
+            <a:r>
+              <a:rPr lang="en-US" altLang="ko-KR" dirty="0"/>
+              <a:t>2017.11.06 Maximum 500 stack instances per stack set</a:t>
+            </a:r>
+          </a:p>
+          <a:p>
+            <a:r>
+              <a:rPr lang="en-US" altLang="ko-KR" dirty="0"/>
+              <a:t>2017.11.17 </a:t>
+            </a:r>
+            <a:r>
+              <a:rPr lang="en-US" dirty="0"/>
+              <a:t>Stack instance overrides added for stack sets</a:t>
+            </a:r>
+          </a:p>
+          <a:p>
+            <a:pPr marL="0" indent="0">
+              <a:buNone/>
+            </a:pPr>
+            <a:r>
+              <a:rPr lang="en-US" altLang="ko-KR" dirty="0"/>
+              <a:t>2018</a:t>
+            </a:r>
+          </a:p>
+          <a:p>
+            <a:r>
+              <a:rPr lang="en-US" altLang="ko-KR" dirty="0"/>
+              <a:t>2018.05.30 </a:t>
+            </a:r>
+            <a:r>
+              <a:rPr lang="en-US" dirty="0"/>
+              <a:t>Selective updates of stack instances</a:t>
+            </a:r>
+          </a:p>
+          <a:p>
+            <a:r>
+              <a:rPr lang="en-US" altLang="ko-KR" dirty="0"/>
+              <a:t>2018.12.13 </a:t>
+            </a:r>
+            <a:r>
+              <a:rPr lang="en-US" dirty="0"/>
+              <a:t>Stack instance operation limit (1500)</a:t>
+            </a:r>
+          </a:p>
+          <a:p>
+            <a:pPr marL="0" indent="0">
+              <a:buNone/>
+            </a:pPr>
+            <a:br>
+              <a:rPr lang="en-US" altLang="ko-KR" dirty="0"/>
+            </a:br>
+            <a:r>
+              <a:rPr lang="en-US" altLang="ko-KR" sz="1600" dirty="0"/>
+              <a:t>CloudFormation - Release History</a:t>
+            </a:r>
+            <a:br>
+              <a:rPr lang="en-US" altLang="ko-KR" sz="1600" dirty="0"/>
+            </a:br>
+            <a:r>
+              <a:rPr lang="en-US" altLang="ko-KR" sz="1600" dirty="0">
+                <a:hlinkClick r:id="rId3"/>
+              </a:rPr>
+              <a:t>https://docs.aws.amazon.com/AWSCloudFormation/latest/UserGuide/ReleaseHistory.html</a:t>
+            </a:r>
+            <a:r>
+              <a:rPr lang="en-US" altLang="ko-KR" sz="1600" dirty="0"/>
+              <a:t> </a:t>
+            </a:r>
+          </a:p>
+        </p:txBody>
+      </p:sp>
+    </p:spTree>
+    <p:extLst>
+      <p:ext uri="{BB962C8B-B14F-4D97-AF65-F5344CB8AC3E}">
+        <p14:creationId xmlns:p14="http://schemas.microsoft.com/office/powerpoint/2010/main" val="515817540"/>
+      </p:ext>
+    </p:extLst>
+  </p:cSld>
+  <p:clrMapOvr>
+    <a:masterClrMapping/>
+  </p:clrMapOvr>
+</p:sld>
+</file>
+
+<file path=ppt/slides/slide18.xml><?xml version="1.0" encoding="utf-8"?>
+<p:sld xmlns:a="http://schemas.openxmlformats.org/drawingml/2006/main" xmlns:r="http://schemas.openxmlformats.org/officeDocument/2006/relationships" xmlns:p="http://schemas.openxmlformats.org/presentationml/2006/main">
+  <p:cSld>
+    <p:spTree>
+      <p:nvGrpSpPr>
+        <p:cNvPr id="1" name=""/>
+        <p:cNvGrpSpPr/>
+        <p:nvPr/>
+      </p:nvGrpSpPr>
+      <p:grpSpPr>
+        <a:xfrm>
+          <a:off x="0" y="0"/>
+          <a:ext cx="0" cy="0"/>
+          <a:chOff x="0" y="0"/>
+          <a:chExt cx="0" cy="0"/>
+        </a:xfrm>
+      </p:grpSpPr>
+      <p:sp>
+        <p:nvSpPr>
+          <p:cNvPr id="4" name="제목 3">
+            <a:extLst>
+              <a:ext uri="{FF2B5EF4-FFF2-40B4-BE49-F238E27FC236}">
+                <a16:creationId xmlns:a16="http://schemas.microsoft.com/office/drawing/2014/main" id="{FEF01576-3D13-4953-A91A-C4FB80AF8B71}"/>
+              </a:ext>
+            </a:extLst>
+          </p:cNvPr>
+          <p:cNvSpPr>
+            <a:spLocks noGrp="1"/>
+          </p:cNvSpPr>
+          <p:nvPr>
+            <p:ph type="title"/>
+          </p:nvPr>
+        </p:nvSpPr>
         <p:spPr/>
         <p:txBody>
           <a:bodyPr/>
@@ -6544,251 +8636,125 @@
           </a:bodyPr>
           <a:lstStyle/>
           <a:p>
-            <a:r>
-              <a:rPr lang="ko-KR" altLang="en-US" sz="800" dirty="0">
+            <a:pPr marL="0" marR="0" lvl="0" indent="0" algn="l" defTabSz="914400" rtl="0" eaLnBrk="1" fontAlgn="auto" latinLnBrk="0" hangingPunct="1">
+              <a:lnSpc>
+                <a:spcPct val="100000"/>
+              </a:lnSpc>
+              <a:spcBef>
+                <a:spcPts val="0"/>
+              </a:spcBef>
+              <a:spcAft>
+                <a:spcPts val="0"/>
+              </a:spcAft>
+              <a:buClrTx/>
+              <a:buSzTx/>
+              <a:buFontTx/>
+              <a:buNone/>
+              <a:tabLst/>
+              <a:defRPr/>
+            </a:pPr>
+            <a:r>
+              <a:rPr kumimoji="0" lang="ko-KR" altLang="en-US" sz="800" b="0" i="0" u="none" strike="noStrike" kern="0" cap="none" spc="0" normalizeH="0" baseline="0" noProof="0" dirty="0">
+                <a:ln>
+                  <a:noFill/>
+                </a:ln>
                 <a:solidFill>
                   <a:srgbClr val="6EE094">
                     <a:lumMod val="75000"/>
                   </a:srgbClr>
                 </a:solidFill>
+                <a:effectLst/>
+                <a:uLnTx/>
+                <a:uFillTx/>
+                <a:latin typeface="Arial"/>
+                <a:cs typeface="Arial"/>
+                <a:sym typeface="Arial"/>
+                <a:rtl val="0"/>
               </a:rPr>
               <a:t>이미지 출처</a:t>
             </a:r>
             <a:r>
-              <a:rPr lang="en-US" altLang="ko-KR" sz="800" dirty="0">
+              <a:rPr kumimoji="0" lang="en-US" altLang="ko-KR" sz="800" b="0" i="0" u="none" strike="noStrike" kern="0" cap="none" spc="0" normalizeH="0" baseline="0" noProof="0" dirty="0">
+                <a:ln>
+                  <a:noFill/>
+                </a:ln>
                 <a:solidFill>
                   <a:srgbClr val="6EE094">
                     <a:lumMod val="75000"/>
                   </a:srgbClr>
                 </a:solidFill>
+                <a:effectLst/>
+                <a:uLnTx/>
+                <a:uFillTx/>
+                <a:latin typeface="Arial"/>
+                <a:cs typeface="Arial"/>
+                <a:sym typeface="Arial"/>
+                <a:rtl val="0"/>
               </a:rPr>
               <a:t>:</a:t>
             </a:r>
             <a:r>
-              <a:rPr lang="ko-KR" altLang="en-US" sz="800" dirty="0">
+              <a:rPr kumimoji="0" lang="ko-KR" altLang="en-US" sz="800" b="0" i="0" u="none" strike="noStrike" kern="0" cap="none" spc="0" normalizeH="0" baseline="0" noProof="0" dirty="0">
+                <a:ln>
+                  <a:noFill/>
+                </a:ln>
                 <a:solidFill>
                   <a:srgbClr val="6EE094">
                     <a:lumMod val="75000"/>
                   </a:srgbClr>
                 </a:solidFill>
+                <a:effectLst/>
+                <a:uLnTx/>
+                <a:uFillTx/>
+                <a:latin typeface="Arial"/>
+                <a:cs typeface="Arial"/>
+                <a:sym typeface="Arial"/>
+                <a:rtl val="0"/>
               </a:rPr>
               <a:t> </a:t>
             </a:r>
             <a:r>
-              <a:rPr lang="en-US" altLang="ko-KR" sz="800" dirty="0">
+              <a:rPr kumimoji="0" lang="en-US" altLang="ko-KR" sz="800" b="0" i="0" u="none" strike="noStrike" kern="0" cap="none" spc="0" normalizeH="0" baseline="0" noProof="0" dirty="0">
+                <a:ln>
+                  <a:noFill/>
+                </a:ln>
                 <a:solidFill>
                   <a:srgbClr val="6EE094">
                     <a:lumMod val="75000"/>
                   </a:srgbClr>
                 </a:solidFill>
+                <a:effectLst/>
+                <a:uLnTx/>
+                <a:uFillTx/>
+                <a:latin typeface="Arial"/>
+                <a:cs typeface="Arial"/>
+                <a:sym typeface="Arial"/>
+                <a:rtl val="0"/>
               </a:rPr>
               <a:t>https://docs.aws.amazon.com/AWSCloudFormation/latest/UserGuide/what-is-cfnstacksets.html</a:t>
             </a:r>
-            <a:endParaRPr lang="en-US" altLang="ko-KR" sz="800" dirty="0"/>
+            <a:endParaRPr kumimoji="0" lang="en-US" altLang="ko-KR" sz="800" b="0" i="0" u="none" strike="noStrike" kern="0" cap="none" spc="0" normalizeH="0" baseline="0" noProof="0" dirty="0">
+              <a:ln>
+                <a:noFill/>
+              </a:ln>
+              <a:solidFill>
+                <a:srgbClr val="000000"/>
+              </a:solidFill>
+              <a:effectLst/>
+              <a:uLnTx/>
+              <a:uFillTx/>
+              <a:latin typeface="Arial"/>
+              <a:cs typeface="Arial"/>
+              <a:sym typeface="Arial"/>
+              <a:rtl val="0"/>
+            </a:endParaRPr>
           </a:p>
         </p:txBody>
       </p:sp>
     </p:spTree>
     <p:extLst>
       <p:ext uri="{BB962C8B-B14F-4D97-AF65-F5344CB8AC3E}">
-        <p14:creationId xmlns:p14="http://schemas.microsoft.com/office/powerpoint/2010/main" val="2976188993"/>
-      </p:ext>
-    </p:extLst>
-  </p:cSld>
-  <p:clrMapOvr>
-    <a:masterClrMapping/>
-  </p:clrMapOvr>
-</p:sld>
-</file>
-
-<file path=ppt/slides/slide18.xml><?xml version="1.0" encoding="utf-8"?>
-<p:sld xmlns:a="http://schemas.openxmlformats.org/drawingml/2006/main" xmlns:r="http://schemas.openxmlformats.org/officeDocument/2006/relationships" xmlns:p="http://schemas.openxmlformats.org/presentationml/2006/main">
-  <p:cSld>
-    <p:spTree>
-      <p:nvGrpSpPr>
-        <p:cNvPr id="1" name=""/>
-        <p:cNvGrpSpPr/>
-        <p:nvPr/>
-      </p:nvGrpSpPr>
-      <p:grpSpPr>
-        <a:xfrm>
-          <a:off x="0" y="0"/>
-          <a:ext cx="0" cy="0"/>
-          <a:chOff x="0" y="0"/>
-          <a:chExt cx="0" cy="0"/>
-        </a:xfrm>
-      </p:grpSpPr>
-      <p:sp>
-        <p:nvSpPr>
-          <p:cNvPr id="4" name="제목 3">
-            <a:extLst>
-              <a:ext uri="{FF2B5EF4-FFF2-40B4-BE49-F238E27FC236}">
-                <a16:creationId xmlns:a16="http://schemas.microsoft.com/office/drawing/2014/main" id="{FEF01576-3D13-4953-A91A-C4FB80AF8B71}"/>
-              </a:ext>
-            </a:extLst>
-          </p:cNvPr>
-          <p:cNvSpPr>
-            <a:spLocks noGrp="1"/>
-          </p:cNvSpPr>
-          <p:nvPr>
-            <p:ph type="title"/>
-          </p:nvPr>
-        </p:nvSpPr>
-        <p:spPr>
-          <a:xfrm>
-            <a:off x="381000" y="172641"/>
-            <a:ext cx="8382000" cy="498598"/>
-          </a:xfrm>
-        </p:spPr>
-        <p:txBody>
-          <a:bodyPr/>
-          <a:lstStyle/>
-          <a:p>
-            <a:r>
-              <a:rPr lang="en-US" dirty="0"/>
-              <a:t>CloudFormation StackSet</a:t>
-            </a:r>
-            <a:r>
-              <a:rPr lang="ko-KR" altLang="en-US" dirty="0"/>
-              <a:t> </a:t>
-            </a:r>
-            <a:r>
-              <a:rPr lang="en-US" altLang="ko-KR" dirty="0"/>
-              <a:t>–</a:t>
-            </a:r>
-            <a:r>
-              <a:rPr lang="ko-KR" altLang="en-US" dirty="0"/>
-              <a:t> </a:t>
-            </a:r>
-            <a:r>
-              <a:rPr lang="en-US" altLang="ko-KR" dirty="0"/>
-              <a:t>History</a:t>
-            </a:r>
-            <a:endParaRPr lang="en-US" dirty="0"/>
-          </a:p>
-        </p:txBody>
-      </p:sp>
-      <p:sp>
-        <p:nvSpPr>
-          <p:cNvPr id="5" name="텍스트 개체 틀 4">
-            <a:extLst>
-              <a:ext uri="{FF2B5EF4-FFF2-40B4-BE49-F238E27FC236}">
-                <a16:creationId xmlns:a16="http://schemas.microsoft.com/office/drawing/2014/main" id="{60AED206-9A12-4716-A6BE-541B19891A0A}"/>
-              </a:ext>
-            </a:extLst>
-          </p:cNvPr>
-          <p:cNvSpPr>
-            <a:spLocks noGrp="1"/>
-          </p:cNvSpPr>
-          <p:nvPr>
-            <p:ph type="body" sz="quarter" idx="10"/>
-          </p:nvPr>
-        </p:nvSpPr>
-        <p:spPr>
-          <a:xfrm>
-            <a:off x="381000" y="1058670"/>
-            <a:ext cx="8382000" cy="3619452"/>
-          </a:xfrm>
-        </p:spPr>
-        <p:txBody>
-          <a:bodyPr/>
-          <a:lstStyle/>
-          <a:p>
-            <a:pPr marL="0" indent="0">
-              <a:buNone/>
-            </a:pPr>
-            <a:r>
-              <a:rPr lang="en-US" altLang="ko-KR" dirty="0"/>
-              <a:t>2017</a:t>
-            </a:r>
-          </a:p>
-          <a:p>
-            <a:r>
-              <a:rPr lang="en-US" altLang="ko-KR" dirty="0"/>
-              <a:t>2017.07.25 CloudFormation StackSet</a:t>
-            </a:r>
-            <a:r>
-              <a:rPr lang="ko-KR" altLang="en-US" dirty="0"/>
-              <a:t> 발표</a:t>
-            </a:r>
-            <a:endParaRPr lang="en-US" altLang="ko-KR" dirty="0"/>
-          </a:p>
-          <a:p>
-            <a:r>
-              <a:rPr lang="en-US" altLang="ko-KR" dirty="0"/>
-              <a:t>2017.11.06 Maximum 500 stack instances per stack set</a:t>
-            </a:r>
-          </a:p>
-          <a:p>
-            <a:r>
-              <a:rPr lang="en-US" altLang="ko-KR" dirty="0"/>
-              <a:t>2017.11.17 </a:t>
-            </a:r>
-            <a:r>
-              <a:rPr lang="en-US" dirty="0"/>
-              <a:t>Stack instance overrides added for stack sets</a:t>
-            </a:r>
-          </a:p>
-          <a:p>
-            <a:pPr marL="0" indent="0">
-              <a:buNone/>
-            </a:pPr>
-            <a:r>
-              <a:rPr lang="en-US" altLang="ko-KR" dirty="0"/>
-              <a:t>2018</a:t>
-            </a:r>
-          </a:p>
-          <a:p>
-            <a:r>
-              <a:rPr lang="en-US" altLang="ko-KR" dirty="0"/>
-              <a:t>2018.05.30 </a:t>
-            </a:r>
-            <a:r>
-              <a:rPr lang="en-US" dirty="0"/>
-              <a:t>Selective updates of stack instances</a:t>
-            </a:r>
-          </a:p>
-          <a:p>
-            <a:r>
-              <a:rPr lang="en-US" altLang="ko-KR" dirty="0"/>
-              <a:t>2018.12.13 </a:t>
-            </a:r>
-            <a:r>
-              <a:rPr lang="en-US" dirty="0"/>
-              <a:t>Stack instance operation limit (1500)</a:t>
-            </a:r>
-          </a:p>
-          <a:p>
-            <a:pPr marL="0" indent="0">
-              <a:buNone/>
-            </a:pPr>
-            <a:br>
-              <a:rPr lang="en-US" altLang="ko-KR" dirty="0"/>
-            </a:br>
-            <a:r>
-              <a:rPr lang="en-US" altLang="ko-KR" sz="1600" dirty="0"/>
-              <a:t>CloudFormation - Release History</a:t>
-            </a:r>
-            <a:br>
-              <a:rPr lang="en-US" altLang="ko-KR" sz="1600" dirty="0"/>
-            </a:br>
-            <a:r>
-              <a:rPr lang="en-US" altLang="ko-KR" sz="1600" dirty="0">
-                <a:hlinkClick r:id="rId3"/>
-              </a:rPr>
-              <a:t>https://docs.aws.amazon.com/AWSCloudFormation/latest/UserGuide/ReleaseHistory.html</a:t>
-            </a:r>
-            <a:r>
-              <a:rPr lang="en-US" altLang="ko-KR" sz="1600" dirty="0"/>
-              <a:t> </a:t>
-            </a:r>
-          </a:p>
-        </p:txBody>
-      </p:sp>
-    </p:spTree>
-    <p:extLst>
-      <p:ext uri="{BB962C8B-B14F-4D97-AF65-F5344CB8AC3E}">
-        <p14:creationId xmlns:p14="http://schemas.microsoft.com/office/powerpoint/2010/main" val="515817540"/>
+        <p14:creationId xmlns:p14="http://schemas.microsoft.com/office/powerpoint/2010/main" val="3501214357"/>
       </p:ext>
     </p:extLst>
   </p:cSld>
@@ -7382,7 +9348,7 @@
           <a:p>
             <a:r>
               <a:rPr lang="en-US" dirty="0"/>
-              <a:t>CloudFormation StackSet – Concepts</a:t>
+              <a:t>CloudFormation StackSet – Options</a:t>
             </a:r>
           </a:p>
         </p:txBody>
@@ -7406,7 +9372,7 @@
         <p:spPr>
           <a:xfrm>
             <a:off x="381000" y="1058670"/>
-            <a:ext cx="8382000" cy="1957459"/>
+            <a:ext cx="8382000" cy="3988784"/>
           </a:xfrm>
         </p:spPr>
         <p:txBody>
@@ -7425,7 +9391,7 @@
           <a:p>
             <a:r>
               <a:rPr lang="ko-KR" altLang="en-US" dirty="0"/>
-              <a:t>병렬 처리 </a:t>
+              <a:t>병렬 처리 단위 </a:t>
             </a:r>
             <a:r>
               <a:rPr lang="en-US" altLang="ko-KR" dirty="0"/>
@@ -7436,6 +9402,24 @@
               <a:t> 작업 시간에 영향</a:t>
             </a:r>
             <a:endParaRPr lang="en-US" altLang="ko-KR" dirty="0"/>
+          </a:p>
+          <a:p>
+            <a:r>
+              <a:rPr lang="ko-KR" altLang="en-US" dirty="0"/>
+              <a:t>단위</a:t>
+            </a:r>
+            <a:r>
+              <a:rPr lang="en-US" altLang="ko-KR" dirty="0"/>
+              <a:t>:</a:t>
+            </a:r>
+            <a:r>
+              <a:rPr lang="ko-KR" altLang="en-US" dirty="0"/>
+              <a:t> </a:t>
+            </a:r>
+            <a:r>
+              <a:rPr lang="en-US" altLang="ko-KR" dirty="0"/>
+              <a:t>count / percent (%)</a:t>
+            </a:r>
           </a:p>
           <a:p>
             <a:pPr marL="0" indent="0">
@@ -7454,16 +9438,68 @@
           </a:p>
           <a:p>
             <a:r>
-              <a:rPr lang="en-US" altLang="ko-KR" dirty="0"/>
-              <a:t>StackSet Operation</a:t>
-            </a:r>
-            <a:r>
-              <a:rPr lang="ko-KR" altLang="en-US" dirty="0"/>
-              <a:t> 실패 </a:t>
-            </a:r>
-            <a:r>
-              <a:rPr lang="ko-KR" altLang="en-US" dirty="0" err="1"/>
-              <a:t>기준값</a:t>
+              <a:rPr lang="en-US" altLang="ko-KR" dirty="0" err="1"/>
+              <a:t>StackSet</a:t>
+            </a:r>
+            <a:r>
+              <a:rPr lang="en-US" altLang="ko-KR" dirty="0"/>
+              <a:t> Operation</a:t>
+            </a:r>
+            <a:r>
+              <a:rPr lang="ko-KR" altLang="en-US" dirty="0"/>
+              <a:t> 실패 기준</a:t>
+            </a:r>
+            <a:endParaRPr lang="en-US" altLang="ko-KR" dirty="0"/>
+          </a:p>
+          <a:p>
+            <a:r>
+              <a:rPr lang="ko-KR" altLang="en-US" dirty="0"/>
+              <a:t>단위</a:t>
+            </a:r>
+            <a:r>
+              <a:rPr lang="en-US" altLang="ko-KR" dirty="0"/>
+              <a:t>:</a:t>
+            </a:r>
+            <a:r>
+              <a:rPr lang="ko-KR" altLang="en-US" dirty="0"/>
+              <a:t> </a:t>
+            </a:r>
+            <a:r>
+              <a:rPr lang="en-US" altLang="ko-KR" dirty="0"/>
+              <a:t>count / percent (%)</a:t>
+            </a:r>
+          </a:p>
+          <a:p>
+            <a:pPr marL="0" indent="0">
+              <a:buNone/>
+            </a:pPr>
+            <a:endParaRPr lang="en-US" altLang="ko-KR" dirty="0"/>
+          </a:p>
+          <a:p>
+            <a:pPr marL="0" indent="0">
+              <a:buNone/>
+            </a:pPr>
+            <a:r>
+              <a:rPr lang="en-US" altLang="ko-KR" dirty="0"/>
+              <a:t>Retain Stack</a:t>
+            </a:r>
+          </a:p>
+          <a:p>
+            <a:r>
+              <a:rPr lang="en-US" altLang="ko-KR" dirty="0"/>
+              <a:t>Stack instance</a:t>
+            </a:r>
+            <a:r>
+              <a:rPr lang="ko-KR" altLang="en-US" dirty="0"/>
+              <a:t>를 삭제할 때 </a:t>
+            </a:r>
+            <a:r>
+              <a:rPr lang="en-US" altLang="ko-KR" dirty="0"/>
+              <a:t>Stack</a:t>
+            </a:r>
+            <a:r>
+              <a:rPr lang="ko-KR" altLang="en-US" dirty="0"/>
+              <a:t>을 남겨두는 옵션</a:t>
             </a:r>
             <a:endParaRPr lang="en-US" altLang="ko-KR" dirty="0"/>
           </a:p>
@@ -7694,99 +9730,6 @@
 </file>
 
 <file path=ppt/slides/slide23.xml><?xml version="1.0" encoding="utf-8"?>
-<p:sld xmlns:a="http://schemas.openxmlformats.org/drawingml/2006/main" xmlns:r="http://schemas.openxmlformats.org/officeDocument/2006/relationships" xmlns:p="http://schemas.openxmlformats.org/presentationml/2006/main">
-  <p:cSld>
-    <p:spTree>
-      <p:nvGrpSpPr>
-        <p:cNvPr id="1" name=""/>
-        <p:cNvGrpSpPr/>
-        <p:nvPr/>
-      </p:nvGrpSpPr>
-      <p:grpSpPr>
-        <a:xfrm>
-          <a:off x="0" y="0"/>
-          <a:ext cx="0" cy="0"/>
-          <a:chOff x="0" y="0"/>
-          <a:chExt cx="0" cy="0"/>
-        </a:xfrm>
-      </p:grpSpPr>
-      <p:sp>
-        <p:nvSpPr>
-          <p:cNvPr id="5" name="제목 4">
-            <a:extLst>
-              <a:ext uri="{FF2B5EF4-FFF2-40B4-BE49-F238E27FC236}">
-                <a16:creationId xmlns:a16="http://schemas.microsoft.com/office/drawing/2014/main" id="{2724A5C6-9DD9-4D14-9A95-BE768C50D3CC}"/>
-              </a:ext>
-            </a:extLst>
-          </p:cNvPr>
-          <p:cNvSpPr>
-            <a:spLocks noGrp="1"/>
-          </p:cNvSpPr>
-          <p:nvPr>
-            <p:ph type="title"/>
-          </p:nvPr>
-        </p:nvSpPr>
-        <p:spPr>
-          <a:xfrm>
-            <a:off x="381000" y="172641"/>
-            <a:ext cx="8382000" cy="387798"/>
-          </a:xfrm>
-        </p:spPr>
-        <p:txBody>
-          <a:bodyPr/>
-          <a:lstStyle/>
-          <a:p>
-            <a:r>
-              <a:rPr lang="en-US" sz="2800" dirty="0"/>
-              <a:t>AWSCloudFormationStackSetExecutionRole.yml</a:t>
-            </a:r>
-          </a:p>
-        </p:txBody>
-      </p:sp>
-      <p:pic>
-        <p:nvPicPr>
-          <p:cNvPr id="3" name="그림 2">
-            <a:extLst>
-              <a:ext uri="{FF2B5EF4-FFF2-40B4-BE49-F238E27FC236}">
-                <a16:creationId xmlns:a16="http://schemas.microsoft.com/office/drawing/2014/main" id="{747EDD05-8CEA-44C8-A862-55063CE69A3B}"/>
-              </a:ext>
-            </a:extLst>
-          </p:cNvPr>
-          <p:cNvPicPr>
-            <a:picLocks noChangeAspect="1"/>
-          </p:cNvPicPr>
-          <p:nvPr/>
-        </p:nvPicPr>
-        <p:blipFill>
-          <a:blip r:embed="rId3"/>
-          <a:stretch>
-            <a:fillRect/>
-          </a:stretch>
-        </p:blipFill>
-        <p:spPr>
-          <a:xfrm>
-            <a:off x="381000" y="635142"/>
-            <a:ext cx="7472515" cy="4438624"/>
-          </a:xfrm>
-          <a:prstGeom prst="rect">
-            <a:avLst/>
-          </a:prstGeom>
-        </p:spPr>
-      </p:pic>
-    </p:spTree>
-    <p:extLst>
-      <p:ext uri="{BB962C8B-B14F-4D97-AF65-F5344CB8AC3E}">
-        <p14:creationId xmlns:p14="http://schemas.microsoft.com/office/powerpoint/2010/main" val="2131658081"/>
-      </p:ext>
-    </p:extLst>
-  </p:cSld>
-  <p:clrMapOvr>
-    <a:masterClrMapping/>
-  </p:clrMapOvr>
-</p:sld>
-</file>
-
-<file path=ppt/slides/slide24.xml><?xml version="1.0" encoding="utf-8"?>
 <p:sld xmlns:a="http://schemas.openxmlformats.org/drawingml/2006/main" xmlns:r="http://schemas.openxmlformats.org/officeDocument/2006/relationships" xmlns:p="http://schemas.openxmlformats.org/presentationml/2006/main">
   <p:cSld>
     <p:spTree>
@@ -7879,6 +9822,99 @@
 </p:sld>
 </file>
 
+<file path=ppt/slides/slide24.xml><?xml version="1.0" encoding="utf-8"?>
+<p:sld xmlns:a="http://schemas.openxmlformats.org/drawingml/2006/main" xmlns:r="http://schemas.openxmlformats.org/officeDocument/2006/relationships" xmlns:p="http://schemas.openxmlformats.org/presentationml/2006/main">
+  <p:cSld>
+    <p:spTree>
+      <p:nvGrpSpPr>
+        <p:cNvPr id="1" name=""/>
+        <p:cNvGrpSpPr/>
+        <p:nvPr/>
+      </p:nvGrpSpPr>
+      <p:grpSpPr>
+        <a:xfrm>
+          <a:off x="0" y="0"/>
+          <a:ext cx="0" cy="0"/>
+          <a:chOff x="0" y="0"/>
+          <a:chExt cx="0" cy="0"/>
+        </a:xfrm>
+      </p:grpSpPr>
+      <p:sp>
+        <p:nvSpPr>
+          <p:cNvPr id="5" name="제목 4">
+            <a:extLst>
+              <a:ext uri="{FF2B5EF4-FFF2-40B4-BE49-F238E27FC236}">
+                <a16:creationId xmlns:a16="http://schemas.microsoft.com/office/drawing/2014/main" id="{2724A5C6-9DD9-4D14-9A95-BE768C50D3CC}"/>
+              </a:ext>
+            </a:extLst>
+          </p:cNvPr>
+          <p:cNvSpPr>
+            <a:spLocks noGrp="1"/>
+          </p:cNvSpPr>
+          <p:nvPr>
+            <p:ph type="title"/>
+          </p:nvPr>
+        </p:nvSpPr>
+        <p:spPr>
+          <a:xfrm>
+            <a:off x="381000" y="172641"/>
+            <a:ext cx="8382000" cy="387798"/>
+          </a:xfrm>
+        </p:spPr>
+        <p:txBody>
+          <a:bodyPr/>
+          <a:lstStyle/>
+          <a:p>
+            <a:r>
+              <a:rPr lang="en-US" sz="2800" dirty="0"/>
+              <a:t>AWSCloudFormationStackSetExecutionRole.yml</a:t>
+            </a:r>
+          </a:p>
+        </p:txBody>
+      </p:sp>
+      <p:pic>
+        <p:nvPicPr>
+          <p:cNvPr id="3" name="그림 2">
+            <a:extLst>
+              <a:ext uri="{FF2B5EF4-FFF2-40B4-BE49-F238E27FC236}">
+                <a16:creationId xmlns:a16="http://schemas.microsoft.com/office/drawing/2014/main" id="{747EDD05-8CEA-44C8-A862-55063CE69A3B}"/>
+              </a:ext>
+            </a:extLst>
+          </p:cNvPr>
+          <p:cNvPicPr>
+            <a:picLocks noChangeAspect="1"/>
+          </p:cNvPicPr>
+          <p:nvPr/>
+        </p:nvPicPr>
+        <p:blipFill>
+          <a:blip r:embed="rId3"/>
+          <a:stretch>
+            <a:fillRect/>
+          </a:stretch>
+        </p:blipFill>
+        <p:spPr>
+          <a:xfrm>
+            <a:off x="381000" y="635142"/>
+            <a:ext cx="7472515" cy="4438624"/>
+          </a:xfrm>
+          <a:prstGeom prst="rect">
+            <a:avLst/>
+          </a:prstGeom>
+        </p:spPr>
+      </p:pic>
+    </p:spTree>
+    <p:extLst>
+      <p:ext uri="{BB962C8B-B14F-4D97-AF65-F5344CB8AC3E}">
+        <p14:creationId xmlns:p14="http://schemas.microsoft.com/office/powerpoint/2010/main" val="2131658081"/>
+      </p:ext>
+    </p:extLst>
+  </p:cSld>
+  <p:clrMapOvr>
+    <a:masterClrMapping/>
+  </p:clrMapOvr>
+</p:sld>
+</file>
+
 <file path=ppt/slides/slide25.xml><?xml version="1.0" encoding="utf-8"?>
 <p:sld xmlns:a="http://schemas.openxmlformats.org/drawingml/2006/main" xmlns:r="http://schemas.openxmlformats.org/officeDocument/2006/relationships" xmlns:p="http://schemas.openxmlformats.org/presentationml/2006/main">
   <p:cSld>
@@ -8095,7 +10131,7 @@
         <p:spPr>
           <a:xfrm>
             <a:off x="381000" y="1058670"/>
-            <a:ext cx="8382000" cy="1805110"/>
+            <a:ext cx="8382000" cy="2211375"/>
           </a:xfrm>
         </p:spPr>
         <p:txBody>
@@ -8116,15 +10152,7 @@
             </a:r>
             <a:r>
               <a:rPr lang="ko-KR" altLang="en-US" dirty="0"/>
-              <a:t>이므로 </a:t>
-            </a:r>
-            <a:r>
-              <a:rPr lang="en-US" altLang="ko-KR" dirty="0"/>
-              <a:t>CFN</a:t>
-            </a:r>
-            <a:r>
-              <a:rPr lang="ko-KR" altLang="en-US" dirty="0"/>
-              <a:t>의 한계점을 그대로 가지고 있음</a:t>
+              <a:t>이므로 그 한계점을 그대로 상속함</a:t>
             </a:r>
             <a:endParaRPr lang="en-US" altLang="ko-KR" dirty="0"/>
           </a:p>
@@ -8184,6 +10212,31 @@
             <a:endParaRPr lang="en-US" altLang="ko-KR" dirty="0"/>
           </a:p>
           <a:p>
+            <a:endParaRPr lang="en-US" altLang="ko-KR" dirty="0"/>
+          </a:p>
+          <a:p>
+            <a:r>
+              <a:rPr lang="ko-KR" altLang="en-US" dirty="0" err="1"/>
+              <a:t>구글링하면서</a:t>
+            </a:r>
+            <a:r>
+              <a:rPr lang="ko-KR" altLang="en-US" dirty="0"/>
+              <a:t> 발견한 </a:t>
+            </a:r>
+            <a:r>
+              <a:rPr lang="en-US" altLang="ko-KR" dirty="0"/>
+              <a:t>“</a:t>
+            </a:r>
+            <a:r>
+              <a:rPr lang="en-US" dirty="0">
+                <a:hlinkClick r:id="rId3"/>
+              </a:rPr>
+              <a:t>My CloudFormation wish list</a:t>
+            </a:r>
+            <a:r>
+              <a:rPr lang="en-US" dirty="0"/>
+              <a:t>”</a:t>
+            </a:r>
             <a:endParaRPr lang="en-US" altLang="ko-KR" dirty="0"/>
           </a:p>
         </p:txBody>
@@ -9424,7 +11477,7 @@
         <p:spPr>
           <a:xfrm>
             <a:off x="381000" y="870411"/>
-            <a:ext cx="8382000" cy="1785104"/>
+            <a:ext cx="8382000" cy="4462760"/>
           </a:xfrm>
         </p:spPr>
         <p:txBody>
@@ -9464,6 +11517,63 @@
               <a:t>https://aws.amazon.com/blogs/mt/aws-cloudformation-2018-in-review/</a:t>
             </a:r>
             <a:endParaRPr lang="en-US" sz="2000" dirty="0"/>
+          </a:p>
+          <a:p>
+            <a:r>
+              <a:rPr lang="en-US" sz="2000" dirty="0"/>
+              <a:t>Deploy private Resource Manager template with SAS token and Azure PowerShell</a:t>
+            </a:r>
+            <a:br>
+              <a:rPr lang="en-US" sz="2000" dirty="0"/>
+            </a:br>
+            <a:r>
+              <a:rPr lang="en-US" sz="2000" dirty="0">
+                <a:hlinkClick r:id="rId5"/>
+              </a:rPr>
+              <a:t>https://docs.microsoft.com/en-us/azure/azure-resource-manager/resource-manager-powershell-sas-token</a:t>
+            </a:r>
+            <a:r>
+              <a:rPr lang="en-US" sz="2000" dirty="0"/>
+              <a:t> </a:t>
+            </a:r>
+          </a:p>
+          <a:p>
+            <a:r>
+              <a:rPr lang="en-US" sz="2000" dirty="0"/>
+              <a:t>My CloudFormation wish list</a:t>
+            </a:r>
+            <a:br>
+              <a:rPr lang="en-US" sz="2000" dirty="0"/>
+            </a:br>
+            <a:r>
+              <a:rPr lang="en-US" sz="2000" dirty="0">
+                <a:hlinkClick r:id="rId6"/>
+              </a:rPr>
+              <a:t>https://www.kencochrane.net/2017/03/25/my-cloudformation-wishlist/</a:t>
+            </a:r>
+            <a:r>
+              <a:rPr lang="en-US" sz="2000" dirty="0"/>
+              <a:t> </a:t>
+            </a:r>
+          </a:p>
+          <a:p>
+            <a:r>
+              <a:rPr lang="en-US" sz="2000" dirty="0"/>
+              <a:t>Azure Resource Manager template functions</a:t>
+            </a:r>
+            <a:br>
+              <a:rPr lang="en-US" sz="2000" dirty="0"/>
+            </a:br>
+            <a:r>
+              <a:rPr lang="en-US" sz="2000" dirty="0">
+                <a:hlinkClick r:id="rId7"/>
+              </a:rPr>
+              <a:t>https://docs.microsoft.com/en-us/azure/azure-resource-manager/resource-group-template-functions</a:t>
+            </a:r>
+            <a:r>
+              <a:rPr lang="en-US" sz="2000" dirty="0"/>
+              <a:t> </a:t>
+            </a:r>
           </a:p>
           <a:p>
             <a:endParaRPr lang="en-US" sz="2000" dirty="0"/>
@@ -9502,6 +11612,125 @@
       </p:grpSpPr>
       <p:sp>
         <p:nvSpPr>
+          <p:cNvPr id="2" name="제목 1"/>
+          <p:cNvSpPr>
+            <a:spLocks noGrp="1"/>
+          </p:cNvSpPr>
+          <p:nvPr>
+            <p:ph type="title"/>
+          </p:nvPr>
+        </p:nvSpPr>
+        <p:spPr/>
+        <p:txBody>
+          <a:bodyPr/>
+          <a:lstStyle/>
+          <a:p>
+            <a:r>
+              <a:rPr lang="en-US" altLang="ko-KR" dirty="0"/>
+              <a:t>References (cont’d)</a:t>
+            </a:r>
+            <a:endParaRPr lang="ko-KR" altLang="en-US" dirty="0"/>
+          </a:p>
+        </p:txBody>
+      </p:sp>
+      <p:sp>
+        <p:nvSpPr>
+          <p:cNvPr id="3" name="텍스트 개체 틀 2">
+            <a:extLst>
+              <a:ext uri="{FF2B5EF4-FFF2-40B4-BE49-F238E27FC236}">
+                <a16:creationId xmlns:a16="http://schemas.microsoft.com/office/drawing/2014/main" id="{A1B65C31-46F9-4FB6-ADE8-582A59930C02}"/>
+              </a:ext>
+            </a:extLst>
+          </p:cNvPr>
+          <p:cNvSpPr>
+            <a:spLocks noGrp="1"/>
+          </p:cNvSpPr>
+          <p:nvPr>
+            <p:ph type="body" sz="quarter" idx="10"/>
+          </p:nvPr>
+        </p:nvSpPr>
+        <p:spPr>
+          <a:xfrm>
+            <a:off x="381000" y="870411"/>
+            <a:ext cx="8382000" cy="1169551"/>
+          </a:xfrm>
+        </p:spPr>
+        <p:txBody>
+          <a:bodyPr/>
+          <a:lstStyle/>
+          <a:p>
+            <a:r>
+              <a:rPr lang="en-US" sz="2000" dirty="0"/>
+              <a:t>terraform 0.11 and Older / Interpolation Syntax</a:t>
+            </a:r>
+            <a:br>
+              <a:rPr lang="en-US" sz="2000" dirty="0"/>
+            </a:br>
+            <a:r>
+              <a:rPr lang="en-US" sz="2000" dirty="0">
+                <a:hlinkClick r:id="rId3"/>
+              </a:rPr>
+              <a:t>https://www.terraform.io/docs/configuration-0-11/interpolation.html</a:t>
+            </a:r>
+            <a:r>
+              <a:rPr lang="en-US" sz="2000" dirty="0"/>
+              <a:t> </a:t>
+            </a:r>
+          </a:p>
+          <a:p>
+            <a:r>
+              <a:rPr lang="en-US" sz="2000" dirty="0"/>
+              <a:t>Up your AWS CloudFormation game with Visual Studio Code</a:t>
+            </a:r>
+            <a:br>
+              <a:rPr lang="en-US" sz="2000" dirty="0"/>
+            </a:br>
+            <a:r>
+              <a:rPr lang="en-US" sz="2000" dirty="0">
+                <a:hlinkClick r:id="rId4"/>
+              </a:rPr>
+              <a:t>https://hodgkins.io/up-your-cloudformation-game-with-vscode</a:t>
+            </a:r>
+            <a:r>
+              <a:rPr lang="ko-KR" altLang="en-US" sz="2000" dirty="0"/>
+              <a:t> </a:t>
+            </a:r>
+            <a:endParaRPr lang="en-US" sz="2000" dirty="0"/>
+          </a:p>
+        </p:txBody>
+      </p:sp>
+    </p:spTree>
+    <p:extLst>
+      <p:ext uri="{BB962C8B-B14F-4D97-AF65-F5344CB8AC3E}">
+        <p14:creationId xmlns:p14="http://schemas.microsoft.com/office/powerpoint/2010/main" val="2476552907"/>
+      </p:ext>
+    </p:extLst>
+  </p:cSld>
+  <p:clrMapOvr>
+    <a:masterClrMapping/>
+  </p:clrMapOvr>
+</p:sld>
+</file>
+
+<file path=ppt/slides/slide32.xml><?xml version="1.0" encoding="utf-8"?>
+<p:sld xmlns:a="http://schemas.openxmlformats.org/drawingml/2006/main" xmlns:r="http://schemas.openxmlformats.org/officeDocument/2006/relationships" xmlns:p="http://schemas.openxmlformats.org/presentationml/2006/main">
+  <p:cSld>
+    <p:spTree>
+      <p:nvGrpSpPr>
+        <p:cNvPr id="1" name=""/>
+        <p:cNvGrpSpPr/>
+        <p:nvPr/>
+      </p:nvGrpSpPr>
+      <p:grpSpPr>
+        <a:xfrm>
+          <a:off x="0" y="0"/>
+          <a:ext cx="0" cy="0"/>
+          <a:chOff x="0" y="0"/>
+          <a:chExt cx="0" cy="0"/>
+        </a:xfrm>
+      </p:grpSpPr>
+      <p:sp>
+        <p:nvSpPr>
           <p:cNvPr id="4" name="제목 3">
             <a:extLst>
               <a:ext uri="{FF2B5EF4-FFF2-40B4-BE49-F238E27FC236}">
@@ -9948,7 +12177,7 @@
           <p:nvPr/>
         </p:nvPicPr>
         <p:blipFill>
-          <a:blip r:embed="rId2"/>
+          <a:blip r:embed="rId3"/>
           <a:stretch>
             <a:fillRect/>
           </a:stretch>
@@ -10320,7 +12549,7 @@
           <p:nvPr/>
         </p:nvPicPr>
         <p:blipFill>
-          <a:blip r:embed="rId2"/>
+          <a:blip r:embed="rId3"/>
           <a:stretch>
             <a:fillRect/>
           </a:stretch>
@@ -10350,7 +12579,7 @@
           <p:nvPr/>
         </p:nvPicPr>
         <p:blipFill>
-          <a:blip r:embed="rId3"/>
+          <a:blip r:embed="rId4"/>
           <a:stretch>
             <a:fillRect/>
           </a:stretch>

--- a/2019/2019.03.12-AWS-pangyo/aws-cfn-stackset.pptx
+++ b/2019/2019.03.12-AWS-pangyo/aws-cfn-stackset.pptx
@@ -987,7 +987,7 @@
                 <a:tabLst/>
                 <a:defRPr/>
               </a:pPr>
-              <a:t>3/13/2019 11:25 AM</a:t>
+              <a:t>3/14/2019 10:02 AM</a:t>
             </a:fld>
             <a:endParaRPr kumimoji="0" lang="en-US" sz="1200" b="0" i="0" u="none" strike="noStrike" kern="1200" cap="none" spc="0" normalizeH="0" baseline="0" noProof="0">
               <a:ln>
@@ -2385,7 +2385,7 @@
                 <a:tabLst/>
                 <a:defRPr/>
               </a:pPr>
-              <a:t>3/13/2019 11:25 AM</a:t>
+              <a:t>3/14/2019 10:02 AM</a:t>
             </a:fld>
             <a:endParaRPr kumimoji="0" lang="en-US" sz="1200" b="0" i="0" u="none" strike="noStrike" kern="1200" cap="none" spc="0" normalizeH="0" baseline="0" noProof="0">
               <a:ln>
